--- a/adl4cv_poster.pptx
+++ b/adl4cv_poster.pptx
@@ -197,7 +197,7 @@
           <a:p>
             <a:fld id="{FE6301C6-7EEA-E14D-A2EB-D86579570BB4}" type="datetimeFigureOut">
               <a:rPr lang="en-US" smtClean="0"/>
-              <a:t>2/3/2020</a:t>
+              <a:t>2/4/2020</a:t>
             </a:fld>
             <a:endParaRPr lang="en-US"/>
           </a:p>
@@ -679,7 +679,7 @@
           <a:p>
             <a:fld id="{34B2D814-C921-4685-A108-92E7946A142E}" type="datetimeFigureOut">
               <a:rPr lang="en-US" smtClean="0"/>
-              <a:t>2/3/2020</a:t>
+              <a:t>2/4/2020</a:t>
             </a:fld>
             <a:endParaRPr lang="en-US"/>
           </a:p>
@@ -849,7 +849,7 @@
           <a:p>
             <a:fld id="{34B2D814-C921-4685-A108-92E7946A142E}" type="datetimeFigureOut">
               <a:rPr lang="en-US" smtClean="0"/>
-              <a:t>2/3/2020</a:t>
+              <a:t>2/4/2020</a:t>
             </a:fld>
             <a:endParaRPr lang="en-US"/>
           </a:p>
@@ -1029,7 +1029,7 @@
           <a:p>
             <a:fld id="{34B2D814-C921-4685-A108-92E7946A142E}" type="datetimeFigureOut">
               <a:rPr lang="en-US" smtClean="0"/>
-              <a:t>2/3/2020</a:t>
+              <a:t>2/4/2020</a:t>
             </a:fld>
             <a:endParaRPr lang="en-US"/>
           </a:p>
@@ -1199,7 +1199,7 @@
           <a:p>
             <a:fld id="{34B2D814-C921-4685-A108-92E7946A142E}" type="datetimeFigureOut">
               <a:rPr lang="en-US" smtClean="0"/>
-              <a:t>2/3/2020</a:t>
+              <a:t>2/4/2020</a:t>
             </a:fld>
             <a:endParaRPr lang="en-US"/>
           </a:p>
@@ -1443,7 +1443,7 @@
           <a:p>
             <a:fld id="{34B2D814-C921-4685-A108-92E7946A142E}" type="datetimeFigureOut">
               <a:rPr lang="en-US" smtClean="0"/>
-              <a:t>2/3/2020</a:t>
+              <a:t>2/4/2020</a:t>
             </a:fld>
             <a:endParaRPr lang="en-US"/>
           </a:p>
@@ -1675,7 +1675,7 @@
           <a:p>
             <a:fld id="{34B2D814-C921-4685-A108-92E7946A142E}" type="datetimeFigureOut">
               <a:rPr lang="en-US" smtClean="0"/>
-              <a:t>2/3/2020</a:t>
+              <a:t>2/4/2020</a:t>
             </a:fld>
             <a:endParaRPr lang="en-US"/>
           </a:p>
@@ -2042,7 +2042,7 @@
           <a:p>
             <a:fld id="{34B2D814-C921-4685-A108-92E7946A142E}" type="datetimeFigureOut">
               <a:rPr lang="en-US" smtClean="0"/>
-              <a:t>2/3/2020</a:t>
+              <a:t>2/4/2020</a:t>
             </a:fld>
             <a:endParaRPr lang="en-US"/>
           </a:p>
@@ -2160,7 +2160,7 @@
           <a:p>
             <a:fld id="{34B2D814-C921-4685-A108-92E7946A142E}" type="datetimeFigureOut">
               <a:rPr lang="en-US" smtClean="0"/>
-              <a:t>2/3/2020</a:t>
+              <a:t>2/4/2020</a:t>
             </a:fld>
             <a:endParaRPr lang="en-US"/>
           </a:p>
@@ -2255,7 +2255,7 @@
           <a:p>
             <a:fld id="{34B2D814-C921-4685-A108-92E7946A142E}" type="datetimeFigureOut">
               <a:rPr lang="en-US" smtClean="0"/>
-              <a:t>2/3/2020</a:t>
+              <a:t>2/4/2020</a:t>
             </a:fld>
             <a:endParaRPr lang="en-US"/>
           </a:p>
@@ -2532,7 +2532,7 @@
           <a:p>
             <a:fld id="{34B2D814-C921-4685-A108-92E7946A142E}" type="datetimeFigureOut">
               <a:rPr lang="en-US" smtClean="0"/>
-              <a:t>2/3/2020</a:t>
+              <a:t>2/4/2020</a:t>
             </a:fld>
             <a:endParaRPr lang="en-US"/>
           </a:p>
@@ -2789,7 +2789,7 @@
           <a:p>
             <a:fld id="{34B2D814-C921-4685-A108-92E7946A142E}" type="datetimeFigureOut">
               <a:rPr lang="en-US" smtClean="0"/>
-              <a:t>2/3/2020</a:t>
+              <a:t>2/4/2020</a:t>
             </a:fld>
             <a:endParaRPr lang="en-US"/>
           </a:p>
@@ -3002,7 +3002,7 @@
           <a:p>
             <a:fld id="{34B2D814-C921-4685-A108-92E7946A142E}" type="datetimeFigureOut">
               <a:rPr lang="en-US" smtClean="0"/>
-              <a:t>2/3/2020</a:t>
+              <a:t>2/4/2020</a:t>
             </a:fld>
             <a:endParaRPr lang="en-US"/>
           </a:p>
@@ -3421,8 +3421,8 @@
         </p:nvGrpSpPr>
         <p:grpSpPr>
           <a:xfrm>
-            <a:off x="21632000" y="3578224"/>
-            <a:ext cx="20829600" cy="5226562"/>
+            <a:off x="362079" y="21523460"/>
+            <a:ext cx="20829600" cy="8424580"/>
             <a:chOff x="487680" y="6633686"/>
             <a:chExt cx="19994880" cy="12629674"/>
           </a:xfrm>
@@ -3481,7 +3481,7 @@
                   </a:solidFill>
                   <a:latin typeface="Raleway" panose="020B0503030101060003" pitchFamily="34" charset="77"/>
                 </a:rPr>
-                <a:t>Box 4</a:t>
+                <a:t>Encoder Networks</a:t>
               </a:r>
             </a:p>
           </p:txBody>
@@ -3500,290 +3500,12 @@
           </p:nvSpPr>
           <p:spPr>
             <a:xfrm>
-              <a:off x="660401" y="9129830"/>
-              <a:ext cx="19649439" cy="9832306"/>
+              <a:off x="660401" y="8182280"/>
+              <a:ext cx="19649439" cy="10779855"/>
             </a:xfrm>
             <a:prstGeom prst="roundRect">
               <a:avLst>
                 <a:gd name="adj" fmla="val 2972"/>
-              </a:avLst>
-            </a:prstGeom>
-            <a:solidFill>
-              <a:schemeClr val="bg1"/>
-            </a:solidFill>
-            <a:ln>
-              <a:noFill/>
-            </a:ln>
-          </p:spPr>
-          <p:style>
-            <a:lnRef idx="2">
-              <a:schemeClr val="accent1">
-                <a:shade val="50000"/>
-              </a:schemeClr>
-            </a:lnRef>
-            <a:fillRef idx="1">
-              <a:schemeClr val="accent1"/>
-            </a:fillRef>
-            <a:effectRef idx="0">
-              <a:schemeClr val="accent1"/>
-            </a:effectRef>
-            <a:fontRef idx="minor">
-              <a:schemeClr val="lt1"/>
-            </a:fontRef>
-          </p:style>
-          <p:txBody>
-            <a:bodyPr rtlCol="0" anchor="t"/>
-            <a:lstStyle/>
-            <a:p>
-              <a:pPr algn="ctr"/>
-              <a:endParaRPr lang="en-US" sz="4070" dirty="0">
-                <a:solidFill>
-                  <a:schemeClr val="tx1"/>
-                </a:solidFill>
-                <a:latin typeface="Raleway" panose="020B0503030101060003" pitchFamily="34" charset="77"/>
-              </a:endParaRPr>
-            </a:p>
-          </p:txBody>
-        </p:sp>
-      </p:grpSp>
-      <p:grpSp>
-        <p:nvGrpSpPr>
-          <p:cNvPr id="197" name="Gruppieren 30">
-            <a:extLst>
-              <a:ext uri="{FF2B5EF4-FFF2-40B4-BE49-F238E27FC236}">
-                <a16:creationId xmlns:a16="http://schemas.microsoft.com/office/drawing/2014/main" id="{E9B0E50E-C061-FE40-AD95-A140E025B073}"/>
-              </a:ext>
-            </a:extLst>
-          </p:cNvPr>
-          <p:cNvGrpSpPr/>
-          <p:nvPr/>
-        </p:nvGrpSpPr>
-        <p:grpSpPr>
-          <a:xfrm>
-            <a:off x="21641624" y="9082350"/>
-            <a:ext cx="20829600" cy="10628050"/>
-            <a:chOff x="487680" y="6633686"/>
-            <a:chExt cx="19994880" cy="12629674"/>
-          </a:xfrm>
-        </p:grpSpPr>
-        <p:sp>
-          <p:nvSpPr>
-            <p:cNvPr id="198" name="Abgerundetes Rechteck 31">
-              <a:extLst>
-                <a:ext uri="{FF2B5EF4-FFF2-40B4-BE49-F238E27FC236}">
-                  <a16:creationId xmlns:a16="http://schemas.microsoft.com/office/drawing/2014/main" id="{16855189-180B-3343-B77F-0CC27C4B83C6}"/>
-                </a:ext>
-              </a:extLst>
-            </p:cNvPr>
-            <p:cNvSpPr/>
-            <p:nvPr/>
-          </p:nvSpPr>
-          <p:spPr>
-            <a:xfrm>
-              <a:off x="487680" y="6633686"/>
-              <a:ext cx="19994880" cy="12629674"/>
-            </a:xfrm>
-            <a:prstGeom prst="roundRect">
-              <a:avLst>
-                <a:gd name="adj" fmla="val 826"/>
-              </a:avLst>
-            </a:prstGeom>
-            <a:solidFill>
-              <a:srgbClr val="0065BD"/>
-            </a:solidFill>
-          </p:spPr>
-          <p:style>
-            <a:lnRef idx="2">
-              <a:schemeClr val="accent1">
-                <a:shade val="50000"/>
-              </a:schemeClr>
-            </a:lnRef>
-            <a:fillRef idx="1">
-              <a:schemeClr val="accent1"/>
-            </a:fillRef>
-            <a:effectRef idx="0">
-              <a:schemeClr val="accent1"/>
-            </a:effectRef>
-            <a:fontRef idx="minor">
-              <a:schemeClr val="lt1"/>
-            </a:fontRef>
-          </p:style>
-          <p:txBody>
-            <a:bodyPr rtlCol="0" anchor="t"/>
-            <a:lstStyle/>
-            <a:p>
-              <a:pPr algn="ctr"/>
-              <a:r>
-                <a:rPr lang="en-US" sz="5400" dirty="0">
-                  <a:solidFill>
-                    <a:schemeClr val="bg1"/>
-                  </a:solidFill>
-                  <a:latin typeface="Raleway" panose="020B0503030101060003" pitchFamily="34" charset="77"/>
-                </a:rPr>
-                <a:t>Box 5</a:t>
-              </a:r>
-            </a:p>
-          </p:txBody>
-        </p:sp>
-        <p:sp>
-          <p:nvSpPr>
-            <p:cNvPr id="199" name="Abgerundetes Rechteck 32">
-              <a:extLst>
-                <a:ext uri="{FF2B5EF4-FFF2-40B4-BE49-F238E27FC236}">
-                  <a16:creationId xmlns:a16="http://schemas.microsoft.com/office/drawing/2014/main" id="{B5429F49-2E82-3540-9661-5E018075AB7A}"/>
-                </a:ext>
-              </a:extLst>
-            </p:cNvPr>
-            <p:cNvSpPr/>
-            <p:nvPr/>
-          </p:nvSpPr>
-          <p:spPr>
-            <a:xfrm>
-              <a:off x="660401" y="7839803"/>
-              <a:ext cx="19649439" cy="11264168"/>
-            </a:xfrm>
-            <a:prstGeom prst="roundRect">
-              <a:avLst>
-                <a:gd name="adj" fmla="val 1322"/>
-              </a:avLst>
-            </a:prstGeom>
-            <a:solidFill>
-              <a:schemeClr val="bg1"/>
-            </a:solidFill>
-            <a:ln>
-              <a:noFill/>
-            </a:ln>
-          </p:spPr>
-          <p:style>
-            <a:lnRef idx="2">
-              <a:schemeClr val="accent1">
-                <a:shade val="50000"/>
-              </a:schemeClr>
-            </a:lnRef>
-            <a:fillRef idx="1">
-              <a:schemeClr val="accent1"/>
-            </a:fillRef>
-            <a:effectRef idx="0">
-              <a:schemeClr val="accent1"/>
-            </a:effectRef>
-            <a:fontRef idx="minor">
-              <a:schemeClr val="lt1"/>
-            </a:fontRef>
-          </p:style>
-          <p:txBody>
-            <a:bodyPr rtlCol="0" anchor="t"/>
-            <a:lstStyle/>
-            <a:p>
-              <a:pPr algn="ctr"/>
-              <a:endParaRPr lang="en-US" sz="4070" dirty="0">
-                <a:solidFill>
-                  <a:schemeClr val="tx1"/>
-                </a:solidFill>
-                <a:latin typeface="Raleway" panose="020B0503030101060003" pitchFamily="34" charset="77"/>
-              </a:endParaRPr>
-            </a:p>
-          </p:txBody>
-        </p:sp>
-      </p:grpSp>
-      <p:grpSp>
-        <p:nvGrpSpPr>
-          <p:cNvPr id="183" name="Gruppieren 30">
-            <a:extLst>
-              <a:ext uri="{FF2B5EF4-FFF2-40B4-BE49-F238E27FC236}">
-                <a16:creationId xmlns:a16="http://schemas.microsoft.com/office/drawing/2014/main" id="{B18CFB36-5E0C-6A4C-BF88-0698A8214278}"/>
-              </a:ext>
-            </a:extLst>
-          </p:cNvPr>
-          <p:cNvGrpSpPr/>
-          <p:nvPr/>
-        </p:nvGrpSpPr>
-        <p:grpSpPr>
-          <a:xfrm>
-            <a:off x="365760" y="13284200"/>
-            <a:ext cx="20829600" cy="15119292"/>
-            <a:chOff x="487680" y="6633686"/>
-            <a:chExt cx="19994880" cy="12629674"/>
-          </a:xfrm>
-        </p:grpSpPr>
-        <p:sp>
-          <p:nvSpPr>
-            <p:cNvPr id="184" name="Abgerundetes Rechteck 31">
-              <a:extLst>
-                <a:ext uri="{FF2B5EF4-FFF2-40B4-BE49-F238E27FC236}">
-                  <a16:creationId xmlns:a16="http://schemas.microsoft.com/office/drawing/2014/main" id="{05082EE6-A033-FF48-B0D3-E7069FEF0D3F}"/>
-                </a:ext>
-              </a:extLst>
-            </p:cNvPr>
-            <p:cNvSpPr/>
-            <p:nvPr/>
-          </p:nvSpPr>
-          <p:spPr>
-            <a:xfrm>
-              <a:off x="487680" y="6633686"/>
-              <a:ext cx="19994880" cy="12629674"/>
-            </a:xfrm>
-            <a:prstGeom prst="roundRect">
-              <a:avLst>
-                <a:gd name="adj" fmla="val 687"/>
-              </a:avLst>
-            </a:prstGeom>
-            <a:solidFill>
-              <a:srgbClr val="0065BD"/>
-            </a:solidFill>
-          </p:spPr>
-          <p:style>
-            <a:lnRef idx="2">
-              <a:schemeClr val="accent1">
-                <a:shade val="50000"/>
-              </a:schemeClr>
-            </a:lnRef>
-            <a:fillRef idx="1">
-              <a:schemeClr val="accent1"/>
-            </a:fillRef>
-            <a:effectRef idx="0">
-              <a:schemeClr val="accent1"/>
-            </a:effectRef>
-            <a:fontRef idx="minor">
-              <a:schemeClr val="lt1"/>
-            </a:fontRef>
-          </p:style>
-          <p:txBody>
-            <a:bodyPr rtlCol="0" anchor="t"/>
-            <a:lstStyle/>
-            <a:p>
-              <a:pPr algn="ctr"/>
-              <a:r>
-                <a:rPr lang="en-US" sz="6000" dirty="0">
-                  <a:solidFill>
-                    <a:schemeClr val="bg1"/>
-                  </a:solidFill>
-                  <a:latin typeface="Raleway" panose="020B0503030101060003" pitchFamily="34" charset="77"/>
-                </a:rPr>
-                <a:t>Box 3</a:t>
-              </a:r>
-            </a:p>
-          </p:txBody>
-        </p:sp>
-        <p:sp>
-          <p:nvSpPr>
-            <p:cNvPr id="185" name="Abgerundetes Rechteck 32">
-              <a:extLst>
-                <a:ext uri="{FF2B5EF4-FFF2-40B4-BE49-F238E27FC236}">
-                  <a16:creationId xmlns:a16="http://schemas.microsoft.com/office/drawing/2014/main" id="{65784C93-BE70-F34E-BC6B-90ADF83981A2}"/>
-                </a:ext>
-              </a:extLst>
-            </p:cNvPr>
-            <p:cNvSpPr/>
-            <p:nvPr/>
-          </p:nvSpPr>
-          <p:spPr>
-            <a:xfrm>
-              <a:off x="660401" y="7496574"/>
-              <a:ext cx="19649439" cy="11604225"/>
-            </a:xfrm>
-            <a:prstGeom prst="roundRect">
-              <a:avLst>
-                <a:gd name="adj" fmla="val 801"/>
               </a:avLst>
             </a:prstGeom>
             <a:solidFill>
@@ -3838,10 +3560,10 @@
         </p:nvGrpSpPr>
         <p:grpSpPr>
           <a:xfrm>
-            <a:off x="13531800" y="534976"/>
-            <a:ext cx="16872000" cy="2644824"/>
-            <a:chOff x="9228580" y="9416272"/>
-            <a:chExt cx="18966430" cy="3773980"/>
+            <a:off x="9735907" y="504826"/>
+            <a:ext cx="24627833" cy="2674973"/>
+            <a:chOff x="8175160" y="9373251"/>
+            <a:chExt cx="20019850" cy="3817001"/>
           </a:xfrm>
         </p:grpSpPr>
         <p:grpSp>
@@ -3858,10 +3580,10 @@
           </p:nvGrpSpPr>
           <p:grpSpPr>
             <a:xfrm>
-              <a:off x="9228580" y="9416272"/>
-              <a:ext cx="18966430" cy="2751921"/>
-              <a:chOff x="9228580" y="9416272"/>
-              <a:chExt cx="18966430" cy="2751921"/>
+              <a:off x="8175160" y="9373251"/>
+              <a:ext cx="20019850" cy="3293818"/>
+              <a:chOff x="8175160" y="9373251"/>
+              <a:chExt cx="20019850" cy="3293818"/>
             </a:xfrm>
           </p:grpSpPr>
           <p:sp>
@@ -3912,8 +3634,8 @@
             </p:nvSpPr>
             <p:spPr>
               <a:xfrm>
-                <a:off x="9228580" y="9416272"/>
-                <a:ext cx="18966430" cy="1712786"/>
+                <a:off x="8175160" y="9373251"/>
+                <a:ext cx="18966430" cy="3293818"/>
               </a:xfrm>
               <a:prstGeom prst="rect">
                 <a:avLst/>
@@ -3927,10 +3649,8 @@
               <a:p>
                 <a:pPr algn="ctr"/>
                 <a:r>
-                  <a:rPr lang="en-US" sz="7200" b="1" dirty="0">
-                    <a:latin typeface="Raleway" panose="020B0503030101060003" pitchFamily="34" charset="77"/>
-                  </a:rPr>
-                  <a:t>Project name</a:t>
+                  <a:rPr lang="en-US" sz="7200" dirty="0"/>
+                  <a:t>An intuitive natural language based image generation process</a:t>
                 </a:r>
                 <a:endParaRPr lang="en-US" sz="7200" dirty="0">
                   <a:latin typeface="Raleway" panose="020B0503030101060003" pitchFamily="34" charset="77"/>
@@ -4033,7 +3753,7 @@
                   </a:solidFill>
                   <a:latin typeface="Raleway" panose="020B0503030101060003" pitchFamily="34" charset="77"/>
                 </a:rPr>
-                <a:t>Box 1</a:t>
+                <a:t>The Idea</a:t>
               </a:r>
             </a:p>
           </p:txBody>
@@ -4094,20 +3814,14 @@
       </p:grpSp>
       <p:sp>
         <p:nvSpPr>
-          <p:cNvPr id="196" name="Textfeld 171">
-            <a:extLst>
-              <a:ext uri="{FF2B5EF4-FFF2-40B4-BE49-F238E27FC236}">
-                <a16:creationId xmlns:a16="http://schemas.microsoft.com/office/drawing/2014/main" id="{867B0F4C-3F2E-234A-BBE6-D30068AACF4C}"/>
-              </a:ext>
-            </a:extLst>
-          </p:cNvPr>
+          <p:cNvPr id="132" name="Textfeld 131"/>
           <p:cNvSpPr txBox="1"/>
           <p:nvPr/>
         </p:nvSpPr>
         <p:spPr>
           <a:xfrm>
-            <a:off x="731345" y="23059509"/>
-            <a:ext cx="20036524" cy="4524315"/>
+            <a:off x="21608403" y="27994642"/>
+            <a:ext cx="14036040" cy="1077218"/>
           </a:xfrm>
           <a:prstGeom prst="rect">
             <a:avLst/>
@@ -4121,803 +3835,25 @@
           <a:lstStyle/>
           <a:p>
             <a:r>
-              <a:rPr lang="en-US" sz="3200" dirty="0">
-                <a:latin typeface="Raleway" panose="020B0503030101060003" pitchFamily="34" charset="77"/>
-              </a:rPr>
-              <a:t>Lorem ipsum dolor sit </a:t>
-            </a:r>
-            <a:r>
-              <a:rPr lang="en-US" sz="3200" dirty="0" err="1">
-                <a:latin typeface="Raleway" panose="020B0503030101060003" pitchFamily="34" charset="77"/>
-              </a:rPr>
-              <a:t>amet</a:t>
-            </a:r>
-            <a:r>
-              <a:rPr lang="en-US" sz="3200" dirty="0">
-                <a:latin typeface="Raleway" panose="020B0503030101060003" pitchFamily="34" charset="77"/>
-              </a:rPr>
-              <a:t>, </a:t>
-            </a:r>
-            <a:r>
-              <a:rPr lang="en-US" sz="3200" dirty="0" err="1">
-                <a:latin typeface="Raleway" panose="020B0503030101060003" pitchFamily="34" charset="77"/>
-              </a:rPr>
-              <a:t>consectetur</a:t>
-            </a:r>
-            <a:r>
-              <a:rPr lang="en-US" sz="3200" dirty="0">
-                <a:latin typeface="Raleway" panose="020B0503030101060003" pitchFamily="34" charset="77"/>
-              </a:rPr>
-              <a:t> </a:t>
-            </a:r>
-            <a:r>
-              <a:rPr lang="en-US" sz="3200" dirty="0" err="1">
-                <a:latin typeface="Raleway" panose="020B0503030101060003" pitchFamily="34" charset="77"/>
-              </a:rPr>
-              <a:t>adipiscing</a:t>
-            </a:r>
-            <a:r>
-              <a:rPr lang="en-US" sz="3200" dirty="0">
-                <a:latin typeface="Raleway" panose="020B0503030101060003" pitchFamily="34" charset="77"/>
-              </a:rPr>
-              <a:t> </a:t>
-            </a:r>
-            <a:r>
-              <a:rPr lang="en-US" sz="3200" dirty="0" err="1">
-                <a:latin typeface="Raleway" panose="020B0503030101060003" pitchFamily="34" charset="77"/>
-              </a:rPr>
-              <a:t>elit</a:t>
-            </a:r>
-            <a:r>
-              <a:rPr lang="en-US" sz="3200" dirty="0">
-                <a:latin typeface="Raleway" panose="020B0503030101060003" pitchFamily="34" charset="77"/>
-              </a:rPr>
-              <a:t>, </a:t>
-            </a:r>
-            <a:r>
-              <a:rPr lang="en-US" sz="3200" dirty="0" err="1">
-                <a:latin typeface="Raleway" panose="020B0503030101060003" pitchFamily="34" charset="77"/>
-              </a:rPr>
-              <a:t>sed</a:t>
-            </a:r>
-            <a:r>
-              <a:rPr lang="en-US" sz="3200" dirty="0">
-                <a:latin typeface="Raleway" panose="020B0503030101060003" pitchFamily="34" charset="77"/>
-              </a:rPr>
-              <a:t> do </a:t>
-            </a:r>
-            <a:r>
-              <a:rPr lang="en-US" sz="3200" dirty="0" err="1">
-                <a:latin typeface="Raleway" panose="020B0503030101060003" pitchFamily="34" charset="77"/>
-              </a:rPr>
-              <a:t>eiusmod</a:t>
-            </a:r>
-            <a:r>
-              <a:rPr lang="en-US" sz="3200" dirty="0">
-                <a:latin typeface="Raleway" panose="020B0503030101060003" pitchFamily="34" charset="77"/>
-              </a:rPr>
-              <a:t> </a:t>
-            </a:r>
-            <a:r>
-              <a:rPr lang="en-US" sz="3200" dirty="0" err="1">
-                <a:latin typeface="Raleway" panose="020B0503030101060003" pitchFamily="34" charset="77"/>
-              </a:rPr>
-              <a:t>tempor</a:t>
-            </a:r>
-            <a:r>
-              <a:rPr lang="en-US" sz="3200" dirty="0">
-                <a:latin typeface="Raleway" panose="020B0503030101060003" pitchFamily="34" charset="77"/>
-              </a:rPr>
-              <a:t> </a:t>
-            </a:r>
-            <a:r>
-              <a:rPr lang="en-US" sz="3200" dirty="0" err="1">
-                <a:latin typeface="Raleway" panose="020B0503030101060003" pitchFamily="34" charset="77"/>
-              </a:rPr>
-              <a:t>incididunt</a:t>
-            </a:r>
-            <a:r>
-              <a:rPr lang="en-US" sz="3200" dirty="0">
-                <a:latin typeface="Raleway" panose="020B0503030101060003" pitchFamily="34" charset="77"/>
-              </a:rPr>
-              <a:t> </a:t>
-            </a:r>
-            <a:r>
-              <a:rPr lang="en-US" sz="3200" dirty="0" err="1">
-                <a:latin typeface="Raleway" panose="020B0503030101060003" pitchFamily="34" charset="77"/>
-              </a:rPr>
-              <a:t>ut</a:t>
-            </a:r>
-            <a:r>
-              <a:rPr lang="en-US" sz="3200" dirty="0">
-                <a:latin typeface="Raleway" panose="020B0503030101060003" pitchFamily="34" charset="77"/>
-              </a:rPr>
-              <a:t> </a:t>
-            </a:r>
-            <a:r>
-              <a:rPr lang="en-US" sz="3200" dirty="0" err="1">
-                <a:latin typeface="Raleway" panose="020B0503030101060003" pitchFamily="34" charset="77"/>
-              </a:rPr>
-              <a:t>labore</a:t>
-            </a:r>
-            <a:r>
-              <a:rPr lang="en-US" sz="3200" dirty="0">
-                <a:latin typeface="Raleway" panose="020B0503030101060003" pitchFamily="34" charset="77"/>
-              </a:rPr>
-              <a:t> et dolore magna </a:t>
-            </a:r>
-            <a:r>
-              <a:rPr lang="en-US" sz="3200" dirty="0" err="1">
-                <a:latin typeface="Raleway" panose="020B0503030101060003" pitchFamily="34" charset="77"/>
-              </a:rPr>
-              <a:t>aliqua</a:t>
-            </a:r>
-            <a:r>
-              <a:rPr lang="en-US" sz="3200" dirty="0">
-                <a:latin typeface="Raleway" panose="020B0503030101060003" pitchFamily="34" charset="77"/>
-              </a:rPr>
-              <a:t>. </a:t>
-            </a:r>
-            <a:r>
-              <a:rPr lang="en-US" sz="3200" dirty="0" err="1">
-                <a:latin typeface="Raleway" panose="020B0503030101060003" pitchFamily="34" charset="77"/>
-              </a:rPr>
-              <a:t>Tincidunt</a:t>
-            </a:r>
-            <a:r>
-              <a:rPr lang="en-US" sz="3200" dirty="0">
-                <a:latin typeface="Raleway" panose="020B0503030101060003" pitchFamily="34" charset="77"/>
-              </a:rPr>
-              <a:t> </a:t>
-            </a:r>
-            <a:r>
-              <a:rPr lang="en-US" sz="3200" dirty="0" err="1">
-                <a:latin typeface="Raleway" panose="020B0503030101060003" pitchFamily="34" charset="77"/>
-              </a:rPr>
-              <a:t>nunc</a:t>
-            </a:r>
-            <a:r>
-              <a:rPr lang="en-US" sz="3200" dirty="0">
-                <a:latin typeface="Raleway" panose="020B0503030101060003" pitchFamily="34" charset="77"/>
-              </a:rPr>
-              <a:t> pulvinar </a:t>
-            </a:r>
-            <a:r>
-              <a:rPr lang="en-US" sz="3200" dirty="0" err="1">
-                <a:latin typeface="Raleway" panose="020B0503030101060003" pitchFamily="34" charset="77"/>
-              </a:rPr>
-              <a:t>sapien</a:t>
-            </a:r>
-            <a:r>
-              <a:rPr lang="en-US" sz="3200" dirty="0">
-                <a:latin typeface="Raleway" panose="020B0503030101060003" pitchFamily="34" charset="77"/>
-              </a:rPr>
-              <a:t> et ligula </a:t>
-            </a:r>
-            <a:r>
-              <a:rPr lang="en-US" sz="3200" dirty="0" err="1">
-                <a:latin typeface="Raleway" panose="020B0503030101060003" pitchFamily="34" charset="77"/>
-              </a:rPr>
-              <a:t>ullamcorper</a:t>
-            </a:r>
-            <a:r>
-              <a:rPr lang="en-US" sz="3200" dirty="0">
-                <a:latin typeface="Raleway" panose="020B0503030101060003" pitchFamily="34" charset="77"/>
-              </a:rPr>
-              <a:t> </a:t>
-            </a:r>
-            <a:r>
-              <a:rPr lang="en-US" sz="3200" dirty="0" err="1">
-                <a:latin typeface="Raleway" panose="020B0503030101060003" pitchFamily="34" charset="77"/>
-              </a:rPr>
-              <a:t>malesuada</a:t>
-            </a:r>
-            <a:r>
-              <a:rPr lang="en-US" sz="3200" dirty="0">
-                <a:latin typeface="Raleway" panose="020B0503030101060003" pitchFamily="34" charset="77"/>
-              </a:rPr>
-              <a:t>. </a:t>
-            </a:r>
-            <a:r>
-              <a:rPr lang="en-US" sz="3200" dirty="0" err="1">
-                <a:latin typeface="Raleway" panose="020B0503030101060003" pitchFamily="34" charset="77"/>
-              </a:rPr>
-              <a:t>Eget</a:t>
-            </a:r>
-            <a:r>
-              <a:rPr lang="en-US" sz="3200" dirty="0">
-                <a:latin typeface="Raleway" panose="020B0503030101060003" pitchFamily="34" charset="77"/>
-              </a:rPr>
-              <a:t> lorem dolor </a:t>
-            </a:r>
-            <a:r>
-              <a:rPr lang="en-US" sz="3200" dirty="0" err="1">
-                <a:latin typeface="Raleway" panose="020B0503030101060003" pitchFamily="34" charset="77"/>
-              </a:rPr>
-              <a:t>sed</a:t>
-            </a:r>
-            <a:r>
-              <a:rPr lang="en-US" sz="3200" dirty="0">
-                <a:latin typeface="Raleway" panose="020B0503030101060003" pitchFamily="34" charset="77"/>
-              </a:rPr>
-              <a:t> </a:t>
-            </a:r>
-            <a:r>
-              <a:rPr lang="en-US" sz="3200" dirty="0" err="1">
-                <a:latin typeface="Raleway" panose="020B0503030101060003" pitchFamily="34" charset="77"/>
-              </a:rPr>
-              <a:t>viverra</a:t>
-            </a:r>
-            <a:r>
-              <a:rPr lang="en-US" sz="3200" dirty="0">
-                <a:latin typeface="Raleway" panose="020B0503030101060003" pitchFamily="34" charset="77"/>
-              </a:rPr>
-              <a:t> ipsum </a:t>
-            </a:r>
-            <a:r>
-              <a:rPr lang="en-US" sz="3200" dirty="0" err="1">
-                <a:latin typeface="Raleway" panose="020B0503030101060003" pitchFamily="34" charset="77"/>
-              </a:rPr>
-              <a:t>nunc</a:t>
-            </a:r>
-            <a:r>
-              <a:rPr lang="en-US" sz="3200" dirty="0">
-                <a:latin typeface="Raleway" panose="020B0503030101060003" pitchFamily="34" charset="77"/>
-              </a:rPr>
-              <a:t>. </a:t>
-            </a:r>
-            <a:r>
-              <a:rPr lang="en-US" sz="3200" dirty="0" err="1">
-                <a:latin typeface="Raleway" panose="020B0503030101060003" pitchFamily="34" charset="77"/>
-              </a:rPr>
-              <a:t>Odio</a:t>
-            </a:r>
-            <a:r>
-              <a:rPr lang="en-US" sz="3200" dirty="0">
-                <a:latin typeface="Raleway" panose="020B0503030101060003" pitchFamily="34" charset="77"/>
-              </a:rPr>
-              <a:t> </a:t>
-            </a:r>
-            <a:r>
-              <a:rPr lang="en-US" sz="3200" dirty="0" err="1">
-                <a:latin typeface="Raleway" panose="020B0503030101060003" pitchFamily="34" charset="77"/>
-              </a:rPr>
-              <a:t>morbi</a:t>
-            </a:r>
-            <a:r>
-              <a:rPr lang="en-US" sz="3200" dirty="0">
-                <a:latin typeface="Raleway" panose="020B0503030101060003" pitchFamily="34" charset="77"/>
-              </a:rPr>
-              <a:t> </a:t>
-            </a:r>
-            <a:r>
-              <a:rPr lang="en-US" sz="3200" dirty="0" err="1">
-                <a:latin typeface="Raleway" panose="020B0503030101060003" pitchFamily="34" charset="77"/>
-              </a:rPr>
-              <a:t>quis</a:t>
-            </a:r>
-            <a:r>
-              <a:rPr lang="en-US" sz="3200" dirty="0">
-                <a:latin typeface="Raleway" panose="020B0503030101060003" pitchFamily="34" charset="77"/>
-              </a:rPr>
-              <a:t> </a:t>
-            </a:r>
-            <a:r>
-              <a:rPr lang="en-US" sz="3200" dirty="0" err="1">
-                <a:latin typeface="Raleway" panose="020B0503030101060003" pitchFamily="34" charset="77"/>
-              </a:rPr>
-              <a:t>commodo</a:t>
-            </a:r>
-            <a:r>
-              <a:rPr lang="en-US" sz="3200" dirty="0">
-                <a:latin typeface="Raleway" panose="020B0503030101060003" pitchFamily="34" charset="77"/>
-              </a:rPr>
-              <a:t> </a:t>
-            </a:r>
-            <a:r>
-              <a:rPr lang="en-US" sz="3200" dirty="0" err="1">
-                <a:latin typeface="Raleway" panose="020B0503030101060003" pitchFamily="34" charset="77"/>
-              </a:rPr>
-              <a:t>odio</a:t>
-            </a:r>
-            <a:r>
-              <a:rPr lang="en-US" sz="3200" dirty="0">
-                <a:latin typeface="Raleway" panose="020B0503030101060003" pitchFamily="34" charset="77"/>
-              </a:rPr>
-              <a:t>. Morbi non </a:t>
-            </a:r>
-            <a:r>
-              <a:rPr lang="en-US" sz="3200" dirty="0" err="1">
-                <a:latin typeface="Raleway" panose="020B0503030101060003" pitchFamily="34" charset="77"/>
-              </a:rPr>
-              <a:t>arcu</a:t>
-            </a:r>
-            <a:r>
-              <a:rPr lang="en-US" sz="3200" dirty="0">
-                <a:latin typeface="Raleway" panose="020B0503030101060003" pitchFamily="34" charset="77"/>
-              </a:rPr>
-              <a:t> </a:t>
-            </a:r>
-            <a:r>
-              <a:rPr lang="en-US" sz="3200" dirty="0" err="1">
-                <a:latin typeface="Raleway" panose="020B0503030101060003" pitchFamily="34" charset="77"/>
-              </a:rPr>
-              <a:t>risus</a:t>
-            </a:r>
-            <a:r>
-              <a:rPr lang="en-US" sz="3200" dirty="0">
-                <a:latin typeface="Raleway" panose="020B0503030101060003" pitchFamily="34" charset="77"/>
-              </a:rPr>
-              <a:t> </a:t>
-            </a:r>
-            <a:r>
-              <a:rPr lang="en-US" sz="3200" dirty="0" err="1">
-                <a:latin typeface="Raleway" panose="020B0503030101060003" pitchFamily="34" charset="77"/>
-              </a:rPr>
-              <a:t>quis</a:t>
-            </a:r>
-            <a:r>
-              <a:rPr lang="en-US" sz="3200" dirty="0">
-                <a:latin typeface="Raleway" panose="020B0503030101060003" pitchFamily="34" charset="77"/>
-              </a:rPr>
-              <a:t> </a:t>
-            </a:r>
-            <a:r>
-              <a:rPr lang="en-US" sz="3200" dirty="0" err="1">
-                <a:latin typeface="Raleway" panose="020B0503030101060003" pitchFamily="34" charset="77"/>
-              </a:rPr>
-              <a:t>varius</a:t>
-            </a:r>
-            <a:r>
-              <a:rPr lang="en-US" sz="3200" dirty="0">
-                <a:latin typeface="Raleway" panose="020B0503030101060003" pitchFamily="34" charset="77"/>
-              </a:rPr>
-              <a:t> </a:t>
-            </a:r>
-            <a:r>
-              <a:rPr lang="en-US" sz="3200" dirty="0" err="1">
-                <a:latin typeface="Raleway" panose="020B0503030101060003" pitchFamily="34" charset="77"/>
-              </a:rPr>
-              <a:t>quam</a:t>
-            </a:r>
-            <a:r>
-              <a:rPr lang="en-US" sz="3200" dirty="0">
-                <a:latin typeface="Raleway" panose="020B0503030101060003" pitchFamily="34" charset="77"/>
-              </a:rPr>
-              <a:t>. Cras pulvinar </a:t>
-            </a:r>
-            <a:r>
-              <a:rPr lang="en-US" sz="3200" dirty="0" err="1">
-                <a:latin typeface="Raleway" panose="020B0503030101060003" pitchFamily="34" charset="77"/>
-              </a:rPr>
-              <a:t>mattis</a:t>
-            </a:r>
-            <a:r>
-              <a:rPr lang="en-US" sz="3200" dirty="0">
-                <a:latin typeface="Raleway" panose="020B0503030101060003" pitchFamily="34" charset="77"/>
-              </a:rPr>
-              <a:t> </a:t>
-            </a:r>
-            <a:r>
-              <a:rPr lang="en-US" sz="3200" dirty="0" err="1">
-                <a:latin typeface="Raleway" panose="020B0503030101060003" pitchFamily="34" charset="77"/>
-              </a:rPr>
-              <a:t>nunc</a:t>
-            </a:r>
-            <a:r>
-              <a:rPr lang="en-US" sz="3200" dirty="0">
-                <a:latin typeface="Raleway" panose="020B0503030101060003" pitchFamily="34" charset="77"/>
-              </a:rPr>
-              <a:t> </a:t>
-            </a:r>
-            <a:r>
-              <a:rPr lang="en-US" sz="3200" dirty="0" err="1">
-                <a:latin typeface="Raleway" panose="020B0503030101060003" pitchFamily="34" charset="77"/>
-              </a:rPr>
-              <a:t>sed</a:t>
-            </a:r>
-            <a:r>
-              <a:rPr lang="en-US" sz="3200" dirty="0">
-                <a:latin typeface="Raleway" panose="020B0503030101060003" pitchFamily="34" charset="77"/>
-              </a:rPr>
-              <a:t> </a:t>
-            </a:r>
-            <a:r>
-              <a:rPr lang="en-US" sz="3200" dirty="0" err="1">
-                <a:latin typeface="Raleway" panose="020B0503030101060003" pitchFamily="34" charset="77"/>
-              </a:rPr>
-              <a:t>blandit</a:t>
-            </a:r>
-            <a:r>
-              <a:rPr lang="en-US" sz="3200" dirty="0">
-                <a:latin typeface="Raleway" panose="020B0503030101060003" pitchFamily="34" charset="77"/>
-              </a:rPr>
-              <a:t> libero </a:t>
-            </a:r>
-            <a:r>
-              <a:rPr lang="en-US" sz="3200" dirty="0" err="1">
-                <a:latin typeface="Raleway" panose="020B0503030101060003" pitchFamily="34" charset="77"/>
-              </a:rPr>
-              <a:t>volutpat</a:t>
-            </a:r>
-            <a:r>
-              <a:rPr lang="en-US" sz="3200" dirty="0">
-                <a:latin typeface="Raleway" panose="020B0503030101060003" pitchFamily="34" charset="77"/>
-              </a:rPr>
-              <a:t> </a:t>
-            </a:r>
-            <a:r>
-              <a:rPr lang="en-US" sz="3200" dirty="0" err="1">
-                <a:latin typeface="Raleway" panose="020B0503030101060003" pitchFamily="34" charset="77"/>
-              </a:rPr>
-              <a:t>sed</a:t>
-            </a:r>
-            <a:r>
-              <a:rPr lang="en-US" sz="3200" dirty="0">
-                <a:latin typeface="Raleway" panose="020B0503030101060003" pitchFamily="34" charset="77"/>
-              </a:rPr>
-              <a:t> </a:t>
-            </a:r>
-            <a:r>
-              <a:rPr lang="en-US" sz="3200" dirty="0" err="1">
-                <a:latin typeface="Raleway" panose="020B0503030101060003" pitchFamily="34" charset="77"/>
-              </a:rPr>
-              <a:t>cras</a:t>
-            </a:r>
-            <a:r>
-              <a:rPr lang="en-US" sz="3200" dirty="0">
-                <a:latin typeface="Raleway" panose="020B0503030101060003" pitchFamily="34" charset="77"/>
-              </a:rPr>
-              <a:t>. </a:t>
-            </a:r>
-          </a:p>
-          <a:p>
-            <a:endParaRPr lang="en-US" sz="3200" dirty="0">
-              <a:latin typeface="Raleway" panose="020B0503030101060003" pitchFamily="34" charset="77"/>
-            </a:endParaRPr>
-          </a:p>
-          <a:p>
-            <a:pPr marL="514350" indent="-514350">
-              <a:buFont typeface="+mj-lt"/>
-              <a:buAutoNum type="arabicPeriod"/>
-            </a:pPr>
-            <a:r>
-              <a:rPr lang="en-US" sz="3200" dirty="0">
-                <a:latin typeface="Raleway" panose="020B0503030101060003" pitchFamily="34" charset="77"/>
-              </a:rPr>
-              <a:t>Lorem ipsum dolor sit </a:t>
-            </a:r>
-            <a:r>
-              <a:rPr lang="en-US" sz="3200" dirty="0" err="1">
-                <a:latin typeface="Raleway" panose="020B0503030101060003" pitchFamily="34" charset="77"/>
-              </a:rPr>
-              <a:t>amet</a:t>
-            </a:r>
-            <a:r>
-              <a:rPr lang="en-US" sz="3200" dirty="0">
-                <a:latin typeface="Raleway" panose="020B0503030101060003" pitchFamily="34" charset="77"/>
-              </a:rPr>
-              <a:t>, </a:t>
-            </a:r>
-            <a:r>
-              <a:rPr lang="en-US" sz="3200" dirty="0" err="1">
-                <a:latin typeface="Raleway" panose="020B0503030101060003" pitchFamily="34" charset="77"/>
-              </a:rPr>
-              <a:t>consectetur</a:t>
-            </a:r>
-            <a:r>
-              <a:rPr lang="en-US" sz="3200" dirty="0">
-                <a:latin typeface="Raleway" panose="020B0503030101060003" pitchFamily="34" charset="77"/>
-              </a:rPr>
-              <a:t> </a:t>
-            </a:r>
-            <a:r>
-              <a:rPr lang="en-US" sz="3200" dirty="0" err="1">
-                <a:latin typeface="Raleway" panose="020B0503030101060003" pitchFamily="34" charset="77"/>
-              </a:rPr>
-              <a:t>adipiscing</a:t>
-            </a:r>
-            <a:r>
-              <a:rPr lang="en-US" sz="3200" dirty="0">
-                <a:latin typeface="Raleway" panose="020B0503030101060003" pitchFamily="34" charset="77"/>
-              </a:rPr>
-              <a:t> </a:t>
-            </a:r>
-            <a:r>
-              <a:rPr lang="en-US" sz="3200" dirty="0" err="1">
-                <a:latin typeface="Raleway" panose="020B0503030101060003" pitchFamily="34" charset="77"/>
-              </a:rPr>
-              <a:t>elit</a:t>
-            </a:r>
-            <a:r>
-              <a:rPr lang="en-US" sz="3200" dirty="0">
-                <a:latin typeface="Raleway" panose="020B0503030101060003" pitchFamily="34" charset="77"/>
-              </a:rPr>
-              <a:t>.</a:t>
-            </a:r>
-          </a:p>
-          <a:p>
-            <a:pPr marL="514350" indent="-514350">
-              <a:buFont typeface="+mj-lt"/>
-              <a:buAutoNum type="arabicPeriod"/>
-            </a:pPr>
-            <a:r>
-              <a:rPr lang="en-US" sz="3200" dirty="0" err="1">
-                <a:latin typeface="Raleway" panose="020B0503030101060003" pitchFamily="34" charset="77"/>
-              </a:rPr>
-              <a:t>Tincidunt</a:t>
-            </a:r>
-            <a:r>
-              <a:rPr lang="en-US" sz="3200" dirty="0">
-                <a:latin typeface="Raleway" panose="020B0503030101060003" pitchFamily="34" charset="77"/>
-              </a:rPr>
-              <a:t> </a:t>
-            </a:r>
-            <a:r>
-              <a:rPr lang="en-US" sz="3200" dirty="0" err="1">
-                <a:latin typeface="Raleway" panose="020B0503030101060003" pitchFamily="34" charset="77"/>
-              </a:rPr>
-              <a:t>nunc</a:t>
-            </a:r>
-            <a:r>
-              <a:rPr lang="en-US" sz="3200" dirty="0">
-                <a:latin typeface="Raleway" panose="020B0503030101060003" pitchFamily="34" charset="77"/>
-              </a:rPr>
-              <a:t> pulvinar </a:t>
-            </a:r>
-            <a:r>
-              <a:rPr lang="en-US" sz="3200" dirty="0" err="1">
-                <a:latin typeface="Raleway" panose="020B0503030101060003" pitchFamily="34" charset="77"/>
-              </a:rPr>
-              <a:t>sapien</a:t>
-            </a:r>
-            <a:r>
-              <a:rPr lang="en-US" sz="3200" dirty="0">
-                <a:latin typeface="Raleway" panose="020B0503030101060003" pitchFamily="34" charset="77"/>
-              </a:rPr>
-              <a:t> et ligula </a:t>
-            </a:r>
-            <a:r>
-              <a:rPr lang="en-US" sz="3200" dirty="0" err="1">
-                <a:latin typeface="Raleway" panose="020B0503030101060003" pitchFamily="34" charset="77"/>
-              </a:rPr>
-              <a:t>ullamcorper</a:t>
-            </a:r>
-            <a:r>
-              <a:rPr lang="en-US" sz="3200" dirty="0">
-                <a:latin typeface="Raleway" panose="020B0503030101060003" pitchFamily="34" charset="77"/>
-              </a:rPr>
-              <a:t> </a:t>
-            </a:r>
-            <a:r>
-              <a:rPr lang="en-US" sz="3200" dirty="0" err="1">
-                <a:latin typeface="Raleway" panose="020B0503030101060003" pitchFamily="34" charset="77"/>
-              </a:rPr>
-              <a:t>malesuada</a:t>
-            </a:r>
-            <a:r>
-              <a:rPr lang="en-US" sz="3200" dirty="0">
-                <a:latin typeface="Raleway" panose="020B0503030101060003" pitchFamily="34" charset="77"/>
-              </a:rPr>
-              <a:t>.</a:t>
-            </a:r>
-          </a:p>
-          <a:p>
-            <a:pPr marL="514350" indent="-514350">
-              <a:buFont typeface="+mj-lt"/>
-              <a:buAutoNum type="arabicPeriod"/>
-            </a:pPr>
-            <a:r>
-              <a:rPr lang="en-US" sz="3200" dirty="0" err="1">
-                <a:latin typeface="Raleway" panose="020B0503030101060003" pitchFamily="34" charset="77"/>
-              </a:rPr>
-              <a:t>Eget</a:t>
-            </a:r>
-            <a:r>
-              <a:rPr lang="en-US" sz="3200" dirty="0">
-                <a:latin typeface="Raleway" panose="020B0503030101060003" pitchFamily="34" charset="77"/>
-              </a:rPr>
-              <a:t> lorem dolor </a:t>
-            </a:r>
-            <a:r>
-              <a:rPr lang="en-US" sz="3200" dirty="0" err="1">
-                <a:latin typeface="Raleway" panose="020B0503030101060003" pitchFamily="34" charset="77"/>
-              </a:rPr>
-              <a:t>sed</a:t>
-            </a:r>
-            <a:r>
-              <a:rPr lang="en-US" sz="3200" dirty="0">
-                <a:latin typeface="Raleway" panose="020B0503030101060003" pitchFamily="34" charset="77"/>
-              </a:rPr>
-              <a:t> </a:t>
-            </a:r>
-            <a:r>
-              <a:rPr lang="en-US" sz="3200" dirty="0" err="1">
-                <a:latin typeface="Raleway" panose="020B0503030101060003" pitchFamily="34" charset="77"/>
-              </a:rPr>
-              <a:t>viverra</a:t>
-            </a:r>
-            <a:r>
-              <a:rPr lang="en-US" sz="3200" dirty="0">
-                <a:latin typeface="Raleway" panose="020B0503030101060003" pitchFamily="34" charset="77"/>
-              </a:rPr>
-              <a:t> ipsum </a:t>
-            </a:r>
-            <a:r>
-              <a:rPr lang="en-US" sz="3200" dirty="0" err="1">
-                <a:latin typeface="Raleway" panose="020B0503030101060003" pitchFamily="34" charset="77"/>
-              </a:rPr>
-              <a:t>nunc</a:t>
-            </a:r>
-            <a:r>
-              <a:rPr lang="en-US" sz="3200" dirty="0">
-                <a:latin typeface="Raleway" panose="020B0503030101060003" pitchFamily="34" charset="77"/>
-              </a:rPr>
-              <a:t>. </a:t>
-            </a:r>
-            <a:r>
-              <a:rPr lang="en-US" sz="3200" dirty="0" err="1">
-                <a:latin typeface="Raleway" panose="020B0503030101060003" pitchFamily="34" charset="77"/>
-              </a:rPr>
-              <a:t>Odio</a:t>
-            </a:r>
-            <a:r>
-              <a:rPr lang="en-US" sz="3200" dirty="0">
-                <a:latin typeface="Raleway" panose="020B0503030101060003" pitchFamily="34" charset="77"/>
-              </a:rPr>
-              <a:t> </a:t>
-            </a:r>
-            <a:r>
-              <a:rPr lang="en-US" sz="3200" dirty="0" err="1">
-                <a:latin typeface="Raleway" panose="020B0503030101060003" pitchFamily="34" charset="77"/>
-              </a:rPr>
-              <a:t>morbi</a:t>
-            </a:r>
-            <a:r>
-              <a:rPr lang="en-US" sz="3200" dirty="0">
-                <a:latin typeface="Raleway" panose="020B0503030101060003" pitchFamily="34" charset="77"/>
-              </a:rPr>
-              <a:t> </a:t>
-            </a:r>
-            <a:r>
-              <a:rPr lang="en-US" sz="3200" dirty="0" err="1">
-                <a:latin typeface="Raleway" panose="020B0503030101060003" pitchFamily="34" charset="77"/>
-              </a:rPr>
-              <a:t>quis</a:t>
-            </a:r>
-            <a:r>
-              <a:rPr lang="en-US" sz="3200" dirty="0">
-                <a:latin typeface="Raleway" panose="020B0503030101060003" pitchFamily="34" charset="77"/>
-              </a:rPr>
-              <a:t> </a:t>
-            </a:r>
-            <a:r>
-              <a:rPr lang="en-US" sz="3200" dirty="0" err="1">
-                <a:latin typeface="Raleway" panose="020B0503030101060003" pitchFamily="34" charset="77"/>
-              </a:rPr>
-              <a:t>commodo</a:t>
-            </a:r>
-            <a:r>
-              <a:rPr lang="en-US" sz="3200" dirty="0">
-                <a:latin typeface="Raleway" panose="020B0503030101060003" pitchFamily="34" charset="77"/>
-              </a:rPr>
-              <a:t> </a:t>
-            </a:r>
-            <a:r>
-              <a:rPr lang="en-US" sz="3200" dirty="0" err="1">
-                <a:latin typeface="Raleway" panose="020B0503030101060003" pitchFamily="34" charset="77"/>
-              </a:rPr>
-              <a:t>odio</a:t>
-            </a:r>
-            <a:r>
-              <a:rPr lang="en-US" sz="3200" dirty="0">
-                <a:latin typeface="Raleway" panose="020B0503030101060003" pitchFamily="34" charset="77"/>
-              </a:rPr>
-              <a:t>.</a:t>
-            </a:r>
-          </a:p>
-          <a:p>
-            <a:pPr marL="514350" indent="-514350">
-              <a:buFont typeface="+mj-lt"/>
-              <a:buAutoNum type="arabicPeriod"/>
-            </a:pPr>
-            <a:r>
-              <a:rPr lang="en-US" sz="3200" dirty="0">
-                <a:latin typeface="Raleway" panose="020B0503030101060003" pitchFamily="34" charset="77"/>
-              </a:rPr>
-              <a:t>Morbi non </a:t>
-            </a:r>
-            <a:r>
-              <a:rPr lang="en-US" sz="3200" dirty="0" err="1">
-                <a:latin typeface="Raleway" panose="020B0503030101060003" pitchFamily="34" charset="77"/>
-              </a:rPr>
-              <a:t>arcu</a:t>
-            </a:r>
-            <a:r>
-              <a:rPr lang="en-US" sz="3200" dirty="0">
-                <a:latin typeface="Raleway" panose="020B0503030101060003" pitchFamily="34" charset="77"/>
-              </a:rPr>
-              <a:t> </a:t>
-            </a:r>
-            <a:r>
-              <a:rPr lang="en-US" sz="3200" dirty="0" err="1">
-                <a:latin typeface="Raleway" panose="020B0503030101060003" pitchFamily="34" charset="77"/>
-              </a:rPr>
-              <a:t>risus</a:t>
-            </a:r>
-            <a:r>
-              <a:rPr lang="en-US" sz="3200" dirty="0">
-                <a:latin typeface="Raleway" panose="020B0503030101060003" pitchFamily="34" charset="77"/>
-              </a:rPr>
-              <a:t> </a:t>
-            </a:r>
-            <a:r>
-              <a:rPr lang="en-US" sz="3200" dirty="0" err="1">
-                <a:latin typeface="Raleway" panose="020B0503030101060003" pitchFamily="34" charset="77"/>
-              </a:rPr>
-              <a:t>quis</a:t>
-            </a:r>
-            <a:r>
-              <a:rPr lang="en-US" sz="3200" dirty="0">
-                <a:latin typeface="Raleway" panose="020B0503030101060003" pitchFamily="34" charset="77"/>
-              </a:rPr>
-              <a:t> </a:t>
-            </a:r>
-            <a:r>
-              <a:rPr lang="en-US" sz="3200" dirty="0" err="1">
-                <a:latin typeface="Raleway" panose="020B0503030101060003" pitchFamily="34" charset="77"/>
-              </a:rPr>
-              <a:t>varius</a:t>
-            </a:r>
-            <a:r>
-              <a:rPr lang="en-US" sz="3200" dirty="0">
-                <a:latin typeface="Raleway" panose="020B0503030101060003" pitchFamily="34" charset="77"/>
-              </a:rPr>
-              <a:t> </a:t>
-            </a:r>
-            <a:r>
-              <a:rPr lang="en-US" sz="3200" dirty="0" err="1">
-                <a:latin typeface="Raleway" panose="020B0503030101060003" pitchFamily="34" charset="77"/>
-              </a:rPr>
-              <a:t>quam</a:t>
-            </a:r>
-            <a:r>
-              <a:rPr lang="en-US" sz="3200" dirty="0">
-                <a:latin typeface="Raleway" panose="020B0503030101060003" pitchFamily="34" charset="77"/>
-              </a:rPr>
-              <a:t>. </a:t>
-            </a:r>
-          </a:p>
-        </p:txBody>
-      </p:sp>
-      <p:sp>
-        <p:nvSpPr>
-          <p:cNvPr id="132" name="Textfeld 131"/>
-          <p:cNvSpPr txBox="1"/>
-          <p:nvPr/>
-        </p:nvSpPr>
-        <p:spPr>
-          <a:xfrm>
-            <a:off x="365760" y="28482610"/>
-            <a:ext cx="14036040" cy="1692771"/>
-          </a:xfrm>
-          <a:prstGeom prst="rect">
-            <a:avLst/>
-          </a:prstGeom>
-          <a:noFill/>
-        </p:spPr>
-        <p:txBody>
-          <a:bodyPr wrap="square" rtlCol="0">
-            <a:spAutoFit/>
-          </a:bodyPr>
-          <a:lstStyle/>
-          <a:p>
-            <a:r>
               <a:rPr lang="en-US" sz="2400" b="1" dirty="0">
                 <a:latin typeface="Raleway" panose="020B0503030101060003" pitchFamily="34" charset="77"/>
               </a:rPr>
               <a:t>References</a:t>
             </a:r>
+          </a:p>
+          <a:p>
+            <a:r>
+              <a:rPr lang="en-US" sz="2000" dirty="0">
+                <a:latin typeface="Raleway" panose="020B0503030101060003" pitchFamily="34" charset="77"/>
+              </a:rPr>
+              <a:t>[1] Text2Shape: Generating shapes from natural language by learning joint embeddings. </a:t>
+            </a:r>
+            <a:r>
+              <a:rPr lang="en-US" sz="2000" i="1" dirty="0">
+                <a:latin typeface="Raleway" panose="020B0503030101060003" pitchFamily="34" charset="77"/>
+              </a:rPr>
+              <a:t>Chen et al., 2018.</a:t>
+            </a:r>
             <a:endParaRPr lang="en-US" sz="2400" dirty="0">
               <a:latin typeface="Raleway" panose="020B0503030101060003" pitchFamily="34" charset="77"/>
             </a:endParaRPr>
@@ -4927,55 +3863,13 @@
               <a:rPr lang="en-US" sz="2000" dirty="0">
                 <a:latin typeface="Raleway" panose="020B0503030101060003" pitchFamily="34" charset="77"/>
               </a:rPr>
-              <a:t>[1] Paper name 1. </a:t>
+              <a:t>[2] Generative adversarial text to image synthesis. </a:t>
             </a:r>
             <a:r>
               <a:rPr lang="en-US" sz="2000" i="1" dirty="0">
                 <a:latin typeface="Raleway" panose="020B0503030101060003" pitchFamily="34" charset="77"/>
               </a:rPr>
-              <a:t>Author et al., Conference name 2015.</a:t>
-            </a:r>
-          </a:p>
-          <a:p>
-            <a:r>
-              <a:rPr lang="en-US" sz="2000" dirty="0">
-                <a:latin typeface="Raleway" panose="020B0503030101060003" pitchFamily="34" charset="77"/>
-              </a:rPr>
-              <a:t>[2] Paper name 2. </a:t>
-            </a:r>
-            <a:r>
-              <a:rPr lang="en-US" sz="2000" i="1" dirty="0">
-                <a:latin typeface="Raleway" panose="020B0503030101060003" pitchFamily="34" charset="77"/>
-              </a:rPr>
-              <a:t>Author et al., Conference name 2015.</a:t>
-            </a:r>
-          </a:p>
-          <a:p>
-            <a:r>
-              <a:rPr lang="en-US" sz="2000" dirty="0">
-                <a:latin typeface="Raleway" panose="020B0503030101060003" pitchFamily="34" charset="77"/>
-              </a:rPr>
-              <a:t>[3] Paper name 3 </a:t>
-            </a:r>
-            <a:r>
-              <a:rPr lang="en-US" sz="2000" i="1" dirty="0">
-                <a:latin typeface="Raleway" panose="020B0503030101060003" pitchFamily="34" charset="77"/>
-              </a:rPr>
-              <a:t>Author et al., Conference name 2015.</a:t>
-            </a:r>
-          </a:p>
-          <a:p>
-            <a:r>
-              <a:rPr lang="en-US" sz="2000" dirty="0">
-                <a:latin typeface="Raleway" panose="020B0503030101060003" pitchFamily="34" charset="77"/>
-              </a:rPr>
-              <a:t>[4] Paper name 4. </a:t>
-            </a:r>
-            <a:r>
-              <a:rPr lang="en-US" sz="2000" i="1" dirty="0">
-                <a:latin typeface="Raleway" panose="020B0503030101060003" pitchFamily="34" charset="77"/>
-              </a:rPr>
-              <a:t>Author et al., Conference name 2015.</a:t>
+              <a:t>Reed et al., 2016.</a:t>
             </a:r>
           </a:p>
         </p:txBody>
@@ -5030,8 +3924,8 @@
         </p:nvSpPr>
         <p:spPr>
           <a:xfrm>
-            <a:off x="22003492" y="4822672"/>
-            <a:ext cx="8820337" cy="3539430"/>
+            <a:off x="733571" y="22767908"/>
+            <a:ext cx="11064362" cy="6986528"/>
           </a:xfrm>
           <a:prstGeom prst="rect">
             <a:avLst/>
@@ -5044,351 +3938,59 @@
           </a:bodyPr>
           <a:lstStyle/>
           <a:p>
+            <a:pPr algn="just"/>
             <a:r>
               <a:rPr lang="en-US" sz="3200" dirty="0">
                 <a:latin typeface="Raleway" panose="020B0503030101060003" pitchFamily="34" charset="77"/>
               </a:rPr>
-              <a:t>Lorem ipsum dolor sit </a:t>
-            </a:r>
-            <a:r>
-              <a:rPr lang="en-US" sz="3200" dirty="0" err="1">
-                <a:latin typeface="Raleway" panose="020B0503030101060003" pitchFamily="34" charset="77"/>
-              </a:rPr>
-              <a:t>amet</a:t>
-            </a:r>
+              <a:t>The Text Encoder is a Long short-term memory network, the Image Encoder a Convolutional Neural Network. Both Networks map to the same joint embedding space. In the training phase, triplet loss ensures two properties: </a:t>
+            </a:r>
+          </a:p>
+          <a:p>
+            <a:pPr algn="just"/>
+            <a:endParaRPr lang="en-US" sz="3200" dirty="0">
+              <a:latin typeface="Raleway" panose="020B0503030101060003" pitchFamily="34" charset="77"/>
+            </a:endParaRPr>
+          </a:p>
+          <a:p>
+            <a:pPr marL="2268215" lvl="1" indent="-514350" algn="just">
+              <a:buAutoNum type="arabicPeriod"/>
+            </a:pPr>
             <a:r>
               <a:rPr lang="en-US" sz="3200" dirty="0">
                 <a:latin typeface="Raleway" panose="020B0503030101060003" pitchFamily="34" charset="77"/>
               </a:rPr>
-              <a:t>, </a:t>
-            </a:r>
-            <a:r>
-              <a:rPr lang="en-US" sz="3200" dirty="0" err="1">
-                <a:latin typeface="Raleway" panose="020B0503030101060003" pitchFamily="34" charset="77"/>
-              </a:rPr>
-              <a:t>consectetur</a:t>
-            </a:r>
+              <a:t>Similar images and text descriptions of these images are close to each other</a:t>
+            </a:r>
+          </a:p>
+          <a:p>
+            <a:pPr marL="2268215" lvl="1" indent="-514350" algn="just">
+              <a:buAutoNum type="arabicPeriod"/>
+            </a:pPr>
             <a:r>
               <a:rPr lang="en-US" sz="3200" dirty="0">
                 <a:latin typeface="Raleway" panose="020B0503030101060003" pitchFamily="34" charset="77"/>
               </a:rPr>
-              <a:t> </a:t>
-            </a:r>
-            <a:r>
-              <a:rPr lang="en-US" sz="3200" dirty="0" err="1">
-                <a:latin typeface="Raleway" panose="020B0503030101060003" pitchFamily="34" charset="77"/>
-              </a:rPr>
-              <a:t>adipiscing</a:t>
-            </a:r>
+              <a:t>Differing images are far from each other, and description embeddings are far from images not fitting the description.</a:t>
+            </a:r>
+          </a:p>
+          <a:p>
+            <a:pPr algn="just"/>
+            <a:endParaRPr lang="en-US" sz="3200" dirty="0">
+              <a:latin typeface="Raleway" panose="020B0503030101060003" pitchFamily="34" charset="77"/>
+            </a:endParaRPr>
+          </a:p>
+          <a:p>
+            <a:pPr algn="just"/>
             <a:r>
               <a:rPr lang="en-US" sz="3200" dirty="0">
                 <a:latin typeface="Raleway" panose="020B0503030101060003" pitchFamily="34" charset="77"/>
               </a:rPr>
-              <a:t> </a:t>
-            </a:r>
-            <a:r>
-              <a:rPr lang="en-US" sz="3200" dirty="0" err="1">
-                <a:latin typeface="Raleway" panose="020B0503030101060003" pitchFamily="34" charset="77"/>
-              </a:rPr>
-              <a:t>elit</a:t>
-            </a:r>
-            <a:r>
-              <a:rPr lang="en-US" sz="3200" dirty="0">
-                <a:latin typeface="Raleway" panose="020B0503030101060003" pitchFamily="34" charset="77"/>
-              </a:rPr>
-              <a:t>, </a:t>
-            </a:r>
-            <a:r>
-              <a:rPr lang="en-US" sz="3200" dirty="0" err="1">
-                <a:latin typeface="Raleway" panose="020B0503030101060003" pitchFamily="34" charset="77"/>
-              </a:rPr>
-              <a:t>sed</a:t>
-            </a:r>
-            <a:r>
-              <a:rPr lang="en-US" sz="3200" dirty="0">
-                <a:latin typeface="Raleway" panose="020B0503030101060003" pitchFamily="34" charset="77"/>
-              </a:rPr>
-              <a:t> do </a:t>
-            </a:r>
-            <a:r>
-              <a:rPr lang="en-US" sz="3200" dirty="0" err="1">
-                <a:latin typeface="Raleway" panose="020B0503030101060003" pitchFamily="34" charset="77"/>
-              </a:rPr>
-              <a:t>eiusmod</a:t>
-            </a:r>
-            <a:r>
-              <a:rPr lang="en-US" sz="3200" dirty="0">
-                <a:latin typeface="Raleway" panose="020B0503030101060003" pitchFamily="34" charset="77"/>
-              </a:rPr>
-              <a:t> </a:t>
-            </a:r>
-            <a:r>
-              <a:rPr lang="en-US" sz="3200" dirty="0" err="1">
-                <a:latin typeface="Raleway" panose="020B0503030101060003" pitchFamily="34" charset="77"/>
-              </a:rPr>
-              <a:t>tempor</a:t>
-            </a:r>
-            <a:r>
-              <a:rPr lang="en-US" sz="3200" dirty="0">
-                <a:latin typeface="Raleway" panose="020B0503030101060003" pitchFamily="34" charset="77"/>
-              </a:rPr>
-              <a:t> </a:t>
-            </a:r>
-            <a:r>
-              <a:rPr lang="en-US" sz="3200" dirty="0" err="1">
-                <a:latin typeface="Raleway" panose="020B0503030101060003" pitchFamily="34" charset="77"/>
-              </a:rPr>
-              <a:t>incididunt</a:t>
-            </a:r>
-            <a:r>
-              <a:rPr lang="en-US" sz="3200" dirty="0">
-                <a:latin typeface="Raleway" panose="020B0503030101060003" pitchFamily="34" charset="77"/>
-              </a:rPr>
-              <a:t> </a:t>
-            </a:r>
-            <a:r>
-              <a:rPr lang="en-US" sz="3200" dirty="0" err="1">
-                <a:latin typeface="Raleway" panose="020B0503030101060003" pitchFamily="34" charset="77"/>
-              </a:rPr>
-              <a:t>ut</a:t>
-            </a:r>
-            <a:r>
-              <a:rPr lang="en-US" sz="3200" dirty="0">
-                <a:latin typeface="Raleway" panose="020B0503030101060003" pitchFamily="34" charset="77"/>
-              </a:rPr>
-              <a:t> </a:t>
-            </a:r>
-            <a:r>
-              <a:rPr lang="en-US" sz="3200" dirty="0" err="1">
-                <a:latin typeface="Raleway" panose="020B0503030101060003" pitchFamily="34" charset="77"/>
-              </a:rPr>
-              <a:t>labore</a:t>
-            </a:r>
-            <a:r>
-              <a:rPr lang="en-US" sz="3200" dirty="0">
-                <a:latin typeface="Raleway" panose="020B0503030101060003" pitchFamily="34" charset="77"/>
-              </a:rPr>
-              <a:t> et dolore magna </a:t>
-            </a:r>
-            <a:r>
-              <a:rPr lang="en-US" sz="3200" dirty="0" err="1">
-                <a:latin typeface="Raleway" panose="020B0503030101060003" pitchFamily="34" charset="77"/>
-              </a:rPr>
-              <a:t>aliqua</a:t>
-            </a:r>
-            <a:r>
-              <a:rPr lang="en-US" sz="3200" dirty="0">
-                <a:latin typeface="Raleway" panose="020B0503030101060003" pitchFamily="34" charset="77"/>
-              </a:rPr>
-              <a:t>. </a:t>
-            </a:r>
-            <a:r>
-              <a:rPr lang="en-US" sz="3200" dirty="0" err="1">
-                <a:latin typeface="Raleway" panose="020B0503030101060003" pitchFamily="34" charset="77"/>
-              </a:rPr>
-              <a:t>Tincidunt</a:t>
-            </a:r>
-            <a:r>
-              <a:rPr lang="en-US" sz="3200" dirty="0">
-                <a:latin typeface="Raleway" panose="020B0503030101060003" pitchFamily="34" charset="77"/>
-              </a:rPr>
-              <a:t> </a:t>
-            </a:r>
-            <a:r>
-              <a:rPr lang="en-US" sz="3200" dirty="0" err="1">
-                <a:latin typeface="Raleway" panose="020B0503030101060003" pitchFamily="34" charset="77"/>
-              </a:rPr>
-              <a:t>nunc</a:t>
-            </a:r>
-            <a:r>
-              <a:rPr lang="en-US" sz="3200" dirty="0">
-                <a:latin typeface="Raleway" panose="020B0503030101060003" pitchFamily="34" charset="77"/>
-              </a:rPr>
-              <a:t> pulvinar </a:t>
-            </a:r>
-            <a:r>
-              <a:rPr lang="en-US" sz="3200" dirty="0" err="1">
-                <a:latin typeface="Raleway" panose="020B0503030101060003" pitchFamily="34" charset="77"/>
-              </a:rPr>
-              <a:t>sapien</a:t>
-            </a:r>
-            <a:r>
-              <a:rPr lang="en-US" sz="3200" dirty="0">
-                <a:latin typeface="Raleway" panose="020B0503030101060003" pitchFamily="34" charset="77"/>
-              </a:rPr>
-              <a:t> et ligula </a:t>
-            </a:r>
-            <a:r>
-              <a:rPr lang="en-US" sz="3200" dirty="0" err="1">
-                <a:latin typeface="Raleway" panose="020B0503030101060003" pitchFamily="34" charset="77"/>
-              </a:rPr>
-              <a:t>ullamcorper</a:t>
-            </a:r>
-            <a:r>
-              <a:rPr lang="en-US" sz="3200" dirty="0">
-                <a:latin typeface="Raleway" panose="020B0503030101060003" pitchFamily="34" charset="77"/>
-              </a:rPr>
-              <a:t> </a:t>
-            </a:r>
-            <a:r>
-              <a:rPr lang="en-US" sz="3200" dirty="0" err="1">
-                <a:latin typeface="Raleway" panose="020B0503030101060003" pitchFamily="34" charset="77"/>
-              </a:rPr>
-              <a:t>malesuada</a:t>
-            </a:r>
-            <a:r>
-              <a:rPr lang="en-US" sz="3200" dirty="0">
-                <a:latin typeface="Raleway" panose="020B0503030101060003" pitchFamily="34" charset="77"/>
-              </a:rPr>
-              <a:t>. </a:t>
-            </a:r>
-            <a:r>
-              <a:rPr lang="en-US" sz="3200" dirty="0" err="1">
-                <a:latin typeface="Raleway" panose="020B0503030101060003" pitchFamily="34" charset="77"/>
-              </a:rPr>
-              <a:t>Eget</a:t>
-            </a:r>
-            <a:r>
-              <a:rPr lang="en-US" sz="3200" dirty="0">
-                <a:latin typeface="Raleway" panose="020B0503030101060003" pitchFamily="34" charset="77"/>
-              </a:rPr>
-              <a:t> lorem dolor </a:t>
-            </a:r>
-            <a:r>
-              <a:rPr lang="en-US" sz="3200" dirty="0" err="1">
-                <a:latin typeface="Raleway" panose="020B0503030101060003" pitchFamily="34" charset="77"/>
-              </a:rPr>
-              <a:t>sed</a:t>
-            </a:r>
-            <a:r>
-              <a:rPr lang="en-US" sz="3200" dirty="0">
-                <a:latin typeface="Raleway" panose="020B0503030101060003" pitchFamily="34" charset="77"/>
-              </a:rPr>
-              <a:t> </a:t>
-            </a:r>
-            <a:r>
-              <a:rPr lang="en-US" sz="3200" dirty="0" err="1">
-                <a:latin typeface="Raleway" panose="020B0503030101060003" pitchFamily="34" charset="77"/>
-              </a:rPr>
-              <a:t>viverra</a:t>
-            </a:r>
-            <a:r>
-              <a:rPr lang="en-US" sz="3200" dirty="0">
-                <a:latin typeface="Raleway" panose="020B0503030101060003" pitchFamily="34" charset="77"/>
-              </a:rPr>
-              <a:t> ipsum </a:t>
-            </a:r>
-            <a:r>
-              <a:rPr lang="en-US" sz="3200" dirty="0" err="1">
-                <a:latin typeface="Raleway" panose="020B0503030101060003" pitchFamily="34" charset="77"/>
-              </a:rPr>
-              <a:t>nunc</a:t>
-            </a:r>
-            <a:r>
-              <a:rPr lang="en-US" sz="3200" dirty="0">
-                <a:latin typeface="Raleway" panose="020B0503030101060003" pitchFamily="34" charset="77"/>
-              </a:rPr>
-              <a:t>. </a:t>
-            </a:r>
-            <a:r>
-              <a:rPr lang="en-US" sz="3200" dirty="0" err="1">
-                <a:latin typeface="Raleway" panose="020B0503030101060003" pitchFamily="34" charset="77"/>
-              </a:rPr>
-              <a:t>Odio</a:t>
-            </a:r>
-            <a:r>
-              <a:rPr lang="en-US" sz="3200" dirty="0">
-                <a:latin typeface="Raleway" panose="020B0503030101060003" pitchFamily="34" charset="77"/>
-              </a:rPr>
-              <a:t> </a:t>
-            </a:r>
-            <a:r>
-              <a:rPr lang="en-US" sz="3200" dirty="0" err="1">
-                <a:latin typeface="Raleway" panose="020B0503030101060003" pitchFamily="34" charset="77"/>
-              </a:rPr>
-              <a:t>morbi</a:t>
-            </a:r>
-            <a:r>
-              <a:rPr lang="en-US" sz="3200" dirty="0">
-                <a:latin typeface="Raleway" panose="020B0503030101060003" pitchFamily="34" charset="77"/>
-              </a:rPr>
-              <a:t> </a:t>
-            </a:r>
-            <a:r>
-              <a:rPr lang="en-US" sz="3200" dirty="0" err="1">
-                <a:latin typeface="Raleway" panose="020B0503030101060003" pitchFamily="34" charset="77"/>
-              </a:rPr>
-              <a:t>quis</a:t>
-            </a:r>
-            <a:r>
-              <a:rPr lang="en-US" sz="3200" dirty="0">
-                <a:latin typeface="Raleway" panose="020B0503030101060003" pitchFamily="34" charset="77"/>
-              </a:rPr>
-              <a:t> </a:t>
-            </a:r>
-            <a:r>
-              <a:rPr lang="en-US" sz="3200" dirty="0" err="1">
-                <a:latin typeface="Raleway" panose="020B0503030101060003" pitchFamily="34" charset="77"/>
-              </a:rPr>
-              <a:t>commodo</a:t>
-            </a:r>
-            <a:r>
-              <a:rPr lang="en-US" sz="3200" dirty="0">
-                <a:latin typeface="Raleway" panose="020B0503030101060003" pitchFamily="34" charset="77"/>
-              </a:rPr>
-              <a:t> </a:t>
-            </a:r>
-            <a:r>
-              <a:rPr lang="en-US" sz="3200" dirty="0" err="1">
-                <a:latin typeface="Raleway" panose="020B0503030101060003" pitchFamily="34" charset="77"/>
-              </a:rPr>
-              <a:t>odio</a:t>
-            </a:r>
-            <a:r>
-              <a:rPr lang="en-US" sz="3200" dirty="0">
-                <a:latin typeface="Raleway" panose="020B0503030101060003" pitchFamily="34" charset="77"/>
-              </a:rPr>
-              <a:t>. Morbi non.</a:t>
-            </a:r>
-          </a:p>
-        </p:txBody>
-      </p:sp>
-      <p:pic>
-        <p:nvPicPr>
-          <p:cNvPr id="9" name="Picture 8">
-            <a:extLst>
-              <a:ext uri="{FF2B5EF4-FFF2-40B4-BE49-F238E27FC236}">
-                <a16:creationId xmlns:a16="http://schemas.microsoft.com/office/drawing/2014/main" id="{5C3B76A4-0B91-9E44-836D-4213DF7E8252}"/>
-              </a:ext>
-            </a:extLst>
-          </p:cNvPr>
-          <p:cNvPicPr>
-            <a:picLocks noChangeAspect="1"/>
-          </p:cNvPicPr>
-          <p:nvPr/>
-        </p:nvPicPr>
-        <p:blipFill>
-          <a:blip r:embed="rId4">
-            <a:extLst>
-              <a:ext uri="{28A0092B-C50C-407E-A947-70E740481C1C}">
-                <a14:useLocalDpi xmlns:a14="http://schemas.microsoft.com/office/drawing/2010/main" val="0"/>
-              </a:ext>
-            </a:extLst>
-          </a:blip>
-          <a:stretch>
-            <a:fillRect/>
-          </a:stretch>
-        </p:blipFill>
-        <p:spPr>
-          <a:xfrm>
-            <a:off x="5163950" y="14455510"/>
-            <a:ext cx="11183176" cy="8387382"/>
-          </a:xfrm>
-          <a:prstGeom prst="rect">
-            <a:avLst/>
-          </a:prstGeom>
-        </p:spPr>
-      </p:pic>
+              <a:t>The resulting embedding space is well formed and recovers the data properties of shape and color. The setup was inspired by Chen et al.(2018)</a:t>
+            </a:r>
+          </a:p>
+        </p:txBody>
+      </p:sp>
       <p:sp>
         <p:nvSpPr>
           <p:cNvPr id="169" name="Textfeld 171">
@@ -5403,8 +4005,8 @@
         </p:nvSpPr>
         <p:spPr>
           <a:xfrm>
-            <a:off x="737276" y="4822672"/>
-            <a:ext cx="12285761" cy="3046988"/>
+            <a:off x="731346" y="5159964"/>
+            <a:ext cx="10516846" cy="584775"/>
           </a:xfrm>
           <a:prstGeom prst="rect">
             <a:avLst/>
@@ -5417,341 +4019,9 @@
           </a:bodyPr>
           <a:lstStyle/>
           <a:p>
-            <a:r>
-              <a:rPr lang="en-US" sz="3200" dirty="0">
-                <a:latin typeface="Raleway" panose="020B0503030101060003" pitchFamily="34" charset="77"/>
-              </a:rPr>
-              <a:t>Lorem ipsum dolor sit </a:t>
-            </a:r>
-            <a:r>
-              <a:rPr lang="en-US" sz="3200" dirty="0" err="1">
-                <a:latin typeface="Raleway" panose="020B0503030101060003" pitchFamily="34" charset="77"/>
-              </a:rPr>
-              <a:t>amet</a:t>
-            </a:r>
-            <a:r>
-              <a:rPr lang="en-US" sz="3200" dirty="0">
-                <a:latin typeface="Raleway" panose="020B0503030101060003" pitchFamily="34" charset="77"/>
-              </a:rPr>
-              <a:t>, </a:t>
-            </a:r>
-            <a:r>
-              <a:rPr lang="en-US" sz="3200" dirty="0" err="1">
-                <a:latin typeface="Raleway" panose="020B0503030101060003" pitchFamily="34" charset="77"/>
-              </a:rPr>
-              <a:t>consectetur</a:t>
-            </a:r>
-            <a:r>
-              <a:rPr lang="en-US" sz="3200" dirty="0">
-                <a:latin typeface="Raleway" panose="020B0503030101060003" pitchFamily="34" charset="77"/>
-              </a:rPr>
-              <a:t> </a:t>
-            </a:r>
-            <a:r>
-              <a:rPr lang="en-US" sz="3200" dirty="0" err="1">
-                <a:latin typeface="Raleway" panose="020B0503030101060003" pitchFamily="34" charset="77"/>
-              </a:rPr>
-              <a:t>adipiscing</a:t>
-            </a:r>
-            <a:r>
-              <a:rPr lang="en-US" sz="3200" dirty="0">
-                <a:latin typeface="Raleway" panose="020B0503030101060003" pitchFamily="34" charset="77"/>
-              </a:rPr>
-              <a:t> </a:t>
-            </a:r>
-            <a:r>
-              <a:rPr lang="en-US" sz="3200" dirty="0" err="1">
-                <a:latin typeface="Raleway" panose="020B0503030101060003" pitchFamily="34" charset="77"/>
-              </a:rPr>
-              <a:t>elit</a:t>
-            </a:r>
-            <a:r>
-              <a:rPr lang="en-US" sz="3200" dirty="0">
-                <a:latin typeface="Raleway" panose="020B0503030101060003" pitchFamily="34" charset="77"/>
-              </a:rPr>
-              <a:t>, </a:t>
-            </a:r>
-            <a:r>
-              <a:rPr lang="en-US" sz="3200" dirty="0" err="1">
-                <a:latin typeface="Raleway" panose="020B0503030101060003" pitchFamily="34" charset="77"/>
-              </a:rPr>
-              <a:t>sed</a:t>
-            </a:r>
-            <a:r>
-              <a:rPr lang="en-US" sz="3200" dirty="0">
-                <a:latin typeface="Raleway" panose="020B0503030101060003" pitchFamily="34" charset="77"/>
-              </a:rPr>
-              <a:t> do </a:t>
-            </a:r>
-            <a:r>
-              <a:rPr lang="en-US" sz="3200" dirty="0" err="1">
-                <a:latin typeface="Raleway" panose="020B0503030101060003" pitchFamily="34" charset="77"/>
-              </a:rPr>
-              <a:t>eiusmod</a:t>
-            </a:r>
-            <a:r>
-              <a:rPr lang="en-US" sz="3200" dirty="0">
-                <a:latin typeface="Raleway" panose="020B0503030101060003" pitchFamily="34" charset="77"/>
-              </a:rPr>
-              <a:t> </a:t>
-            </a:r>
-            <a:r>
-              <a:rPr lang="en-US" sz="3200" dirty="0" err="1">
-                <a:latin typeface="Raleway" panose="020B0503030101060003" pitchFamily="34" charset="77"/>
-              </a:rPr>
-              <a:t>tempor</a:t>
-            </a:r>
-            <a:r>
-              <a:rPr lang="en-US" sz="3200" dirty="0">
-                <a:latin typeface="Raleway" panose="020B0503030101060003" pitchFamily="34" charset="77"/>
-              </a:rPr>
-              <a:t> </a:t>
-            </a:r>
-            <a:r>
-              <a:rPr lang="en-US" sz="3200" dirty="0" err="1">
-                <a:latin typeface="Raleway" panose="020B0503030101060003" pitchFamily="34" charset="77"/>
-              </a:rPr>
-              <a:t>incididunt</a:t>
-            </a:r>
-            <a:r>
-              <a:rPr lang="en-US" sz="3200" dirty="0">
-                <a:latin typeface="Raleway" panose="020B0503030101060003" pitchFamily="34" charset="77"/>
-              </a:rPr>
-              <a:t> </a:t>
-            </a:r>
-            <a:r>
-              <a:rPr lang="en-US" sz="3200" dirty="0" err="1">
-                <a:latin typeface="Raleway" panose="020B0503030101060003" pitchFamily="34" charset="77"/>
-              </a:rPr>
-              <a:t>ut</a:t>
-            </a:r>
-            <a:r>
-              <a:rPr lang="en-US" sz="3200" dirty="0">
-                <a:latin typeface="Raleway" panose="020B0503030101060003" pitchFamily="34" charset="77"/>
-              </a:rPr>
-              <a:t> </a:t>
-            </a:r>
-            <a:r>
-              <a:rPr lang="en-US" sz="3200" dirty="0" err="1">
-                <a:latin typeface="Raleway" panose="020B0503030101060003" pitchFamily="34" charset="77"/>
-              </a:rPr>
-              <a:t>labore</a:t>
-            </a:r>
-            <a:r>
-              <a:rPr lang="en-US" sz="3200" dirty="0">
-                <a:latin typeface="Raleway" panose="020B0503030101060003" pitchFamily="34" charset="77"/>
-              </a:rPr>
-              <a:t> et dolore magna </a:t>
-            </a:r>
-            <a:r>
-              <a:rPr lang="en-US" sz="3200" dirty="0" err="1">
-                <a:latin typeface="Raleway" panose="020B0503030101060003" pitchFamily="34" charset="77"/>
-              </a:rPr>
-              <a:t>aliqua</a:t>
-            </a:r>
-            <a:r>
-              <a:rPr lang="en-US" sz="3200" dirty="0">
-                <a:latin typeface="Raleway" panose="020B0503030101060003" pitchFamily="34" charset="77"/>
-              </a:rPr>
-              <a:t>.</a:t>
-            </a:r>
-          </a:p>
-          <a:p>
             <a:endParaRPr lang="en-US" sz="3200" dirty="0">
               <a:latin typeface="Raleway" panose="020B0503030101060003" pitchFamily="34" charset="77"/>
             </a:endParaRPr>
-          </a:p>
-          <a:p>
-            <a:pPr marL="514350" indent="-514350">
-              <a:buFont typeface="+mj-lt"/>
-              <a:buAutoNum type="arabicPeriod"/>
-            </a:pPr>
-            <a:r>
-              <a:rPr lang="en-US" sz="3200" dirty="0" err="1">
-                <a:latin typeface="Raleway" panose="020B0503030101060003" pitchFamily="34" charset="77"/>
-              </a:rPr>
-              <a:t>Tincidunt</a:t>
-            </a:r>
-            <a:r>
-              <a:rPr lang="en-US" sz="3200" dirty="0">
-                <a:latin typeface="Raleway" panose="020B0503030101060003" pitchFamily="34" charset="77"/>
-              </a:rPr>
-              <a:t> </a:t>
-            </a:r>
-            <a:r>
-              <a:rPr lang="en-US" sz="3200" dirty="0" err="1">
-                <a:latin typeface="Raleway" panose="020B0503030101060003" pitchFamily="34" charset="77"/>
-              </a:rPr>
-              <a:t>nunc</a:t>
-            </a:r>
-            <a:r>
-              <a:rPr lang="en-US" sz="3200" dirty="0">
-                <a:latin typeface="Raleway" panose="020B0503030101060003" pitchFamily="34" charset="77"/>
-              </a:rPr>
-              <a:t> pulvinar </a:t>
-            </a:r>
-            <a:r>
-              <a:rPr lang="en-US" sz="3200" dirty="0" err="1">
-                <a:latin typeface="Raleway" panose="020B0503030101060003" pitchFamily="34" charset="77"/>
-              </a:rPr>
-              <a:t>sapien</a:t>
-            </a:r>
-            <a:r>
-              <a:rPr lang="en-US" sz="3200" dirty="0">
-                <a:latin typeface="Raleway" panose="020B0503030101060003" pitchFamily="34" charset="77"/>
-              </a:rPr>
-              <a:t> et ligula </a:t>
-            </a:r>
-            <a:r>
-              <a:rPr lang="en-US" sz="3200" dirty="0" err="1">
-                <a:latin typeface="Raleway" panose="020B0503030101060003" pitchFamily="34" charset="77"/>
-              </a:rPr>
-              <a:t>ullamcorper</a:t>
-            </a:r>
-            <a:r>
-              <a:rPr lang="en-US" sz="3200" dirty="0">
-                <a:latin typeface="Raleway" panose="020B0503030101060003" pitchFamily="34" charset="77"/>
-              </a:rPr>
-              <a:t>.</a:t>
-            </a:r>
-          </a:p>
-          <a:p>
-            <a:pPr marL="514350" indent="-514350">
-              <a:buFont typeface="+mj-lt"/>
-              <a:buAutoNum type="arabicPeriod"/>
-            </a:pPr>
-            <a:r>
-              <a:rPr lang="en-US" sz="3200" dirty="0" err="1">
-                <a:latin typeface="Raleway" panose="020B0503030101060003" pitchFamily="34" charset="77"/>
-              </a:rPr>
-              <a:t>Odio</a:t>
-            </a:r>
-            <a:r>
-              <a:rPr lang="en-US" sz="3200" dirty="0">
-                <a:latin typeface="Raleway" panose="020B0503030101060003" pitchFamily="34" charset="77"/>
-              </a:rPr>
-              <a:t> </a:t>
-            </a:r>
-            <a:r>
-              <a:rPr lang="en-US" sz="3200" dirty="0" err="1">
-                <a:latin typeface="Raleway" panose="020B0503030101060003" pitchFamily="34" charset="77"/>
-              </a:rPr>
-              <a:t>morbi</a:t>
-            </a:r>
-            <a:r>
-              <a:rPr lang="en-US" sz="3200" dirty="0">
-                <a:latin typeface="Raleway" panose="020B0503030101060003" pitchFamily="34" charset="77"/>
-              </a:rPr>
-              <a:t> </a:t>
-            </a:r>
-            <a:r>
-              <a:rPr lang="en-US" sz="3200" dirty="0" err="1">
-                <a:latin typeface="Raleway" panose="020B0503030101060003" pitchFamily="34" charset="77"/>
-              </a:rPr>
-              <a:t>quis</a:t>
-            </a:r>
-            <a:r>
-              <a:rPr lang="en-US" sz="3200" dirty="0">
-                <a:latin typeface="Raleway" panose="020B0503030101060003" pitchFamily="34" charset="77"/>
-              </a:rPr>
-              <a:t> </a:t>
-            </a:r>
-            <a:r>
-              <a:rPr lang="en-US" sz="3200" dirty="0" err="1">
-                <a:latin typeface="Raleway" panose="020B0503030101060003" pitchFamily="34" charset="77"/>
-              </a:rPr>
-              <a:t>commodo</a:t>
-            </a:r>
-            <a:r>
-              <a:rPr lang="en-US" sz="3200" dirty="0">
-                <a:latin typeface="Raleway" panose="020B0503030101060003" pitchFamily="34" charset="77"/>
-              </a:rPr>
-              <a:t> </a:t>
-            </a:r>
-            <a:r>
-              <a:rPr lang="en-US" sz="3200" dirty="0" err="1">
-                <a:latin typeface="Raleway" panose="020B0503030101060003" pitchFamily="34" charset="77"/>
-              </a:rPr>
-              <a:t>odio</a:t>
-            </a:r>
-            <a:r>
-              <a:rPr lang="en-US" sz="3200" dirty="0">
-                <a:latin typeface="Raleway" panose="020B0503030101060003" pitchFamily="34" charset="77"/>
-              </a:rPr>
-              <a:t>. </a:t>
-            </a:r>
-          </a:p>
-          <a:p>
-            <a:pPr marL="514350" indent="-514350">
-              <a:buFont typeface="+mj-lt"/>
-              <a:buAutoNum type="arabicPeriod"/>
-            </a:pPr>
-            <a:r>
-              <a:rPr lang="en-US" sz="3200" dirty="0">
-                <a:latin typeface="Raleway" panose="020B0503030101060003" pitchFamily="34" charset="77"/>
-              </a:rPr>
-              <a:t>Morbi non </a:t>
-            </a:r>
-            <a:r>
-              <a:rPr lang="en-US" sz="3200" dirty="0" err="1">
-                <a:latin typeface="Raleway" panose="020B0503030101060003" pitchFamily="34" charset="77"/>
-              </a:rPr>
-              <a:t>arcu</a:t>
-            </a:r>
-            <a:r>
-              <a:rPr lang="en-US" sz="3200" dirty="0">
-                <a:latin typeface="Raleway" panose="020B0503030101060003" pitchFamily="34" charset="77"/>
-              </a:rPr>
-              <a:t> </a:t>
-            </a:r>
-            <a:r>
-              <a:rPr lang="en-US" sz="3200" dirty="0" err="1">
-                <a:latin typeface="Raleway" panose="020B0503030101060003" pitchFamily="34" charset="77"/>
-              </a:rPr>
-              <a:t>risus</a:t>
-            </a:r>
-            <a:r>
-              <a:rPr lang="en-US" sz="3200" dirty="0">
-                <a:latin typeface="Raleway" panose="020B0503030101060003" pitchFamily="34" charset="77"/>
-              </a:rPr>
-              <a:t> </a:t>
-            </a:r>
-            <a:r>
-              <a:rPr lang="en-US" sz="3200" dirty="0" err="1">
-                <a:latin typeface="Raleway" panose="020B0503030101060003" pitchFamily="34" charset="77"/>
-              </a:rPr>
-              <a:t>quis</a:t>
-            </a:r>
-            <a:r>
-              <a:rPr lang="en-US" sz="3200" dirty="0">
-                <a:latin typeface="Raleway" panose="020B0503030101060003" pitchFamily="34" charset="77"/>
-              </a:rPr>
-              <a:t> </a:t>
-            </a:r>
-            <a:r>
-              <a:rPr lang="en-US" sz="3200" dirty="0" err="1">
-                <a:latin typeface="Raleway" panose="020B0503030101060003" pitchFamily="34" charset="77"/>
-              </a:rPr>
-              <a:t>varius</a:t>
-            </a:r>
-            <a:r>
-              <a:rPr lang="en-US" sz="3200" dirty="0">
-                <a:latin typeface="Raleway" panose="020B0503030101060003" pitchFamily="34" charset="77"/>
-              </a:rPr>
-              <a:t> </a:t>
-            </a:r>
-            <a:r>
-              <a:rPr lang="en-US" sz="3200" dirty="0" err="1">
-                <a:latin typeface="Raleway" panose="020B0503030101060003" pitchFamily="34" charset="77"/>
-              </a:rPr>
-              <a:t>quam</a:t>
-            </a:r>
-            <a:r>
-              <a:rPr lang="en-US" sz="3200" dirty="0">
-                <a:latin typeface="Raleway" panose="020B0503030101060003" pitchFamily="34" charset="77"/>
-              </a:rPr>
-              <a:t>.</a:t>
-            </a:r>
           </a:p>
         </p:txBody>
       </p:sp>
@@ -5770,59 +4040,19 @@
           <p:nvPr/>
         </p:nvPicPr>
         <p:blipFill>
-          <a:blip r:embed="rId5"/>
+          <a:blip r:embed="rId4"/>
           <a:stretch>
             <a:fillRect/>
           </a:stretch>
         </p:blipFill>
         <p:spPr>
           <a:xfrm>
-            <a:off x="2288887" y="11766660"/>
+            <a:off x="2288887" y="15167153"/>
             <a:ext cx="3479800" cy="596900"/>
           </a:xfrm>
           <a:prstGeom prst="rect">
             <a:avLst/>
           </a:prstGeom>
-        </p:spPr>
-      </p:pic>
-      <p:pic>
-        <p:nvPicPr>
-          <p:cNvPr id="12" name="Picture 11">
-            <a:extLst>
-              <a:ext uri="{FF2B5EF4-FFF2-40B4-BE49-F238E27FC236}">
-                <a16:creationId xmlns:a16="http://schemas.microsoft.com/office/drawing/2014/main" id="{8C80B6C9-49BA-1F48-B95F-BAF43E4F34ED}"/>
-              </a:ext>
-            </a:extLst>
-          </p:cNvPr>
-          <p:cNvPicPr>
-            <a:picLocks noChangeAspect="1"/>
-          </p:cNvPicPr>
-          <p:nvPr/>
-        </p:nvPicPr>
-        <p:blipFill>
-          <a:blip r:embed="rId4" cstate="print">
-            <a:extLst>
-              <a:ext uri="{28A0092B-C50C-407E-A947-70E740481C1C}">
-                <a14:useLocalDpi xmlns:a14="http://schemas.microsoft.com/office/drawing/2010/main" val="0"/>
-              </a:ext>
-            </a:extLst>
-          </a:blip>
-          <a:stretch>
-            <a:fillRect/>
-          </a:stretch>
-        </p:blipFill>
-        <p:spPr>
-          <a:xfrm>
-            <a:off x="14791244" y="5044919"/>
-            <a:ext cx="4323317" cy="3242488"/>
-          </a:xfrm>
-          <a:prstGeom prst="rect">
-            <a:avLst/>
-          </a:prstGeom>
-          <a:noFill/>
-          <a:ln w="3175">
-            <a:noFill/>
-          </a:ln>
         </p:spPr>
       </p:pic>
       <p:grpSp>
@@ -5839,8 +4069,8 @@
         </p:nvGrpSpPr>
         <p:grpSpPr>
           <a:xfrm>
-            <a:off x="365760" y="9067006"/>
-            <a:ext cx="20829600" cy="4022587"/>
+            <a:off x="365760" y="12467500"/>
+            <a:ext cx="20829600" cy="8867512"/>
             <a:chOff x="487680" y="6633686"/>
             <a:chExt cx="19994880" cy="12629674"/>
           </a:xfrm>
@@ -5899,7 +4129,7 @@
                   </a:solidFill>
                   <a:latin typeface="Raleway" panose="020B0503030101060003" pitchFamily="34" charset="77"/>
                 </a:rPr>
-                <a:t>Box 2</a:t>
+                <a:t>How it works</a:t>
               </a:r>
             </a:p>
           </p:txBody>
@@ -5918,8 +4148,8 @@
           </p:nvSpPr>
           <p:spPr>
             <a:xfrm>
-              <a:off x="660401" y="9868539"/>
-              <a:ext cx="19649439" cy="9056258"/>
+              <a:off x="660401" y="8178268"/>
+              <a:ext cx="19649439" cy="10746531"/>
             </a:xfrm>
             <a:prstGeom prst="roundRect">
               <a:avLst>
@@ -5964,493 +4194,12 @@
           </p:txBody>
         </p:sp>
       </p:grpSp>
-      <p:sp>
-        <p:nvSpPr>
-          <p:cNvPr id="201" name="Textfeld 171">
+      <p:pic>
+        <p:nvPicPr>
+          <p:cNvPr id="5" name="Picture 4">
             <a:extLst>
               <a:ext uri="{FF2B5EF4-FFF2-40B4-BE49-F238E27FC236}">
-                <a16:creationId xmlns:a16="http://schemas.microsoft.com/office/drawing/2014/main" id="{A8066307-48C1-424C-80EC-5864EEF2BAB1}"/>
-              </a:ext>
-            </a:extLst>
-          </p:cNvPr>
-          <p:cNvSpPr txBox="1"/>
-          <p:nvPr/>
-        </p:nvSpPr>
-        <p:spPr>
-          <a:xfrm>
-            <a:off x="731345" y="10249357"/>
-            <a:ext cx="20036524" cy="2062103"/>
-          </a:xfrm>
-          <a:prstGeom prst="rect">
-            <a:avLst/>
-          </a:prstGeom>
-          <a:noFill/>
-        </p:spPr>
-        <p:txBody>
-          <a:bodyPr wrap="square" rtlCol="0">
-            <a:spAutoFit/>
-          </a:bodyPr>
-          <a:lstStyle/>
-          <a:p>
-            <a:r>
-              <a:rPr lang="en-US" sz="3200" dirty="0">
-                <a:latin typeface="Raleway" panose="020B0503030101060003" pitchFamily="34" charset="77"/>
-              </a:rPr>
-              <a:t>Lorem ipsum dolor sit </a:t>
-            </a:r>
-            <a:r>
-              <a:rPr lang="en-US" sz="3200" dirty="0" err="1">
-                <a:latin typeface="Raleway" panose="020B0503030101060003" pitchFamily="34" charset="77"/>
-              </a:rPr>
-              <a:t>amet</a:t>
-            </a:r>
-            <a:r>
-              <a:rPr lang="en-US" sz="3200" dirty="0">
-                <a:latin typeface="Raleway" panose="020B0503030101060003" pitchFamily="34" charset="77"/>
-              </a:rPr>
-              <a:t>, </a:t>
-            </a:r>
-            <a:r>
-              <a:rPr lang="en-US" sz="3200" dirty="0" err="1">
-                <a:latin typeface="Raleway" panose="020B0503030101060003" pitchFamily="34" charset="77"/>
-              </a:rPr>
-              <a:t>consectetur</a:t>
-            </a:r>
-            <a:r>
-              <a:rPr lang="en-US" sz="3200" dirty="0">
-                <a:latin typeface="Raleway" panose="020B0503030101060003" pitchFamily="34" charset="77"/>
-              </a:rPr>
-              <a:t> </a:t>
-            </a:r>
-            <a:r>
-              <a:rPr lang="en-US" sz="3200" dirty="0" err="1">
-                <a:latin typeface="Raleway" panose="020B0503030101060003" pitchFamily="34" charset="77"/>
-              </a:rPr>
-              <a:t>adipiscing</a:t>
-            </a:r>
-            <a:r>
-              <a:rPr lang="en-US" sz="3200" dirty="0">
-                <a:latin typeface="Raleway" panose="020B0503030101060003" pitchFamily="34" charset="77"/>
-              </a:rPr>
-              <a:t> </a:t>
-            </a:r>
-            <a:r>
-              <a:rPr lang="en-US" sz="3200" dirty="0" err="1">
-                <a:latin typeface="Raleway" panose="020B0503030101060003" pitchFamily="34" charset="77"/>
-              </a:rPr>
-              <a:t>elit</a:t>
-            </a:r>
-            <a:r>
-              <a:rPr lang="en-US" sz="3200" dirty="0">
-                <a:latin typeface="Raleway" panose="020B0503030101060003" pitchFamily="34" charset="77"/>
-              </a:rPr>
-              <a:t>, </a:t>
-            </a:r>
-            <a:r>
-              <a:rPr lang="en-US" sz="3200" dirty="0" err="1">
-                <a:latin typeface="Raleway" panose="020B0503030101060003" pitchFamily="34" charset="77"/>
-              </a:rPr>
-              <a:t>sed</a:t>
-            </a:r>
-            <a:r>
-              <a:rPr lang="en-US" sz="3200" dirty="0">
-                <a:latin typeface="Raleway" panose="020B0503030101060003" pitchFamily="34" charset="77"/>
-              </a:rPr>
-              <a:t> do </a:t>
-            </a:r>
-            <a:r>
-              <a:rPr lang="en-US" sz="3200" dirty="0" err="1">
-                <a:latin typeface="Raleway" panose="020B0503030101060003" pitchFamily="34" charset="77"/>
-              </a:rPr>
-              <a:t>eiusmod</a:t>
-            </a:r>
-            <a:r>
-              <a:rPr lang="en-US" sz="3200" dirty="0">
-                <a:latin typeface="Raleway" panose="020B0503030101060003" pitchFamily="34" charset="77"/>
-              </a:rPr>
-              <a:t> </a:t>
-            </a:r>
-            <a:r>
-              <a:rPr lang="en-US" sz="3200" dirty="0" err="1">
-                <a:latin typeface="Raleway" panose="020B0503030101060003" pitchFamily="34" charset="77"/>
-              </a:rPr>
-              <a:t>tempor</a:t>
-            </a:r>
-            <a:r>
-              <a:rPr lang="en-US" sz="3200" dirty="0">
-                <a:latin typeface="Raleway" panose="020B0503030101060003" pitchFamily="34" charset="77"/>
-              </a:rPr>
-              <a:t> </a:t>
-            </a:r>
-            <a:r>
-              <a:rPr lang="en-US" sz="3200" dirty="0" err="1">
-                <a:latin typeface="Raleway" panose="020B0503030101060003" pitchFamily="34" charset="77"/>
-              </a:rPr>
-              <a:t>incididunt</a:t>
-            </a:r>
-            <a:r>
-              <a:rPr lang="en-US" sz="3200" dirty="0">
-                <a:latin typeface="Raleway" panose="020B0503030101060003" pitchFamily="34" charset="77"/>
-              </a:rPr>
-              <a:t> </a:t>
-            </a:r>
-            <a:r>
-              <a:rPr lang="en-US" sz="3200" dirty="0" err="1">
-                <a:latin typeface="Raleway" panose="020B0503030101060003" pitchFamily="34" charset="77"/>
-              </a:rPr>
-              <a:t>ut</a:t>
-            </a:r>
-            <a:r>
-              <a:rPr lang="en-US" sz="3200" dirty="0">
-                <a:latin typeface="Raleway" panose="020B0503030101060003" pitchFamily="34" charset="77"/>
-              </a:rPr>
-              <a:t> </a:t>
-            </a:r>
-            <a:r>
-              <a:rPr lang="en-US" sz="3200" dirty="0" err="1">
-                <a:latin typeface="Raleway" panose="020B0503030101060003" pitchFamily="34" charset="77"/>
-              </a:rPr>
-              <a:t>labore</a:t>
-            </a:r>
-            <a:r>
-              <a:rPr lang="en-US" sz="3200" dirty="0">
-                <a:latin typeface="Raleway" panose="020B0503030101060003" pitchFamily="34" charset="77"/>
-              </a:rPr>
-              <a:t> et dolore magna </a:t>
-            </a:r>
-            <a:r>
-              <a:rPr lang="en-US" sz="3200" dirty="0" err="1">
-                <a:latin typeface="Raleway" panose="020B0503030101060003" pitchFamily="34" charset="77"/>
-              </a:rPr>
-              <a:t>aliqua</a:t>
-            </a:r>
-            <a:r>
-              <a:rPr lang="en-US" sz="3200" dirty="0">
-                <a:latin typeface="Raleway" panose="020B0503030101060003" pitchFamily="34" charset="77"/>
-              </a:rPr>
-              <a:t>. </a:t>
-            </a:r>
-            <a:r>
-              <a:rPr lang="en-US" sz="3200" dirty="0" err="1">
-                <a:latin typeface="Raleway" panose="020B0503030101060003" pitchFamily="34" charset="77"/>
-              </a:rPr>
-              <a:t>Tincidunt</a:t>
-            </a:r>
-            <a:r>
-              <a:rPr lang="en-US" sz="3200" dirty="0">
-                <a:latin typeface="Raleway" panose="020B0503030101060003" pitchFamily="34" charset="77"/>
-              </a:rPr>
-              <a:t> </a:t>
-            </a:r>
-            <a:r>
-              <a:rPr lang="en-US" sz="3200" dirty="0" err="1">
-                <a:latin typeface="Raleway" panose="020B0503030101060003" pitchFamily="34" charset="77"/>
-              </a:rPr>
-              <a:t>nunc</a:t>
-            </a:r>
-            <a:r>
-              <a:rPr lang="en-US" sz="3200" dirty="0">
-                <a:latin typeface="Raleway" panose="020B0503030101060003" pitchFamily="34" charset="77"/>
-              </a:rPr>
-              <a:t> pulvinar </a:t>
-            </a:r>
-            <a:r>
-              <a:rPr lang="en-US" sz="3200" dirty="0" err="1">
-                <a:latin typeface="Raleway" panose="020B0503030101060003" pitchFamily="34" charset="77"/>
-              </a:rPr>
-              <a:t>sapien</a:t>
-            </a:r>
-            <a:r>
-              <a:rPr lang="en-US" sz="3200" dirty="0">
-                <a:latin typeface="Raleway" panose="020B0503030101060003" pitchFamily="34" charset="77"/>
-              </a:rPr>
-              <a:t> et ligula </a:t>
-            </a:r>
-            <a:r>
-              <a:rPr lang="en-US" sz="3200" dirty="0" err="1">
-                <a:latin typeface="Raleway" panose="020B0503030101060003" pitchFamily="34" charset="77"/>
-              </a:rPr>
-              <a:t>ullamcorper</a:t>
-            </a:r>
-            <a:r>
-              <a:rPr lang="en-US" sz="3200" dirty="0">
-                <a:latin typeface="Raleway" panose="020B0503030101060003" pitchFamily="34" charset="77"/>
-              </a:rPr>
-              <a:t> </a:t>
-            </a:r>
-            <a:r>
-              <a:rPr lang="en-US" sz="3200" dirty="0" err="1">
-                <a:latin typeface="Raleway" panose="020B0503030101060003" pitchFamily="34" charset="77"/>
-              </a:rPr>
-              <a:t>malesuada</a:t>
-            </a:r>
-            <a:r>
-              <a:rPr lang="en-US" sz="3200" dirty="0">
-                <a:latin typeface="Raleway" panose="020B0503030101060003" pitchFamily="34" charset="77"/>
-              </a:rPr>
-              <a:t>. </a:t>
-            </a:r>
-            <a:r>
-              <a:rPr lang="en-US" sz="3200" dirty="0" err="1">
-                <a:latin typeface="Raleway" panose="020B0503030101060003" pitchFamily="34" charset="77"/>
-              </a:rPr>
-              <a:t>Eget</a:t>
-            </a:r>
-            <a:r>
-              <a:rPr lang="en-US" sz="3200" dirty="0">
-                <a:latin typeface="Raleway" panose="020B0503030101060003" pitchFamily="34" charset="77"/>
-              </a:rPr>
-              <a:t> lorem dolor </a:t>
-            </a:r>
-            <a:r>
-              <a:rPr lang="en-US" sz="3200" dirty="0" err="1">
-                <a:latin typeface="Raleway" panose="020B0503030101060003" pitchFamily="34" charset="77"/>
-              </a:rPr>
-              <a:t>sed</a:t>
-            </a:r>
-            <a:r>
-              <a:rPr lang="en-US" sz="3200" dirty="0">
-                <a:latin typeface="Raleway" panose="020B0503030101060003" pitchFamily="34" charset="77"/>
-              </a:rPr>
-              <a:t> </a:t>
-            </a:r>
-            <a:r>
-              <a:rPr lang="en-US" sz="3200" dirty="0" err="1">
-                <a:latin typeface="Raleway" panose="020B0503030101060003" pitchFamily="34" charset="77"/>
-              </a:rPr>
-              <a:t>viverra</a:t>
-            </a:r>
-            <a:r>
-              <a:rPr lang="en-US" sz="3200" dirty="0">
-                <a:latin typeface="Raleway" panose="020B0503030101060003" pitchFamily="34" charset="77"/>
-              </a:rPr>
-              <a:t> ipsum </a:t>
-            </a:r>
-            <a:r>
-              <a:rPr lang="en-US" sz="3200" dirty="0" err="1">
-                <a:latin typeface="Raleway" panose="020B0503030101060003" pitchFamily="34" charset="77"/>
-              </a:rPr>
-              <a:t>nunc</a:t>
-            </a:r>
-            <a:r>
-              <a:rPr lang="en-US" sz="3200" dirty="0">
-                <a:latin typeface="Raleway" panose="020B0503030101060003" pitchFamily="34" charset="77"/>
-              </a:rPr>
-              <a:t>. </a:t>
-            </a:r>
-            <a:r>
-              <a:rPr lang="en-US" sz="3200" dirty="0" err="1">
-                <a:latin typeface="Raleway" panose="020B0503030101060003" pitchFamily="34" charset="77"/>
-              </a:rPr>
-              <a:t>Odio</a:t>
-            </a:r>
-            <a:r>
-              <a:rPr lang="en-US" sz="3200" dirty="0">
-                <a:latin typeface="Raleway" panose="020B0503030101060003" pitchFamily="34" charset="77"/>
-              </a:rPr>
-              <a:t> </a:t>
-            </a:r>
-            <a:r>
-              <a:rPr lang="en-US" sz="3200" dirty="0" err="1">
-                <a:latin typeface="Raleway" panose="020B0503030101060003" pitchFamily="34" charset="77"/>
-              </a:rPr>
-              <a:t>morbi</a:t>
-            </a:r>
-            <a:r>
-              <a:rPr lang="en-US" sz="3200" dirty="0">
-                <a:latin typeface="Raleway" panose="020B0503030101060003" pitchFamily="34" charset="77"/>
-              </a:rPr>
-              <a:t> </a:t>
-            </a:r>
-            <a:r>
-              <a:rPr lang="en-US" sz="3200" dirty="0" err="1">
-                <a:latin typeface="Raleway" panose="020B0503030101060003" pitchFamily="34" charset="77"/>
-              </a:rPr>
-              <a:t>quis</a:t>
-            </a:r>
-            <a:r>
-              <a:rPr lang="en-US" sz="3200" dirty="0">
-                <a:latin typeface="Raleway" panose="020B0503030101060003" pitchFamily="34" charset="77"/>
-              </a:rPr>
-              <a:t> </a:t>
-            </a:r>
-            <a:r>
-              <a:rPr lang="en-US" sz="3200" dirty="0" err="1">
-                <a:latin typeface="Raleway" panose="020B0503030101060003" pitchFamily="34" charset="77"/>
-              </a:rPr>
-              <a:t>commodo</a:t>
-            </a:r>
-            <a:r>
-              <a:rPr lang="en-US" sz="3200" dirty="0">
-                <a:latin typeface="Raleway" panose="020B0503030101060003" pitchFamily="34" charset="77"/>
-              </a:rPr>
-              <a:t> </a:t>
-            </a:r>
-            <a:r>
-              <a:rPr lang="en-US" sz="3200" dirty="0" err="1">
-                <a:latin typeface="Raleway" panose="020B0503030101060003" pitchFamily="34" charset="77"/>
-              </a:rPr>
-              <a:t>odio</a:t>
-            </a:r>
-            <a:r>
-              <a:rPr lang="en-US" sz="3200" dirty="0">
-                <a:latin typeface="Raleway" panose="020B0503030101060003" pitchFamily="34" charset="77"/>
-              </a:rPr>
-              <a:t>. Morbi non </a:t>
-            </a:r>
-            <a:r>
-              <a:rPr lang="en-US" sz="3200" dirty="0" err="1">
-                <a:latin typeface="Raleway" panose="020B0503030101060003" pitchFamily="34" charset="77"/>
-              </a:rPr>
-              <a:t>arcu</a:t>
-            </a:r>
-            <a:r>
-              <a:rPr lang="en-US" sz="3200" dirty="0">
-                <a:latin typeface="Raleway" panose="020B0503030101060003" pitchFamily="34" charset="77"/>
-              </a:rPr>
-              <a:t> </a:t>
-            </a:r>
-            <a:r>
-              <a:rPr lang="en-US" sz="3200" dirty="0" err="1">
-                <a:latin typeface="Raleway" panose="020B0503030101060003" pitchFamily="34" charset="77"/>
-              </a:rPr>
-              <a:t>risus</a:t>
-            </a:r>
-            <a:r>
-              <a:rPr lang="en-US" sz="3200" dirty="0">
-                <a:latin typeface="Raleway" panose="020B0503030101060003" pitchFamily="34" charset="77"/>
-              </a:rPr>
-              <a:t> </a:t>
-            </a:r>
-            <a:r>
-              <a:rPr lang="en-US" sz="3200" dirty="0" err="1">
-                <a:latin typeface="Raleway" panose="020B0503030101060003" pitchFamily="34" charset="77"/>
-              </a:rPr>
-              <a:t>quis</a:t>
-            </a:r>
-            <a:r>
-              <a:rPr lang="en-US" sz="3200" dirty="0">
-                <a:latin typeface="Raleway" panose="020B0503030101060003" pitchFamily="34" charset="77"/>
-              </a:rPr>
-              <a:t> </a:t>
-            </a:r>
-            <a:r>
-              <a:rPr lang="en-US" sz="3200" dirty="0" err="1">
-                <a:latin typeface="Raleway" panose="020B0503030101060003" pitchFamily="34" charset="77"/>
-              </a:rPr>
-              <a:t>varius</a:t>
-            </a:r>
-            <a:r>
-              <a:rPr lang="en-US" sz="3200" dirty="0">
-                <a:latin typeface="Raleway" panose="020B0503030101060003" pitchFamily="34" charset="77"/>
-              </a:rPr>
-              <a:t> </a:t>
-            </a:r>
-            <a:r>
-              <a:rPr lang="en-US" sz="3200" dirty="0" err="1">
-                <a:latin typeface="Raleway" panose="020B0503030101060003" pitchFamily="34" charset="77"/>
-              </a:rPr>
-              <a:t>quam</a:t>
-            </a:r>
-            <a:r>
-              <a:rPr lang="en-US" sz="3200" dirty="0">
-                <a:latin typeface="Raleway" panose="020B0503030101060003" pitchFamily="34" charset="77"/>
-              </a:rPr>
-              <a:t>. Cras pulvinar </a:t>
-            </a:r>
-            <a:r>
-              <a:rPr lang="en-US" sz="3200" dirty="0" err="1">
-                <a:latin typeface="Raleway" panose="020B0503030101060003" pitchFamily="34" charset="77"/>
-              </a:rPr>
-              <a:t>mattis</a:t>
-            </a:r>
-            <a:r>
-              <a:rPr lang="en-US" sz="3200" dirty="0">
-                <a:latin typeface="Raleway" panose="020B0503030101060003" pitchFamily="34" charset="77"/>
-              </a:rPr>
-              <a:t> </a:t>
-            </a:r>
-            <a:r>
-              <a:rPr lang="en-US" sz="3200" dirty="0" err="1">
-                <a:latin typeface="Raleway" panose="020B0503030101060003" pitchFamily="34" charset="77"/>
-              </a:rPr>
-              <a:t>nunc</a:t>
-            </a:r>
-            <a:r>
-              <a:rPr lang="en-US" sz="3200" dirty="0">
-                <a:latin typeface="Raleway" panose="020B0503030101060003" pitchFamily="34" charset="77"/>
-              </a:rPr>
-              <a:t> </a:t>
-            </a:r>
-            <a:r>
-              <a:rPr lang="en-US" sz="3200" dirty="0" err="1">
-                <a:latin typeface="Raleway" panose="020B0503030101060003" pitchFamily="34" charset="77"/>
-              </a:rPr>
-              <a:t>sed</a:t>
-            </a:r>
-            <a:r>
-              <a:rPr lang="en-US" sz="3200" dirty="0">
-                <a:latin typeface="Raleway" panose="020B0503030101060003" pitchFamily="34" charset="77"/>
-              </a:rPr>
-              <a:t> </a:t>
-            </a:r>
-            <a:r>
-              <a:rPr lang="en-US" sz="3200" dirty="0" err="1">
-                <a:latin typeface="Raleway" panose="020B0503030101060003" pitchFamily="34" charset="77"/>
-              </a:rPr>
-              <a:t>blandit</a:t>
-            </a:r>
-            <a:r>
-              <a:rPr lang="en-US" sz="3200" dirty="0">
-                <a:latin typeface="Raleway" panose="020B0503030101060003" pitchFamily="34" charset="77"/>
-              </a:rPr>
-              <a:t> libero </a:t>
-            </a:r>
-            <a:r>
-              <a:rPr lang="en-US" sz="3200" dirty="0" err="1">
-                <a:latin typeface="Raleway" panose="020B0503030101060003" pitchFamily="34" charset="77"/>
-              </a:rPr>
-              <a:t>volutpat</a:t>
-            </a:r>
-            <a:r>
-              <a:rPr lang="en-US" sz="3200" dirty="0">
-                <a:latin typeface="Raleway" panose="020B0503030101060003" pitchFamily="34" charset="77"/>
-              </a:rPr>
-              <a:t> </a:t>
-            </a:r>
-            <a:r>
-              <a:rPr lang="en-US" sz="3200" dirty="0" err="1">
-                <a:latin typeface="Raleway" panose="020B0503030101060003" pitchFamily="34" charset="77"/>
-              </a:rPr>
-              <a:t>sed</a:t>
-            </a:r>
-            <a:r>
-              <a:rPr lang="en-US" sz="3200" dirty="0">
-                <a:latin typeface="Raleway" panose="020B0503030101060003" pitchFamily="34" charset="77"/>
-              </a:rPr>
-              <a:t> </a:t>
-            </a:r>
-            <a:r>
-              <a:rPr lang="en-US" sz="3200" dirty="0" err="1">
-                <a:latin typeface="Raleway" panose="020B0503030101060003" pitchFamily="34" charset="77"/>
-              </a:rPr>
-              <a:t>cras</a:t>
-            </a:r>
-            <a:r>
-              <a:rPr lang="en-US" sz="3200" dirty="0">
-                <a:latin typeface="Raleway" panose="020B0503030101060003" pitchFamily="34" charset="77"/>
-              </a:rPr>
-              <a:t>. </a:t>
-            </a:r>
-          </a:p>
-        </p:txBody>
-      </p:sp>
-      <p:pic>
-        <p:nvPicPr>
-          <p:cNvPr id="106" name="Picture 105">
-            <a:extLst>
-              <a:ext uri="{FF2B5EF4-FFF2-40B4-BE49-F238E27FC236}">
-                <a16:creationId xmlns:a16="http://schemas.microsoft.com/office/drawing/2014/main" id="{48F0C83C-CC60-4F4D-8147-93FE24A9E98B}"/>
+                <a16:creationId xmlns:a16="http://schemas.microsoft.com/office/drawing/2014/main" id="{E759CD3E-2D63-40F4-9823-41945681E9F8}"/>
               </a:ext>
             </a:extLst>
           </p:cNvPr>
@@ -6460,7 +4209,7 @@
           <p:nvPr/>
         </p:nvPicPr>
         <p:blipFill>
-          <a:blip r:embed="rId6">
+          <a:blip r:embed="rId5">
             <a:extLst>
               <a:ext uri="{28A0092B-C50C-407E-A947-70E740481C1C}">
                 <a14:useLocalDpi xmlns:a14="http://schemas.microsoft.com/office/drawing/2010/main" val="0"/>
@@ -6473,20 +4222,67 @@
         </p:blipFill>
         <p:spPr>
           <a:xfrm>
-            <a:off x="33607924" y="5308447"/>
-            <a:ext cx="5647997" cy="2492486"/>
+            <a:off x="11248191" y="4727622"/>
+            <a:ext cx="9171693" cy="3504377"/>
           </a:xfrm>
           <a:prstGeom prst="rect">
             <a:avLst/>
           </a:prstGeom>
         </p:spPr>
       </p:pic>
+      <p:sp>
+        <p:nvSpPr>
+          <p:cNvPr id="46" name="Textfeld 171">
+            <a:extLst>
+              <a:ext uri="{FF2B5EF4-FFF2-40B4-BE49-F238E27FC236}">
+                <a16:creationId xmlns:a16="http://schemas.microsoft.com/office/drawing/2014/main" id="{E209E7BA-5A47-4344-A2AE-9463FB1BAA3C}"/>
+              </a:ext>
+            </a:extLst>
+          </p:cNvPr>
+          <p:cNvSpPr txBox="1"/>
+          <p:nvPr/>
+        </p:nvSpPr>
+        <p:spPr>
+          <a:xfrm>
+            <a:off x="731346" y="4837906"/>
+            <a:ext cx="10080205" cy="3046988"/>
+          </a:xfrm>
+          <a:prstGeom prst="rect">
+            <a:avLst/>
+          </a:prstGeom>
+          <a:noFill/>
+        </p:spPr>
+        <p:txBody>
+          <a:bodyPr wrap="square" rtlCol="0">
+            <a:spAutoFit/>
+          </a:bodyPr>
+          <a:lstStyle/>
+          <a:p>
+            <a:pPr algn="just"/>
+            <a:r>
+              <a:rPr lang="en-US" sz="3200" dirty="0">
+                <a:latin typeface="Raleway" panose="020B0503030101060003" pitchFamily="34" charset="77"/>
+              </a:rPr>
+              <a:t>The idea is to create images by describing them in your own words, instead of using a hard to learn design software.</a:t>
+            </a:r>
+          </a:p>
+          <a:p>
+            <a:pPr algn="just"/>
+            <a:r>
+              <a:rPr lang="en-US" sz="3200" dirty="0">
+                <a:latin typeface="Raleway" panose="020B0503030101060003" pitchFamily="34" charset="77"/>
+              </a:rPr>
+              <a:t>For us, a complete design process consists not only of an initial draft, but also iterative changes that you can apply until you are happy with your result!</a:t>
+            </a:r>
+          </a:p>
+        </p:txBody>
+      </p:sp>
       <p:pic>
         <p:nvPicPr>
-          <p:cNvPr id="108" name="Picture 107">
+          <p:cNvPr id="9" name="Picture 8">
             <a:extLst>
               <a:ext uri="{FF2B5EF4-FFF2-40B4-BE49-F238E27FC236}">
-                <a16:creationId xmlns:a16="http://schemas.microsoft.com/office/drawing/2014/main" id="{6B78CA93-2551-1541-A1F9-234E384FBA63}"/>
+                <a16:creationId xmlns:a16="http://schemas.microsoft.com/office/drawing/2014/main" id="{AE0BDECE-94EE-475D-AF5B-10D3027FEF8F}"/>
               </a:ext>
             </a:extLst>
           </p:cNvPr>
@@ -6496,7 +4292,168 @@
           <p:nvPr/>
         </p:nvPicPr>
         <p:blipFill>
-          <a:blip r:embed="rId6">
+          <a:blip r:embed="rId6"/>
+          <a:stretch>
+            <a:fillRect/>
+          </a:stretch>
+        </p:blipFill>
+        <p:spPr>
+          <a:xfrm>
+            <a:off x="9457706" y="13725071"/>
+            <a:ext cx="11176601" cy="5979085"/>
+          </a:xfrm>
+          <a:prstGeom prst="rect">
+            <a:avLst/>
+          </a:prstGeom>
+        </p:spPr>
+      </p:pic>
+      <p:sp>
+        <p:nvSpPr>
+          <p:cNvPr id="201" name="Textfeld 171">
+            <a:extLst>
+              <a:ext uri="{FF2B5EF4-FFF2-40B4-BE49-F238E27FC236}">
+                <a16:creationId xmlns:a16="http://schemas.microsoft.com/office/drawing/2014/main" id="{A8066307-48C1-424C-80EC-5864EEF2BAB1}"/>
+              </a:ext>
+            </a:extLst>
+          </p:cNvPr>
+          <p:cNvSpPr txBox="1"/>
+          <p:nvPr/>
+        </p:nvSpPr>
+        <p:spPr>
+          <a:xfrm>
+            <a:off x="760557" y="13847651"/>
+            <a:ext cx="12590723" cy="6986528"/>
+          </a:xfrm>
+          <a:prstGeom prst="rect">
+            <a:avLst/>
+          </a:prstGeom>
+          <a:noFill/>
+        </p:spPr>
+        <p:txBody>
+          <a:bodyPr wrap="square" rtlCol="0">
+            <a:spAutoFit/>
+          </a:bodyPr>
+          <a:lstStyle/>
+          <a:p>
+            <a:pPr algn="just"/>
+            <a:r>
+              <a:rPr lang="en-US" sz="3200" dirty="0">
+                <a:latin typeface="Raleway" panose="020B0503030101060003" pitchFamily="34" charset="77"/>
+              </a:rPr>
+              <a:t>There are two types of input: Descriptions</a:t>
+            </a:r>
+          </a:p>
+          <a:p>
+            <a:pPr algn="just"/>
+            <a:r>
+              <a:rPr lang="en-US" sz="3200" dirty="0">
+                <a:latin typeface="Raleway" panose="020B0503030101060003" pitchFamily="34" charset="77"/>
+              </a:rPr>
+              <a:t> of images and already existing images. </a:t>
+            </a:r>
+          </a:p>
+          <a:p>
+            <a:pPr algn="just"/>
+            <a:r>
+              <a:rPr lang="en-US" sz="3200" dirty="0">
+                <a:latin typeface="Raleway" panose="020B0503030101060003" pitchFamily="34" charset="77"/>
+              </a:rPr>
+              <a:t>The input is mapped to a </a:t>
+            </a:r>
+            <a:r>
+              <a:rPr lang="en-US" sz="3200" i="1" dirty="0">
+                <a:latin typeface="Raleway" panose="020B0503030101060003" pitchFamily="34" charset="77"/>
+              </a:rPr>
+              <a:t>joint embedding</a:t>
+            </a:r>
+          </a:p>
+          <a:p>
+            <a:pPr algn="just"/>
+            <a:r>
+              <a:rPr lang="en-US" sz="3200" i="1" dirty="0">
+                <a:latin typeface="Raleway" panose="020B0503030101060003" pitchFamily="34" charset="77"/>
+              </a:rPr>
+              <a:t>space </a:t>
+            </a:r>
+            <a:r>
+              <a:rPr lang="en-US" sz="3200" dirty="0">
+                <a:latin typeface="Raleway" panose="020B0503030101060003" pitchFamily="34" charset="77"/>
+              </a:rPr>
+              <a:t>by Encoder Networks, </a:t>
+            </a:r>
+            <a:r>
+              <a:rPr lang="en-US" sz="3200" dirty="0" err="1">
+                <a:latin typeface="Raleway" panose="020B0503030101060003" pitchFamily="34" charset="77"/>
+              </a:rPr>
+              <a:t>implicitely</a:t>
+            </a:r>
+            <a:endParaRPr lang="en-US" sz="3200" dirty="0">
+              <a:latin typeface="Raleway" panose="020B0503030101060003" pitchFamily="34" charset="77"/>
+            </a:endParaRPr>
+          </a:p>
+          <a:p>
+            <a:pPr algn="just"/>
+            <a:r>
+              <a:rPr lang="en-US" sz="3200" dirty="0">
+                <a:latin typeface="Raleway" panose="020B0503030101060003" pitchFamily="34" charset="77"/>
+              </a:rPr>
+              <a:t>encoding the content information. </a:t>
+            </a:r>
+          </a:p>
+          <a:p>
+            <a:pPr algn="just"/>
+            <a:r>
+              <a:rPr lang="en-US" sz="3200" dirty="0">
+                <a:latin typeface="Raleway" panose="020B0503030101060003" pitchFamily="34" charset="77"/>
+              </a:rPr>
+              <a:t>Vectors from this embedding space can be </a:t>
+            </a:r>
+          </a:p>
+          <a:p>
+            <a:pPr algn="just"/>
+            <a:r>
+              <a:rPr lang="en-US" sz="3200" dirty="0">
+                <a:latin typeface="Raleway" panose="020B0503030101060003" pitchFamily="34" charset="77"/>
+              </a:rPr>
+              <a:t>transformed to images by a CGAN Generator </a:t>
+            </a:r>
+          </a:p>
+          <a:p>
+            <a:pPr algn="just"/>
+            <a:r>
+              <a:rPr lang="en-US" sz="3200" dirty="0">
+                <a:latin typeface="Raleway" panose="020B0503030101060003" pitchFamily="34" charset="77"/>
+              </a:rPr>
+              <a:t>Network. The generator additionally includes </a:t>
+            </a:r>
+          </a:p>
+          <a:p>
+            <a:pPr algn="just"/>
+            <a:r>
+              <a:rPr lang="en-US" sz="3200" dirty="0">
+                <a:latin typeface="Raleway" panose="020B0503030101060003" pitchFamily="34" charset="77"/>
+              </a:rPr>
+              <a:t>random vector z, which determines non specified factors such as rotation or size. To apply changes to an image, the Modifier Network shifts the joint embedding of an image. The shift is defined by a text description of the desired change. When generating this new image, it shares the previous random vector to ensure fitting position and size.</a:t>
+            </a:r>
+          </a:p>
+        </p:txBody>
+      </p:sp>
+      <p:pic>
+        <p:nvPicPr>
+          <p:cNvPr id="20" name="Picture 19">
+            <a:extLst>
+              <a:ext uri="{FF2B5EF4-FFF2-40B4-BE49-F238E27FC236}">
+                <a16:creationId xmlns:a16="http://schemas.microsoft.com/office/drawing/2014/main" id="{08E961D5-E522-4AF2-8FFA-071EA6B922AF}"/>
+              </a:ext>
+            </a:extLst>
+          </p:cNvPr>
+          <p:cNvPicPr>
+            <a:picLocks noChangeAspect="1"/>
+          </p:cNvPicPr>
+          <p:nvPr/>
+        </p:nvPicPr>
+        <p:blipFill>
+          <a:blip r:embed="rId7">
             <a:extLst>
               <a:ext uri="{28A0092B-C50C-407E-A947-70E740481C1C}">
                 <a14:useLocalDpi xmlns:a14="http://schemas.microsoft.com/office/drawing/2010/main" val="0"/>
@@ -6509,8 +4466,8 @@
         </p:blipFill>
         <p:spPr>
           <a:xfrm>
-            <a:off x="30823829" y="12789010"/>
-            <a:ext cx="11216187" cy="4949752"/>
+            <a:off x="13493152" y="22660007"/>
+            <a:ext cx="5823378" cy="5609807"/>
           </a:xfrm>
           <a:prstGeom prst="rect">
             <a:avLst/>
@@ -6519,10 +4476,10 @@
       </p:pic>
       <p:sp>
         <p:nvSpPr>
-          <p:cNvPr id="254" name="Textfeld 171">
+          <p:cNvPr id="21" name="TextBox 20">
             <a:extLst>
               <a:ext uri="{FF2B5EF4-FFF2-40B4-BE49-F238E27FC236}">
-                <a16:creationId xmlns:a16="http://schemas.microsoft.com/office/drawing/2014/main" id="{C0F9B44B-8EFD-3F47-B5F7-63885D958B46}"/>
+                <a16:creationId xmlns:a16="http://schemas.microsoft.com/office/drawing/2014/main" id="{4D0461CC-D444-4652-989D-AD392CB52C43}"/>
               </a:ext>
             </a:extLst>
           </p:cNvPr>
@@ -6531,8 +4488,8 @@
         </p:nvSpPr>
         <p:spPr>
           <a:xfrm>
-            <a:off x="22155892" y="10303390"/>
-            <a:ext cx="8667937" cy="8956298"/>
+            <a:off x="13813377" y="28269814"/>
+            <a:ext cx="5503153" cy="1200329"/>
           </a:xfrm>
           <a:prstGeom prst="rect">
             <a:avLst/>
@@ -6546,754 +4503,18 @@
           <a:lstStyle/>
           <a:p>
             <a:r>
-              <a:rPr lang="en-US" sz="3200" dirty="0">
-                <a:latin typeface="Raleway" panose="020B0503030101060003" pitchFamily="34" charset="77"/>
-              </a:rPr>
-              <a:t>Lorem ipsum dolor sit </a:t>
-            </a:r>
-            <a:r>
-              <a:rPr lang="en-US" sz="3200" dirty="0" err="1">
-                <a:latin typeface="Raleway" panose="020B0503030101060003" pitchFamily="34" charset="77"/>
-              </a:rPr>
-              <a:t>amet</a:t>
-            </a:r>
-            <a:r>
-              <a:rPr lang="en-US" sz="3200" dirty="0">
-                <a:latin typeface="Raleway" panose="020B0503030101060003" pitchFamily="34" charset="77"/>
-              </a:rPr>
-              <a:t>, </a:t>
-            </a:r>
-            <a:r>
-              <a:rPr lang="en-US" sz="3200" dirty="0" err="1">
-                <a:latin typeface="Raleway" panose="020B0503030101060003" pitchFamily="34" charset="77"/>
-              </a:rPr>
-              <a:t>consectetur</a:t>
-            </a:r>
-            <a:r>
-              <a:rPr lang="en-US" sz="3200" dirty="0">
-                <a:latin typeface="Raleway" panose="020B0503030101060003" pitchFamily="34" charset="77"/>
-              </a:rPr>
-              <a:t> </a:t>
-            </a:r>
-            <a:r>
-              <a:rPr lang="en-US" sz="3200" dirty="0" err="1">
-                <a:latin typeface="Raleway" panose="020B0503030101060003" pitchFamily="34" charset="77"/>
-              </a:rPr>
-              <a:t>adipiscing</a:t>
-            </a:r>
-            <a:r>
-              <a:rPr lang="en-US" sz="3200" dirty="0">
-                <a:latin typeface="Raleway" panose="020B0503030101060003" pitchFamily="34" charset="77"/>
-              </a:rPr>
-              <a:t> </a:t>
-            </a:r>
-            <a:r>
-              <a:rPr lang="en-US" sz="3200" dirty="0" err="1">
-                <a:latin typeface="Raleway" panose="020B0503030101060003" pitchFamily="34" charset="77"/>
-              </a:rPr>
-              <a:t>elit</a:t>
-            </a:r>
-            <a:r>
-              <a:rPr lang="en-US" sz="3200" dirty="0">
-                <a:latin typeface="Raleway" panose="020B0503030101060003" pitchFamily="34" charset="77"/>
-              </a:rPr>
-              <a:t>, </a:t>
-            </a:r>
-            <a:r>
-              <a:rPr lang="en-US" sz="3200" dirty="0" err="1">
-                <a:latin typeface="Raleway" panose="020B0503030101060003" pitchFamily="34" charset="77"/>
-              </a:rPr>
-              <a:t>sed</a:t>
-            </a:r>
-            <a:r>
-              <a:rPr lang="en-US" sz="3200" dirty="0">
-                <a:latin typeface="Raleway" panose="020B0503030101060003" pitchFamily="34" charset="77"/>
-              </a:rPr>
-              <a:t> do </a:t>
-            </a:r>
-            <a:r>
-              <a:rPr lang="en-US" sz="3200" dirty="0" err="1">
-                <a:latin typeface="Raleway" panose="020B0503030101060003" pitchFamily="34" charset="77"/>
-              </a:rPr>
-              <a:t>eiusmod</a:t>
-            </a:r>
-            <a:r>
-              <a:rPr lang="en-US" sz="3200" dirty="0">
-                <a:latin typeface="Raleway" panose="020B0503030101060003" pitchFamily="34" charset="77"/>
-              </a:rPr>
-              <a:t> </a:t>
-            </a:r>
-            <a:r>
-              <a:rPr lang="en-US" sz="3200" dirty="0" err="1">
-                <a:latin typeface="Raleway" panose="020B0503030101060003" pitchFamily="34" charset="77"/>
-              </a:rPr>
-              <a:t>tempor</a:t>
-            </a:r>
-            <a:r>
-              <a:rPr lang="en-US" sz="3200" dirty="0">
-                <a:latin typeface="Raleway" panose="020B0503030101060003" pitchFamily="34" charset="77"/>
-              </a:rPr>
-              <a:t> </a:t>
-            </a:r>
-            <a:r>
-              <a:rPr lang="en-US" sz="3200" dirty="0" err="1">
-                <a:latin typeface="Raleway" panose="020B0503030101060003" pitchFamily="34" charset="77"/>
-              </a:rPr>
-              <a:t>incididunt</a:t>
-            </a:r>
-            <a:r>
-              <a:rPr lang="en-US" sz="3200" dirty="0">
-                <a:latin typeface="Raleway" panose="020B0503030101060003" pitchFamily="34" charset="77"/>
-              </a:rPr>
-              <a:t> </a:t>
-            </a:r>
-            <a:r>
-              <a:rPr lang="en-US" sz="3200" dirty="0" err="1">
-                <a:latin typeface="Raleway" panose="020B0503030101060003" pitchFamily="34" charset="77"/>
-              </a:rPr>
-              <a:t>ut</a:t>
-            </a:r>
-            <a:r>
-              <a:rPr lang="en-US" sz="3200" dirty="0">
-                <a:latin typeface="Raleway" panose="020B0503030101060003" pitchFamily="34" charset="77"/>
-              </a:rPr>
-              <a:t> </a:t>
-            </a:r>
-            <a:r>
-              <a:rPr lang="en-US" sz="3200" dirty="0" err="1">
-                <a:latin typeface="Raleway" panose="020B0503030101060003" pitchFamily="34" charset="77"/>
-              </a:rPr>
-              <a:t>labore</a:t>
-            </a:r>
-            <a:r>
-              <a:rPr lang="en-US" sz="3200" dirty="0">
-                <a:latin typeface="Raleway" panose="020B0503030101060003" pitchFamily="34" charset="77"/>
-              </a:rPr>
-              <a:t> et dolore magna </a:t>
-            </a:r>
-            <a:r>
-              <a:rPr lang="en-US" sz="3200" dirty="0" err="1">
-                <a:latin typeface="Raleway" panose="020B0503030101060003" pitchFamily="34" charset="77"/>
-              </a:rPr>
-              <a:t>aliqua</a:t>
-            </a:r>
-            <a:r>
-              <a:rPr lang="en-US" sz="3200" dirty="0">
-                <a:latin typeface="Raleway" panose="020B0503030101060003" pitchFamily="34" charset="77"/>
-              </a:rPr>
-              <a:t>. </a:t>
-            </a:r>
-            <a:r>
-              <a:rPr lang="en-US" sz="3200" dirty="0" err="1">
-                <a:latin typeface="Raleway" panose="020B0503030101060003" pitchFamily="34" charset="77"/>
-              </a:rPr>
-              <a:t>Tincidunt</a:t>
-            </a:r>
-            <a:r>
-              <a:rPr lang="en-US" sz="3200" dirty="0">
-                <a:latin typeface="Raleway" panose="020B0503030101060003" pitchFamily="34" charset="77"/>
-              </a:rPr>
-              <a:t> </a:t>
-            </a:r>
-            <a:r>
-              <a:rPr lang="en-US" sz="3200" dirty="0" err="1">
-                <a:latin typeface="Raleway" panose="020B0503030101060003" pitchFamily="34" charset="77"/>
-              </a:rPr>
-              <a:t>nunc</a:t>
-            </a:r>
-            <a:r>
-              <a:rPr lang="en-US" sz="3200" dirty="0">
-                <a:latin typeface="Raleway" panose="020B0503030101060003" pitchFamily="34" charset="77"/>
-              </a:rPr>
-              <a:t> pulvinar </a:t>
-            </a:r>
-            <a:r>
-              <a:rPr lang="en-US" sz="3200" dirty="0" err="1">
-                <a:latin typeface="Raleway" panose="020B0503030101060003" pitchFamily="34" charset="77"/>
-              </a:rPr>
-              <a:t>sapien</a:t>
-            </a:r>
-            <a:r>
-              <a:rPr lang="en-US" sz="3200" dirty="0">
-                <a:latin typeface="Raleway" panose="020B0503030101060003" pitchFamily="34" charset="77"/>
-              </a:rPr>
-              <a:t> et ligula </a:t>
-            </a:r>
-            <a:r>
-              <a:rPr lang="en-US" sz="3200" dirty="0" err="1">
-                <a:latin typeface="Raleway" panose="020B0503030101060003" pitchFamily="34" charset="77"/>
-              </a:rPr>
-              <a:t>ullamcorper</a:t>
-            </a:r>
-            <a:r>
-              <a:rPr lang="en-US" sz="3200" dirty="0">
-                <a:latin typeface="Raleway" panose="020B0503030101060003" pitchFamily="34" charset="77"/>
-              </a:rPr>
-              <a:t> </a:t>
-            </a:r>
-            <a:r>
-              <a:rPr lang="en-US" sz="3200" dirty="0" err="1">
-                <a:latin typeface="Raleway" panose="020B0503030101060003" pitchFamily="34" charset="77"/>
-              </a:rPr>
-              <a:t>malesuada</a:t>
-            </a:r>
-            <a:r>
-              <a:rPr lang="en-US" sz="3200" dirty="0">
-                <a:latin typeface="Raleway" panose="020B0503030101060003" pitchFamily="34" charset="77"/>
-              </a:rPr>
-              <a:t>. </a:t>
-            </a:r>
-          </a:p>
-          <a:p>
-            <a:endParaRPr lang="en-US" sz="3200" dirty="0">
-              <a:latin typeface="Raleway" panose="020B0503030101060003" pitchFamily="34" charset="77"/>
-            </a:endParaRPr>
-          </a:p>
-          <a:p>
-            <a:pPr marL="514350" indent="-514350">
-              <a:buFont typeface="+mj-lt"/>
-              <a:buAutoNum type="arabicPeriod"/>
-            </a:pPr>
-            <a:r>
-              <a:rPr lang="en-US" sz="3200" dirty="0" err="1">
-                <a:latin typeface="Raleway" panose="020B0503030101060003" pitchFamily="34" charset="77"/>
-              </a:rPr>
-              <a:t>Eget</a:t>
-            </a:r>
-            <a:r>
-              <a:rPr lang="en-US" sz="3200" dirty="0">
-                <a:latin typeface="Raleway" panose="020B0503030101060003" pitchFamily="34" charset="77"/>
-              </a:rPr>
-              <a:t> lorem dolor </a:t>
-            </a:r>
-            <a:r>
-              <a:rPr lang="en-US" sz="3200" dirty="0" err="1">
-                <a:latin typeface="Raleway" panose="020B0503030101060003" pitchFamily="34" charset="77"/>
-              </a:rPr>
-              <a:t>sed</a:t>
-            </a:r>
-            <a:r>
-              <a:rPr lang="en-US" sz="3200" dirty="0">
-                <a:latin typeface="Raleway" panose="020B0503030101060003" pitchFamily="34" charset="77"/>
-              </a:rPr>
-              <a:t> </a:t>
-            </a:r>
-            <a:r>
-              <a:rPr lang="en-US" sz="3200" dirty="0" err="1">
-                <a:latin typeface="Raleway" panose="020B0503030101060003" pitchFamily="34" charset="77"/>
-              </a:rPr>
-              <a:t>viverra</a:t>
-            </a:r>
-            <a:r>
-              <a:rPr lang="en-US" sz="3200" dirty="0">
-                <a:latin typeface="Raleway" panose="020B0503030101060003" pitchFamily="34" charset="77"/>
-              </a:rPr>
-              <a:t> ipsum </a:t>
-            </a:r>
-            <a:r>
-              <a:rPr lang="en-US" sz="3200" dirty="0" err="1">
-                <a:latin typeface="Raleway" panose="020B0503030101060003" pitchFamily="34" charset="77"/>
-              </a:rPr>
-              <a:t>nunc</a:t>
-            </a:r>
-            <a:r>
-              <a:rPr lang="en-US" sz="3200" dirty="0">
-                <a:latin typeface="Raleway" panose="020B0503030101060003" pitchFamily="34" charset="77"/>
-              </a:rPr>
-              <a:t>. </a:t>
-            </a:r>
-            <a:r>
-              <a:rPr lang="en-US" sz="3200" dirty="0" err="1">
-                <a:latin typeface="Raleway" panose="020B0503030101060003" pitchFamily="34" charset="77"/>
-              </a:rPr>
-              <a:t>Odio</a:t>
-            </a:r>
-            <a:r>
-              <a:rPr lang="en-US" sz="3200" dirty="0">
-                <a:latin typeface="Raleway" panose="020B0503030101060003" pitchFamily="34" charset="77"/>
-              </a:rPr>
-              <a:t> </a:t>
-            </a:r>
-            <a:r>
-              <a:rPr lang="en-US" sz="3200" dirty="0" err="1">
-                <a:latin typeface="Raleway" panose="020B0503030101060003" pitchFamily="34" charset="77"/>
-              </a:rPr>
-              <a:t>morbi</a:t>
-            </a:r>
-            <a:r>
-              <a:rPr lang="en-US" sz="3200" dirty="0">
-                <a:latin typeface="Raleway" panose="020B0503030101060003" pitchFamily="34" charset="77"/>
-              </a:rPr>
-              <a:t> </a:t>
-            </a:r>
-            <a:r>
-              <a:rPr lang="en-US" sz="3200" dirty="0" err="1">
-                <a:latin typeface="Raleway" panose="020B0503030101060003" pitchFamily="34" charset="77"/>
-              </a:rPr>
-              <a:t>quis</a:t>
-            </a:r>
-            <a:r>
-              <a:rPr lang="en-US" sz="3200" dirty="0">
-                <a:latin typeface="Raleway" panose="020B0503030101060003" pitchFamily="34" charset="77"/>
-              </a:rPr>
-              <a:t> </a:t>
-            </a:r>
-            <a:r>
-              <a:rPr lang="en-US" sz="3200" dirty="0" err="1">
-                <a:latin typeface="Raleway" panose="020B0503030101060003" pitchFamily="34" charset="77"/>
-              </a:rPr>
-              <a:t>commodo</a:t>
-            </a:r>
-            <a:r>
-              <a:rPr lang="en-US" sz="3200" dirty="0">
-                <a:latin typeface="Raleway" panose="020B0503030101060003" pitchFamily="34" charset="77"/>
-              </a:rPr>
-              <a:t> </a:t>
-            </a:r>
-            <a:r>
-              <a:rPr lang="en-US" sz="3200" dirty="0" err="1">
-                <a:latin typeface="Raleway" panose="020B0503030101060003" pitchFamily="34" charset="77"/>
-              </a:rPr>
-              <a:t>odio</a:t>
-            </a:r>
-            <a:r>
-              <a:rPr lang="en-US" sz="3200" dirty="0">
-                <a:latin typeface="Raleway" panose="020B0503030101060003" pitchFamily="34" charset="77"/>
-              </a:rPr>
-              <a:t>. </a:t>
-            </a:r>
-          </a:p>
-          <a:p>
-            <a:pPr marL="514350" indent="-514350">
-              <a:buFont typeface="+mj-lt"/>
-              <a:buAutoNum type="arabicPeriod"/>
-            </a:pPr>
-            <a:r>
-              <a:rPr lang="en-US" sz="3200" dirty="0">
-                <a:latin typeface="Raleway" panose="020B0503030101060003" pitchFamily="34" charset="77"/>
-              </a:rPr>
-              <a:t>Morbi non </a:t>
-            </a:r>
-            <a:r>
-              <a:rPr lang="en-US" sz="3200" dirty="0" err="1">
-                <a:latin typeface="Raleway" panose="020B0503030101060003" pitchFamily="34" charset="77"/>
-              </a:rPr>
-              <a:t>arcu</a:t>
-            </a:r>
-            <a:r>
-              <a:rPr lang="en-US" sz="3200" dirty="0">
-                <a:latin typeface="Raleway" panose="020B0503030101060003" pitchFamily="34" charset="77"/>
-              </a:rPr>
-              <a:t> </a:t>
-            </a:r>
-            <a:r>
-              <a:rPr lang="en-US" sz="3200" dirty="0" err="1">
-                <a:latin typeface="Raleway" panose="020B0503030101060003" pitchFamily="34" charset="77"/>
-              </a:rPr>
-              <a:t>risus</a:t>
-            </a:r>
-            <a:r>
-              <a:rPr lang="en-US" sz="3200" dirty="0">
-                <a:latin typeface="Raleway" panose="020B0503030101060003" pitchFamily="34" charset="77"/>
-              </a:rPr>
-              <a:t> </a:t>
-            </a:r>
-            <a:r>
-              <a:rPr lang="en-US" sz="3200" dirty="0" err="1">
-                <a:latin typeface="Raleway" panose="020B0503030101060003" pitchFamily="34" charset="77"/>
-              </a:rPr>
-              <a:t>quis</a:t>
-            </a:r>
-            <a:r>
-              <a:rPr lang="en-US" sz="3200" dirty="0">
-                <a:latin typeface="Raleway" panose="020B0503030101060003" pitchFamily="34" charset="77"/>
-              </a:rPr>
-              <a:t> </a:t>
-            </a:r>
-            <a:r>
-              <a:rPr lang="en-US" sz="3200" dirty="0" err="1">
-                <a:latin typeface="Raleway" panose="020B0503030101060003" pitchFamily="34" charset="77"/>
-              </a:rPr>
-              <a:t>varius</a:t>
-            </a:r>
-            <a:r>
-              <a:rPr lang="en-US" sz="3200" dirty="0">
-                <a:latin typeface="Raleway" panose="020B0503030101060003" pitchFamily="34" charset="77"/>
-              </a:rPr>
-              <a:t> </a:t>
-            </a:r>
-            <a:r>
-              <a:rPr lang="en-US" sz="3200" dirty="0" err="1">
-                <a:latin typeface="Raleway" panose="020B0503030101060003" pitchFamily="34" charset="77"/>
-              </a:rPr>
-              <a:t>quam</a:t>
-            </a:r>
-            <a:endParaRPr lang="en-US" sz="3200" dirty="0">
-              <a:latin typeface="Raleway" panose="020B0503030101060003" pitchFamily="34" charset="77"/>
-            </a:endParaRPr>
-          </a:p>
-          <a:p>
-            <a:pPr marL="514350" indent="-514350">
-              <a:buFont typeface="+mj-lt"/>
-              <a:buAutoNum type="arabicPeriod"/>
-            </a:pPr>
-            <a:r>
-              <a:rPr lang="en-US" sz="3200" dirty="0">
-                <a:latin typeface="Raleway" panose="020B0503030101060003" pitchFamily="34" charset="77"/>
-              </a:rPr>
-              <a:t> Cras pulvinar </a:t>
-            </a:r>
-            <a:r>
-              <a:rPr lang="en-US" sz="3200" dirty="0" err="1">
-                <a:latin typeface="Raleway" panose="020B0503030101060003" pitchFamily="34" charset="77"/>
-              </a:rPr>
-              <a:t>mattis</a:t>
-            </a:r>
-            <a:r>
-              <a:rPr lang="en-US" sz="3200" dirty="0">
-                <a:latin typeface="Raleway" panose="020B0503030101060003" pitchFamily="34" charset="77"/>
-              </a:rPr>
-              <a:t> </a:t>
-            </a:r>
-            <a:r>
-              <a:rPr lang="en-US" sz="3200" dirty="0" err="1">
-                <a:latin typeface="Raleway" panose="020B0503030101060003" pitchFamily="34" charset="77"/>
-              </a:rPr>
-              <a:t>nunc</a:t>
-            </a:r>
-            <a:r>
-              <a:rPr lang="en-US" sz="3200" dirty="0">
-                <a:latin typeface="Raleway" panose="020B0503030101060003" pitchFamily="34" charset="77"/>
-              </a:rPr>
-              <a:t> </a:t>
-            </a:r>
-            <a:r>
-              <a:rPr lang="en-US" sz="3200" dirty="0" err="1">
-                <a:latin typeface="Raleway" panose="020B0503030101060003" pitchFamily="34" charset="77"/>
-              </a:rPr>
-              <a:t>sed</a:t>
-            </a:r>
-            <a:r>
-              <a:rPr lang="en-US" sz="3200" dirty="0">
-                <a:latin typeface="Raleway" panose="020B0503030101060003" pitchFamily="34" charset="77"/>
-              </a:rPr>
-              <a:t> </a:t>
-            </a:r>
-            <a:r>
-              <a:rPr lang="en-US" sz="3200" dirty="0" err="1">
-                <a:latin typeface="Raleway" panose="020B0503030101060003" pitchFamily="34" charset="77"/>
-              </a:rPr>
-              <a:t>blandit</a:t>
-            </a:r>
-            <a:r>
-              <a:rPr lang="en-US" sz="3200" dirty="0">
-                <a:latin typeface="Raleway" panose="020B0503030101060003" pitchFamily="34" charset="77"/>
-              </a:rPr>
-              <a:t> libero </a:t>
-            </a:r>
-            <a:r>
-              <a:rPr lang="en-US" sz="3200" dirty="0" err="1">
-                <a:latin typeface="Raleway" panose="020B0503030101060003" pitchFamily="34" charset="77"/>
-              </a:rPr>
-              <a:t>volutpat</a:t>
-            </a:r>
-            <a:r>
-              <a:rPr lang="en-US" sz="3200" dirty="0">
-                <a:latin typeface="Raleway" panose="020B0503030101060003" pitchFamily="34" charset="77"/>
-              </a:rPr>
-              <a:t> </a:t>
-            </a:r>
-            <a:r>
-              <a:rPr lang="en-US" sz="3200" dirty="0" err="1">
-                <a:latin typeface="Raleway" panose="020B0503030101060003" pitchFamily="34" charset="77"/>
-              </a:rPr>
-              <a:t>sed</a:t>
-            </a:r>
-            <a:r>
-              <a:rPr lang="en-US" sz="3200" dirty="0">
-                <a:latin typeface="Raleway" panose="020B0503030101060003" pitchFamily="34" charset="77"/>
-              </a:rPr>
-              <a:t> </a:t>
-            </a:r>
-            <a:r>
-              <a:rPr lang="en-US" sz="3200" dirty="0" err="1">
-                <a:latin typeface="Raleway" panose="020B0503030101060003" pitchFamily="34" charset="77"/>
-              </a:rPr>
-              <a:t>cras</a:t>
-            </a:r>
-            <a:r>
-              <a:rPr lang="en-US" sz="3200" dirty="0">
-                <a:latin typeface="Raleway" panose="020B0503030101060003" pitchFamily="34" charset="77"/>
-              </a:rPr>
-              <a:t>. </a:t>
-            </a:r>
-          </a:p>
-          <a:p>
-            <a:pPr marL="514350" indent="-514350">
-              <a:buFont typeface="+mj-lt"/>
-              <a:buAutoNum type="arabicPeriod"/>
-            </a:pPr>
-            <a:r>
-              <a:rPr lang="en-US" sz="3200" dirty="0">
-                <a:latin typeface="Raleway" panose="020B0503030101060003" pitchFamily="34" charset="77"/>
-              </a:rPr>
-              <a:t>Lorem ipsum dolor sit </a:t>
-            </a:r>
-            <a:r>
-              <a:rPr lang="en-US" sz="3200" dirty="0" err="1">
-                <a:latin typeface="Raleway" panose="020B0503030101060003" pitchFamily="34" charset="77"/>
-              </a:rPr>
-              <a:t>amet</a:t>
-            </a:r>
-            <a:r>
-              <a:rPr lang="en-US" sz="3200" dirty="0">
-                <a:latin typeface="Raleway" panose="020B0503030101060003" pitchFamily="34" charset="77"/>
-              </a:rPr>
-              <a:t>, </a:t>
-            </a:r>
-            <a:r>
-              <a:rPr lang="en-US" sz="3200" dirty="0" err="1">
-                <a:latin typeface="Raleway" panose="020B0503030101060003" pitchFamily="34" charset="77"/>
-              </a:rPr>
-              <a:t>consectetur</a:t>
-            </a:r>
-            <a:r>
-              <a:rPr lang="en-US" sz="3200" dirty="0">
-                <a:latin typeface="Raleway" panose="020B0503030101060003" pitchFamily="34" charset="77"/>
-              </a:rPr>
-              <a:t> </a:t>
-            </a:r>
-            <a:r>
-              <a:rPr lang="en-US" sz="3200" dirty="0" err="1">
-                <a:latin typeface="Raleway" panose="020B0503030101060003" pitchFamily="34" charset="77"/>
-              </a:rPr>
-              <a:t>adipiscing</a:t>
-            </a:r>
-            <a:r>
-              <a:rPr lang="en-US" sz="3200" dirty="0">
-                <a:latin typeface="Raleway" panose="020B0503030101060003" pitchFamily="34" charset="77"/>
-              </a:rPr>
-              <a:t> </a:t>
-            </a:r>
-            <a:r>
-              <a:rPr lang="en-US" sz="3200" dirty="0" err="1">
-                <a:latin typeface="Raleway" panose="020B0503030101060003" pitchFamily="34" charset="77"/>
-              </a:rPr>
-              <a:t>elit</a:t>
-            </a:r>
-            <a:r>
-              <a:rPr lang="en-US" sz="3200" dirty="0">
-                <a:latin typeface="Raleway" panose="020B0503030101060003" pitchFamily="34" charset="77"/>
-              </a:rPr>
-              <a:t>, </a:t>
-            </a:r>
-            <a:r>
-              <a:rPr lang="en-US" sz="3200" dirty="0" err="1">
-                <a:latin typeface="Raleway" panose="020B0503030101060003" pitchFamily="34" charset="77"/>
-              </a:rPr>
-              <a:t>sed</a:t>
-            </a:r>
-            <a:r>
-              <a:rPr lang="en-US" sz="3200" dirty="0">
-                <a:latin typeface="Raleway" panose="020B0503030101060003" pitchFamily="34" charset="77"/>
-              </a:rPr>
-              <a:t> do </a:t>
-            </a:r>
-            <a:r>
-              <a:rPr lang="en-US" sz="3200" dirty="0" err="1">
-                <a:latin typeface="Raleway" panose="020B0503030101060003" pitchFamily="34" charset="77"/>
-              </a:rPr>
-              <a:t>eiusmod</a:t>
-            </a:r>
-            <a:r>
-              <a:rPr lang="en-US" sz="3200" dirty="0">
-                <a:latin typeface="Raleway" panose="020B0503030101060003" pitchFamily="34" charset="77"/>
-              </a:rPr>
-              <a:t> </a:t>
-            </a:r>
-            <a:r>
-              <a:rPr lang="en-US" sz="3200" dirty="0" err="1">
-                <a:latin typeface="Raleway" panose="020B0503030101060003" pitchFamily="34" charset="77"/>
-              </a:rPr>
-              <a:t>tempor</a:t>
-            </a:r>
-            <a:r>
-              <a:rPr lang="en-US" sz="3200" dirty="0">
-                <a:latin typeface="Raleway" panose="020B0503030101060003" pitchFamily="34" charset="77"/>
-              </a:rPr>
-              <a:t> </a:t>
-            </a:r>
-            <a:r>
-              <a:rPr lang="en-US" sz="3200" dirty="0" err="1">
-                <a:latin typeface="Raleway" panose="020B0503030101060003" pitchFamily="34" charset="77"/>
-              </a:rPr>
-              <a:t>incididunt</a:t>
-            </a:r>
-            <a:r>
-              <a:rPr lang="en-US" sz="3200" dirty="0">
-                <a:latin typeface="Raleway" panose="020B0503030101060003" pitchFamily="34" charset="77"/>
-              </a:rPr>
-              <a:t> </a:t>
-            </a:r>
-            <a:r>
-              <a:rPr lang="en-US" sz="3200" dirty="0" err="1">
-                <a:latin typeface="Raleway" panose="020B0503030101060003" pitchFamily="34" charset="77"/>
-              </a:rPr>
-              <a:t>ut</a:t>
-            </a:r>
-            <a:r>
-              <a:rPr lang="en-US" sz="3200" dirty="0">
-                <a:latin typeface="Raleway" panose="020B0503030101060003" pitchFamily="34" charset="77"/>
-              </a:rPr>
-              <a:t> </a:t>
-            </a:r>
-            <a:r>
-              <a:rPr lang="en-US" sz="3200" dirty="0" err="1">
-                <a:latin typeface="Raleway" panose="020B0503030101060003" pitchFamily="34" charset="77"/>
-              </a:rPr>
-              <a:t>labore</a:t>
-            </a:r>
-            <a:r>
-              <a:rPr lang="en-US" sz="3200" dirty="0">
-                <a:latin typeface="Raleway" panose="020B0503030101060003" pitchFamily="34" charset="77"/>
-              </a:rPr>
-              <a:t> et dolore magna </a:t>
-            </a:r>
-            <a:r>
-              <a:rPr lang="en-US" sz="3200" dirty="0" err="1">
-                <a:latin typeface="Raleway" panose="020B0503030101060003" pitchFamily="34" charset="77"/>
-              </a:rPr>
-              <a:t>aliqua</a:t>
-            </a:r>
-            <a:r>
-              <a:rPr lang="en-US" sz="3200" dirty="0">
-                <a:latin typeface="Raleway" panose="020B0503030101060003" pitchFamily="34" charset="77"/>
-              </a:rPr>
-              <a:t>. </a:t>
-            </a:r>
-          </a:p>
-          <a:p>
-            <a:pPr marL="514350" indent="-514350">
-              <a:buFont typeface="+mj-lt"/>
-              <a:buAutoNum type="arabicPeriod"/>
-            </a:pPr>
-            <a:r>
-              <a:rPr lang="en-US" sz="3200" dirty="0" err="1">
-                <a:latin typeface="Raleway" panose="020B0503030101060003" pitchFamily="34" charset="77"/>
-              </a:rPr>
-              <a:t>Tincidunt</a:t>
-            </a:r>
-            <a:r>
-              <a:rPr lang="en-US" sz="3200" dirty="0">
-                <a:latin typeface="Raleway" panose="020B0503030101060003" pitchFamily="34" charset="77"/>
-              </a:rPr>
-              <a:t> </a:t>
-            </a:r>
-            <a:r>
-              <a:rPr lang="en-US" sz="3200" dirty="0" err="1">
-                <a:latin typeface="Raleway" panose="020B0503030101060003" pitchFamily="34" charset="77"/>
-              </a:rPr>
-              <a:t>nunc</a:t>
-            </a:r>
-            <a:r>
-              <a:rPr lang="en-US" sz="3200" dirty="0">
-                <a:latin typeface="Raleway" panose="020B0503030101060003" pitchFamily="34" charset="77"/>
-              </a:rPr>
-              <a:t> pulvinar </a:t>
-            </a:r>
-            <a:r>
-              <a:rPr lang="en-US" sz="3200" dirty="0" err="1">
-                <a:latin typeface="Raleway" panose="020B0503030101060003" pitchFamily="34" charset="77"/>
-              </a:rPr>
-              <a:t>sapien</a:t>
-            </a:r>
-            <a:r>
-              <a:rPr lang="en-US" sz="3200" dirty="0">
-                <a:latin typeface="Raleway" panose="020B0503030101060003" pitchFamily="34" charset="77"/>
-              </a:rPr>
-              <a:t> et ligula </a:t>
-            </a:r>
-            <a:r>
-              <a:rPr lang="en-US" sz="3200" dirty="0" err="1">
-                <a:latin typeface="Raleway" panose="020B0503030101060003" pitchFamily="34" charset="77"/>
-              </a:rPr>
-              <a:t>ullamcorper</a:t>
-            </a:r>
-            <a:r>
-              <a:rPr lang="en-US" sz="3200" dirty="0">
-                <a:latin typeface="Raleway" panose="020B0503030101060003" pitchFamily="34" charset="77"/>
-              </a:rPr>
-              <a:t> </a:t>
-            </a:r>
-            <a:r>
-              <a:rPr lang="en-US" sz="3200" dirty="0" err="1">
-                <a:latin typeface="Raleway" panose="020B0503030101060003" pitchFamily="34" charset="77"/>
-              </a:rPr>
-              <a:t>malesuada</a:t>
-            </a:r>
-            <a:r>
-              <a:rPr lang="en-US" sz="3200" dirty="0">
-                <a:latin typeface="Raleway" panose="020B0503030101060003" pitchFamily="34" charset="77"/>
-              </a:rPr>
-              <a:t>. </a:t>
-            </a:r>
-            <a:r>
-              <a:rPr lang="en-US" sz="3200" dirty="0" err="1">
-                <a:latin typeface="Raleway" panose="020B0503030101060003" pitchFamily="34" charset="77"/>
-              </a:rPr>
-              <a:t>Eget</a:t>
-            </a:r>
-            <a:r>
-              <a:rPr lang="en-US" sz="3200" dirty="0">
-                <a:latin typeface="Raleway" panose="020B0503030101060003" pitchFamily="34" charset="77"/>
-              </a:rPr>
-              <a:t> lorem dolor </a:t>
-            </a:r>
-            <a:r>
-              <a:rPr lang="en-US" sz="3200" dirty="0" err="1">
-                <a:latin typeface="Raleway" panose="020B0503030101060003" pitchFamily="34" charset="77"/>
-              </a:rPr>
-              <a:t>sed</a:t>
-            </a:r>
-            <a:r>
-              <a:rPr lang="en-US" sz="3200" dirty="0">
-                <a:latin typeface="Raleway" panose="020B0503030101060003" pitchFamily="34" charset="77"/>
-              </a:rPr>
-              <a:t> </a:t>
-            </a:r>
-            <a:r>
-              <a:rPr lang="en-US" sz="3200" dirty="0" err="1">
-                <a:latin typeface="Raleway" panose="020B0503030101060003" pitchFamily="34" charset="77"/>
-              </a:rPr>
-              <a:t>viverra</a:t>
-            </a:r>
-            <a:r>
-              <a:rPr lang="en-US" sz="3200" dirty="0">
-                <a:latin typeface="Raleway" panose="020B0503030101060003" pitchFamily="34" charset="77"/>
-              </a:rPr>
-              <a:t> ipsum </a:t>
-            </a:r>
-            <a:r>
-              <a:rPr lang="en-US" sz="3200" dirty="0" err="1">
-                <a:latin typeface="Raleway" panose="020B0503030101060003" pitchFamily="34" charset="77"/>
-              </a:rPr>
-              <a:t>nunc</a:t>
-            </a:r>
-            <a:r>
-              <a:rPr lang="en-US" sz="3200" dirty="0">
-                <a:latin typeface="Raleway" panose="020B0503030101060003" pitchFamily="34" charset="77"/>
-              </a:rPr>
-              <a:t>. </a:t>
+              <a:rPr lang="en-US" sz="2400" dirty="0"/>
+              <a:t>Joint embedding space samples projected to 2D with PCA. Crosses: Text Embeddings, Boxes: Image Embeddings</a:t>
             </a:r>
           </a:p>
         </p:txBody>
       </p:sp>
       <p:grpSp>
         <p:nvGrpSpPr>
-          <p:cNvPr id="51" name="Gruppieren 30">
+          <p:cNvPr id="59" name="Gruppieren 30">
             <a:extLst>
               <a:ext uri="{FF2B5EF4-FFF2-40B4-BE49-F238E27FC236}">
-                <a16:creationId xmlns:a16="http://schemas.microsoft.com/office/drawing/2014/main" id="{C8A1715E-D5FD-744A-9395-5AE391178176}"/>
+                <a16:creationId xmlns:a16="http://schemas.microsoft.com/office/drawing/2014/main" id="{DDC6D560-62D0-4BC8-B729-15557A8D9034}"/>
               </a:ext>
             </a:extLst>
           </p:cNvPr>
@@ -7302,18 +4523,18 @@
         </p:nvGrpSpPr>
         <p:grpSpPr>
           <a:xfrm>
-            <a:off x="21641624" y="19986665"/>
-            <a:ext cx="20829600" cy="8412854"/>
+            <a:off x="21608403" y="3578224"/>
+            <a:ext cx="20829600" cy="10000338"/>
             <a:chOff x="487680" y="6633686"/>
             <a:chExt cx="19994880" cy="12629674"/>
           </a:xfrm>
         </p:grpSpPr>
         <p:sp>
           <p:nvSpPr>
-            <p:cNvPr id="52" name="Abgerundetes Rechteck 31">
+            <p:cNvPr id="60" name="Abgerundetes Rechteck 31">
               <a:extLst>
                 <a:ext uri="{FF2B5EF4-FFF2-40B4-BE49-F238E27FC236}">
-                  <a16:creationId xmlns:a16="http://schemas.microsoft.com/office/drawing/2014/main" id="{F54E9B1F-F557-484D-9F85-A0BB9CAD1F99}"/>
+                  <a16:creationId xmlns:a16="http://schemas.microsoft.com/office/drawing/2014/main" id="{EDDF0326-F883-43E3-8E18-7F645A7F8E3D}"/>
                 </a:ext>
               </a:extLst>
             </p:cNvPr>
@@ -7327,7 +4548,7 @@
             </a:xfrm>
             <a:prstGeom prst="roundRect">
               <a:avLst>
-                <a:gd name="adj" fmla="val 826"/>
+                <a:gd name="adj" fmla="val 2292"/>
               </a:avLst>
             </a:prstGeom>
             <a:solidFill>
@@ -7362,17 +4583,17 @@
                   </a:solidFill>
                   <a:latin typeface="Raleway" panose="020B0503030101060003" pitchFamily="34" charset="77"/>
                 </a:rPr>
-                <a:t>Box 6</a:t>
+                <a:t>Generator GAN</a:t>
               </a:r>
             </a:p>
           </p:txBody>
         </p:sp>
         <p:sp>
           <p:nvSpPr>
-            <p:cNvPr id="53" name="Abgerundetes Rechteck 32">
+            <p:cNvPr id="62" name="Abgerundetes Rechteck 32">
               <a:extLst>
                 <a:ext uri="{FF2B5EF4-FFF2-40B4-BE49-F238E27FC236}">
-                  <a16:creationId xmlns:a16="http://schemas.microsoft.com/office/drawing/2014/main" id="{AAAD37D7-E537-C947-9301-9EBAB0EB8844}"/>
+                  <a16:creationId xmlns:a16="http://schemas.microsoft.com/office/drawing/2014/main" id="{83B94F1C-8EA9-4AFA-8328-09DF3BEFC282}"/>
                 </a:ext>
               </a:extLst>
             </p:cNvPr>
@@ -7381,12 +4602,326 @@
           </p:nvSpPr>
           <p:spPr>
             <a:xfrm>
-              <a:off x="660401" y="8184438"/>
-              <a:ext cx="19649439" cy="10792737"/>
+              <a:off x="660401" y="7938267"/>
+              <a:ext cx="19649439" cy="11023869"/>
             </a:xfrm>
             <a:prstGeom prst="roundRect">
               <a:avLst>
-                <a:gd name="adj" fmla="val 1322"/>
+                <a:gd name="adj" fmla="val 2972"/>
+              </a:avLst>
+            </a:prstGeom>
+            <a:solidFill>
+              <a:schemeClr val="bg1"/>
+            </a:solidFill>
+            <a:ln>
+              <a:noFill/>
+            </a:ln>
+          </p:spPr>
+          <p:style>
+            <a:lnRef idx="2">
+              <a:schemeClr val="accent1">
+                <a:shade val="50000"/>
+              </a:schemeClr>
+            </a:lnRef>
+            <a:fillRef idx="1">
+              <a:schemeClr val="accent1"/>
+            </a:fillRef>
+            <a:effectRef idx="0">
+              <a:schemeClr val="accent1"/>
+            </a:effectRef>
+            <a:fontRef idx="minor">
+              <a:schemeClr val="lt1"/>
+            </a:fontRef>
+          </p:style>
+          <p:txBody>
+            <a:bodyPr rtlCol="0" anchor="t"/>
+            <a:lstStyle/>
+            <a:p>
+              <a:pPr algn="ctr"/>
+              <a:endParaRPr lang="en-US" sz="4070" dirty="0">
+                <a:solidFill>
+                  <a:schemeClr val="tx1"/>
+                </a:solidFill>
+                <a:latin typeface="Raleway" panose="020B0503030101060003" pitchFamily="34" charset="77"/>
+              </a:endParaRPr>
+            </a:p>
+          </p:txBody>
+        </p:sp>
+      </p:grpSp>
+      <p:sp>
+        <p:nvSpPr>
+          <p:cNvPr id="63" name="Textfeld 171">
+            <a:extLst>
+              <a:ext uri="{FF2B5EF4-FFF2-40B4-BE49-F238E27FC236}">
+                <a16:creationId xmlns:a16="http://schemas.microsoft.com/office/drawing/2014/main" id="{BDF303FE-407C-4B73-B341-B3A3A1C7483C}"/>
+              </a:ext>
+            </a:extLst>
+          </p:cNvPr>
+          <p:cNvSpPr txBox="1"/>
+          <p:nvPr/>
+        </p:nvSpPr>
+        <p:spPr>
+          <a:xfrm>
+            <a:off x="22272179" y="8855543"/>
+            <a:ext cx="19549239" cy="4031873"/>
+          </a:xfrm>
+          <a:prstGeom prst="rect">
+            <a:avLst/>
+          </a:prstGeom>
+          <a:noFill/>
+        </p:spPr>
+        <p:txBody>
+          <a:bodyPr wrap="square" rtlCol="0">
+            <a:spAutoFit/>
+          </a:bodyPr>
+          <a:lstStyle/>
+          <a:p>
+            <a:pPr algn="just"/>
+            <a:r>
+              <a:rPr lang="en-US" sz="3200" dirty="0">
+                <a:latin typeface="Raleway" panose="020B0503030101060003" pitchFamily="34" charset="77"/>
+              </a:rPr>
+              <a:t>The generator is a conditional GAN (CGAN), consisting of a Generator </a:t>
+            </a:r>
+            <a:r>
+              <a:rPr lang="en-US" sz="3200" i="1" dirty="0">
+                <a:latin typeface="Raleway" panose="020B0503030101060003" pitchFamily="34" charset="77"/>
+              </a:rPr>
+              <a:t>G</a:t>
+            </a:r>
+            <a:r>
+              <a:rPr lang="en-US" sz="3200" dirty="0">
+                <a:latin typeface="Raleway" panose="020B0503030101060003" pitchFamily="34" charset="77"/>
+              </a:rPr>
+              <a:t> and a Discriminator </a:t>
+            </a:r>
+            <a:r>
+              <a:rPr lang="en-US" sz="3200" i="1" dirty="0">
+                <a:latin typeface="Raleway" panose="020B0503030101060003" pitchFamily="34" charset="77"/>
+              </a:rPr>
+              <a:t>D</a:t>
+            </a:r>
+            <a:r>
+              <a:rPr lang="en-US" sz="3200" dirty="0">
+                <a:latin typeface="Raleway" panose="020B0503030101060003" pitchFamily="34" charset="77"/>
+              </a:rPr>
+              <a:t>. The input joint embedding vector t is concatenated with a random vector </a:t>
+            </a:r>
+            <a:r>
+              <a:rPr lang="en-US" sz="3200" i="1" dirty="0">
+                <a:latin typeface="Raleway" panose="020B0503030101060003" pitchFamily="34" charset="77"/>
+              </a:rPr>
+              <a:t>z</a:t>
+            </a:r>
+            <a:r>
+              <a:rPr lang="en-US" sz="3200" dirty="0">
+                <a:latin typeface="Raleway" panose="020B0503030101060003" pitchFamily="34" charset="77"/>
+              </a:rPr>
+              <a:t>. The generated image is fed into the Discriminator </a:t>
+            </a:r>
+            <a:r>
+              <a:rPr lang="en-US" sz="3200" i="1" dirty="0">
+                <a:latin typeface="Raleway" panose="020B0503030101060003" pitchFamily="34" charset="77"/>
+              </a:rPr>
+              <a:t>D. </a:t>
+            </a:r>
+            <a:r>
+              <a:rPr lang="en-US" sz="3200" dirty="0">
+                <a:latin typeface="Raleway" panose="020B0503030101060003" pitchFamily="34" charset="77"/>
+              </a:rPr>
+              <a:t> After the image is processed, the intermediate result is concatenated with the input text embedding again before passing through the final fully connected layers.</a:t>
+            </a:r>
+          </a:p>
+          <a:p>
+            <a:pPr algn="just"/>
+            <a:r>
+              <a:rPr lang="en-US" sz="3200" dirty="0">
+                <a:latin typeface="Raleway" panose="020B0503030101060003" pitchFamily="34" charset="77"/>
+              </a:rPr>
+              <a:t>The conditioning allows the discriminator to not only detect fake images, but also images not fitting the given description. </a:t>
+            </a:r>
+          </a:p>
+          <a:p>
+            <a:pPr algn="just"/>
+            <a:r>
+              <a:rPr lang="en-US" sz="3200" dirty="0">
+                <a:latin typeface="Raleway" panose="020B0503030101060003" pitchFamily="34" charset="77"/>
+              </a:rPr>
+              <a:t>The mean Wasserstein color distance between generated and corresponding real images amounts to only 0.0026 +- 0.0006, indicating well fitting colors in generated images. </a:t>
+            </a:r>
+          </a:p>
+        </p:txBody>
+      </p:sp>
+      <p:pic>
+        <p:nvPicPr>
+          <p:cNvPr id="23" name="Picture 22">
+            <a:extLst>
+              <a:ext uri="{FF2B5EF4-FFF2-40B4-BE49-F238E27FC236}">
+                <a16:creationId xmlns:a16="http://schemas.microsoft.com/office/drawing/2014/main" id="{5483175D-13BA-4EA9-BE72-D0B04AD34ED2}"/>
+              </a:ext>
+            </a:extLst>
+          </p:cNvPr>
+          <p:cNvPicPr>
+            <a:picLocks noChangeAspect="1"/>
+          </p:cNvPicPr>
+          <p:nvPr/>
+        </p:nvPicPr>
+        <p:blipFill>
+          <a:blip r:embed="rId8">
+            <a:extLst>
+              <a:ext uri="{28A0092B-C50C-407E-A947-70E740481C1C}">
+                <a14:useLocalDpi xmlns:a14="http://schemas.microsoft.com/office/drawing/2010/main" val="0"/>
+              </a:ext>
+            </a:extLst>
+          </a:blip>
+          <a:stretch>
+            <a:fillRect/>
+          </a:stretch>
+        </p:blipFill>
+        <p:spPr>
+          <a:xfrm>
+            <a:off x="25981761" y="4862443"/>
+            <a:ext cx="12130077" cy="3173122"/>
+          </a:xfrm>
+          <a:prstGeom prst="rect">
+            <a:avLst/>
+          </a:prstGeom>
+        </p:spPr>
+      </p:pic>
+      <p:sp>
+        <p:nvSpPr>
+          <p:cNvPr id="67" name="TextBox 66">
+            <a:extLst>
+              <a:ext uri="{FF2B5EF4-FFF2-40B4-BE49-F238E27FC236}">
+                <a16:creationId xmlns:a16="http://schemas.microsoft.com/office/drawing/2014/main" id="{20476FC2-7AD2-4177-BA0F-016C24D09F91}"/>
+              </a:ext>
+            </a:extLst>
+          </p:cNvPr>
+          <p:cNvSpPr txBox="1"/>
+          <p:nvPr/>
+        </p:nvSpPr>
+        <p:spPr>
+          <a:xfrm>
+            <a:off x="25981761" y="8163945"/>
+            <a:ext cx="12130077" cy="461665"/>
+          </a:xfrm>
+          <a:prstGeom prst="rect">
+            <a:avLst/>
+          </a:prstGeom>
+          <a:noFill/>
+        </p:spPr>
+        <p:txBody>
+          <a:bodyPr wrap="square" rtlCol="0">
+            <a:spAutoFit/>
+          </a:bodyPr>
+          <a:lstStyle/>
+          <a:p>
+            <a:r>
+              <a:rPr lang="en-US" sz="2400" dirty="0"/>
+              <a:t> Schematic of the CGAN Generator Network. Figure adapted from Reed et al.(2016)</a:t>
+            </a:r>
+          </a:p>
+        </p:txBody>
+      </p:sp>
+      <p:grpSp>
+        <p:nvGrpSpPr>
+          <p:cNvPr id="68" name="Gruppieren 30">
+            <a:extLst>
+              <a:ext uri="{FF2B5EF4-FFF2-40B4-BE49-F238E27FC236}">
+                <a16:creationId xmlns:a16="http://schemas.microsoft.com/office/drawing/2014/main" id="{228FA2F8-8754-4B82-A61A-905CE720DBE6}"/>
+              </a:ext>
+            </a:extLst>
+          </p:cNvPr>
+          <p:cNvGrpSpPr/>
+          <p:nvPr/>
+        </p:nvGrpSpPr>
+        <p:grpSpPr>
+          <a:xfrm>
+            <a:off x="21608403" y="13829798"/>
+            <a:ext cx="20829600" cy="6609731"/>
+            <a:chOff x="487680" y="6633686"/>
+            <a:chExt cx="19994880" cy="12629674"/>
+          </a:xfrm>
+        </p:grpSpPr>
+        <p:sp>
+          <p:nvSpPr>
+            <p:cNvPr id="70" name="Abgerundetes Rechteck 31">
+              <a:extLst>
+                <a:ext uri="{FF2B5EF4-FFF2-40B4-BE49-F238E27FC236}">
+                  <a16:creationId xmlns:a16="http://schemas.microsoft.com/office/drawing/2014/main" id="{30B4A341-A1F2-4DA7-A552-0F2FC7C4A8BC}"/>
+                </a:ext>
+              </a:extLst>
+            </p:cNvPr>
+            <p:cNvSpPr/>
+            <p:nvPr/>
+          </p:nvSpPr>
+          <p:spPr>
+            <a:xfrm>
+              <a:off x="487680" y="6633686"/>
+              <a:ext cx="19994880" cy="12629674"/>
+            </a:xfrm>
+            <a:prstGeom prst="roundRect">
+              <a:avLst>
+                <a:gd name="adj" fmla="val 2292"/>
+              </a:avLst>
+            </a:prstGeom>
+            <a:solidFill>
+              <a:srgbClr val="0065BD"/>
+            </a:solidFill>
+          </p:spPr>
+          <p:style>
+            <a:lnRef idx="2">
+              <a:schemeClr val="accent1">
+                <a:shade val="50000"/>
+              </a:schemeClr>
+            </a:lnRef>
+            <a:fillRef idx="1">
+              <a:schemeClr val="accent1"/>
+            </a:fillRef>
+            <a:effectRef idx="0">
+              <a:schemeClr val="accent1"/>
+            </a:effectRef>
+            <a:fontRef idx="minor">
+              <a:schemeClr val="lt1"/>
+            </a:fontRef>
+          </p:style>
+          <p:txBody>
+            <a:bodyPr rtlCol="0" anchor="t"/>
+            <a:lstStyle/>
+            <a:p>
+              <a:pPr algn="ctr"/>
+              <a:r>
+                <a:rPr lang="en-US" sz="5400" dirty="0">
+                  <a:solidFill>
+                    <a:schemeClr val="bg1"/>
+                  </a:solidFill>
+                  <a:latin typeface="Raleway" panose="020B0503030101060003" pitchFamily="34" charset="77"/>
+                </a:rPr>
+                <a:t>Modifier Network</a:t>
+              </a:r>
+            </a:p>
+          </p:txBody>
+        </p:sp>
+        <p:sp>
+          <p:nvSpPr>
+            <p:cNvPr id="71" name="Abgerundetes Rechteck 32">
+              <a:extLst>
+                <a:ext uri="{FF2B5EF4-FFF2-40B4-BE49-F238E27FC236}">
+                  <a16:creationId xmlns:a16="http://schemas.microsoft.com/office/drawing/2014/main" id="{72385DDC-19AB-4DAA-8934-12EF0925DACD}"/>
+                </a:ext>
+              </a:extLst>
+            </p:cNvPr>
+            <p:cNvSpPr/>
+            <p:nvPr/>
+          </p:nvSpPr>
+          <p:spPr>
+            <a:xfrm>
+              <a:off x="660401" y="8729896"/>
+              <a:ext cx="19649439" cy="10232240"/>
+            </a:xfrm>
+            <a:prstGeom prst="roundRect">
+              <a:avLst>
+                <a:gd name="adj" fmla="val 2972"/>
               </a:avLst>
             </a:prstGeom>
             <a:solidFill>
@@ -7429,10 +4964,10 @@
       </p:grpSp>
       <p:pic>
         <p:nvPicPr>
-          <p:cNvPr id="6" name="Picture 5">
+          <p:cNvPr id="25" name="Picture 24">
             <a:extLst>
               <a:ext uri="{FF2B5EF4-FFF2-40B4-BE49-F238E27FC236}">
-                <a16:creationId xmlns:a16="http://schemas.microsoft.com/office/drawing/2014/main" id="{3552FBFB-F38E-B945-A81C-064E4B6797AE}"/>
+                <a16:creationId xmlns:a16="http://schemas.microsoft.com/office/drawing/2014/main" id="{3C53BECC-744B-428C-9F49-23EA55287344}"/>
               </a:ext>
             </a:extLst>
           </p:cNvPr>
@@ -7442,7 +4977,7 @@
           <p:nvPr/>
         </p:nvPicPr>
         <p:blipFill>
-          <a:blip r:embed="rId6">
+          <a:blip r:embed="rId9">
             <a:extLst>
               <a:ext uri="{28A0092B-C50C-407E-A947-70E740481C1C}">
                 <a14:useLocalDpi xmlns:a14="http://schemas.microsoft.com/office/drawing/2010/main" val="0"/>
@@ -7455,8 +4990,8 @@
         </p:blipFill>
         <p:spPr>
           <a:xfrm>
-            <a:off x="33775126" y="23059509"/>
-            <a:ext cx="7669786" cy="3384709"/>
+            <a:off x="35197188" y="15602920"/>
+            <a:ext cx="5829300" cy="4400550"/>
           </a:xfrm>
           <a:prstGeom prst="rect">
             <a:avLst/>
@@ -7465,10 +5000,10 @@
       </p:pic>
       <p:sp>
         <p:nvSpPr>
-          <p:cNvPr id="69" name="Textfeld 171">
+          <p:cNvPr id="77" name="Textfeld 171">
             <a:extLst>
               <a:ext uri="{FF2B5EF4-FFF2-40B4-BE49-F238E27FC236}">
-                <a16:creationId xmlns:a16="http://schemas.microsoft.com/office/drawing/2014/main" id="{8A1324C9-EE64-5945-95BC-CF91A28048CA}"/>
+                <a16:creationId xmlns:a16="http://schemas.microsoft.com/office/drawing/2014/main" id="{B8BEBF99-ADD8-4018-8983-B7FD006B9CBD}"/>
               </a:ext>
             </a:extLst>
           </p:cNvPr>
@@ -7477,8 +5012,8 @@
         </p:nvSpPr>
         <p:spPr>
           <a:xfrm>
-            <a:off x="22093456" y="21292717"/>
-            <a:ext cx="19946560" cy="584775"/>
+            <a:off x="22272179" y="15365419"/>
+            <a:ext cx="12091561" cy="3539430"/>
           </a:xfrm>
           <a:prstGeom prst="rect">
             <a:avLst/>
@@ -7491,142 +5026,208 @@
           </a:bodyPr>
           <a:lstStyle/>
           <a:p>
-            <a:pPr algn="ctr"/>
+            <a:pPr algn="just"/>
             <a:r>
               <a:rPr lang="en-US" sz="3200" dirty="0">
                 <a:latin typeface="Raleway" panose="020B0503030101060003" pitchFamily="34" charset="77"/>
               </a:rPr>
-              <a:t>Lorem ipsum dolor sit </a:t>
-            </a:r>
-            <a:r>
-              <a:rPr lang="en-US" sz="3200" dirty="0" err="1">
-                <a:latin typeface="Raleway" panose="020B0503030101060003" pitchFamily="34" charset="77"/>
-              </a:rPr>
-              <a:t>amet</a:t>
-            </a:r>
+              <a:t>The Modifier Network first passes the modification instruction through another LSTM. The result is  joined with the initial embedding, before being passed through a fully connected network outputting the resulting embedding.</a:t>
+            </a:r>
+          </a:p>
+          <a:p>
+            <a:pPr algn="just"/>
             <a:r>
               <a:rPr lang="en-US" sz="3200" dirty="0">
                 <a:latin typeface="Raleway" panose="020B0503030101060003" pitchFamily="34" charset="77"/>
               </a:rPr>
-              <a:t>, </a:t>
-            </a:r>
-            <a:r>
-              <a:rPr lang="en-US" sz="3200" dirty="0" err="1">
+              <a:t>After modification, images still exhibit a mean Wasserstein color distance of 0.0026 +- 0.0007. The modifications are precise and do not negatively affect color quality of images.</a:t>
+            </a:r>
+          </a:p>
+        </p:txBody>
+      </p:sp>
+      <p:grpSp>
+        <p:nvGrpSpPr>
+          <p:cNvPr id="78" name="Gruppieren 30">
+            <a:extLst>
+              <a:ext uri="{FF2B5EF4-FFF2-40B4-BE49-F238E27FC236}">
+                <a16:creationId xmlns:a16="http://schemas.microsoft.com/office/drawing/2014/main" id="{B541A3D9-24E3-4A5C-BFD3-2CC675BE24A5}"/>
+              </a:ext>
+            </a:extLst>
+          </p:cNvPr>
+          <p:cNvGrpSpPr/>
+          <p:nvPr/>
+        </p:nvGrpSpPr>
+        <p:grpSpPr>
+          <a:xfrm>
+            <a:off x="365760" y="9062535"/>
+            <a:ext cx="20829600" cy="3205252"/>
+            <a:chOff x="487680" y="6633686"/>
+            <a:chExt cx="19994880" cy="12629674"/>
+          </a:xfrm>
+        </p:grpSpPr>
+        <p:sp>
+          <p:nvSpPr>
+            <p:cNvPr id="79" name="Abgerundetes Rechteck 31">
+              <a:extLst>
+                <a:ext uri="{FF2B5EF4-FFF2-40B4-BE49-F238E27FC236}">
+                  <a16:creationId xmlns:a16="http://schemas.microsoft.com/office/drawing/2014/main" id="{BF5F6DB2-1C72-4179-B537-6738C3E048F8}"/>
+                </a:ext>
+              </a:extLst>
+            </p:cNvPr>
+            <p:cNvSpPr/>
+            <p:nvPr/>
+          </p:nvSpPr>
+          <p:spPr>
+            <a:xfrm>
+              <a:off x="487680" y="6633686"/>
+              <a:ext cx="19994880" cy="12629674"/>
+            </a:xfrm>
+            <a:prstGeom prst="roundRect">
+              <a:avLst>
+                <a:gd name="adj" fmla="val 2292"/>
+              </a:avLst>
+            </a:prstGeom>
+            <a:solidFill>
+              <a:srgbClr val="0065BD"/>
+            </a:solidFill>
+          </p:spPr>
+          <p:style>
+            <a:lnRef idx="2">
+              <a:schemeClr val="accent1">
+                <a:shade val="50000"/>
+              </a:schemeClr>
+            </a:lnRef>
+            <a:fillRef idx="1">
+              <a:schemeClr val="accent1"/>
+            </a:fillRef>
+            <a:effectRef idx="0">
+              <a:schemeClr val="accent1"/>
+            </a:effectRef>
+            <a:fontRef idx="minor">
+              <a:schemeClr val="lt1"/>
+            </a:fontRef>
+          </p:style>
+          <p:txBody>
+            <a:bodyPr rtlCol="0" anchor="t"/>
+            <a:lstStyle/>
+            <a:p>
+              <a:pPr algn="ctr"/>
+              <a:r>
+                <a:rPr lang="en-US" sz="5400" dirty="0">
+                  <a:solidFill>
+                    <a:schemeClr val="bg1"/>
+                  </a:solidFill>
+                  <a:latin typeface="Raleway" panose="020B0503030101060003" pitchFamily="34" charset="77"/>
+                </a:rPr>
+                <a:t>The Data</a:t>
+              </a:r>
+            </a:p>
+          </p:txBody>
+        </p:sp>
+        <p:sp>
+          <p:nvSpPr>
+            <p:cNvPr id="80" name="Abgerundetes Rechteck 32">
+              <a:extLst>
+                <a:ext uri="{FF2B5EF4-FFF2-40B4-BE49-F238E27FC236}">
+                  <a16:creationId xmlns:a16="http://schemas.microsoft.com/office/drawing/2014/main" id="{875A9CF5-61A3-4F11-81C5-4C5DC88E8F0A}"/>
+                </a:ext>
+              </a:extLst>
+            </p:cNvPr>
+            <p:cNvSpPr/>
+            <p:nvPr/>
+          </p:nvSpPr>
+          <p:spPr>
+            <a:xfrm>
+              <a:off x="660401" y="10512212"/>
+              <a:ext cx="19649439" cy="7660790"/>
+            </a:xfrm>
+            <a:prstGeom prst="roundRect">
+              <a:avLst>
+                <a:gd name="adj" fmla="val 2972"/>
+              </a:avLst>
+            </a:prstGeom>
+            <a:solidFill>
+              <a:schemeClr val="bg1"/>
+            </a:solidFill>
+            <a:ln>
+              <a:noFill/>
+            </a:ln>
+          </p:spPr>
+          <p:style>
+            <a:lnRef idx="2">
+              <a:schemeClr val="accent1">
+                <a:shade val="50000"/>
+              </a:schemeClr>
+            </a:lnRef>
+            <a:fillRef idx="1">
+              <a:schemeClr val="accent1"/>
+            </a:fillRef>
+            <a:effectRef idx="0">
+              <a:schemeClr val="accent1"/>
+            </a:effectRef>
+            <a:fontRef idx="minor">
+              <a:schemeClr val="lt1"/>
+            </a:fontRef>
+          </p:style>
+          <p:txBody>
+            <a:bodyPr rtlCol="0" anchor="t"/>
+            <a:lstStyle/>
+            <a:p>
+              <a:pPr algn="ctr"/>
+              <a:endParaRPr lang="en-US" sz="4070" dirty="0">
+                <a:solidFill>
+                  <a:schemeClr val="tx1"/>
+                </a:solidFill>
                 <a:latin typeface="Raleway" panose="020B0503030101060003" pitchFamily="34" charset="77"/>
-              </a:rPr>
-              <a:t>consectetur</a:t>
-            </a:r>
+              </a:endParaRPr>
+            </a:p>
+          </p:txBody>
+        </p:sp>
+      </p:grpSp>
+      <p:sp>
+        <p:nvSpPr>
+          <p:cNvPr id="83" name="Textfeld 171">
+            <a:extLst>
+              <a:ext uri="{FF2B5EF4-FFF2-40B4-BE49-F238E27FC236}">
+                <a16:creationId xmlns:a16="http://schemas.microsoft.com/office/drawing/2014/main" id="{480869AA-E5D1-4137-B716-D24858313258}"/>
+              </a:ext>
+            </a:extLst>
+          </p:cNvPr>
+          <p:cNvSpPr txBox="1"/>
+          <p:nvPr/>
+        </p:nvSpPr>
+        <p:spPr>
+          <a:xfrm>
+            <a:off x="688637" y="10405788"/>
+            <a:ext cx="12660189" cy="1077218"/>
+          </a:xfrm>
+          <a:prstGeom prst="rect">
+            <a:avLst/>
+          </a:prstGeom>
+          <a:noFill/>
+        </p:spPr>
+        <p:txBody>
+          <a:bodyPr wrap="square" rtlCol="0">
+            <a:spAutoFit/>
+          </a:bodyPr>
+          <a:lstStyle/>
+          <a:p>
+            <a:pPr algn="just"/>
             <a:r>
               <a:rPr lang="en-US" sz="3200" dirty="0">
                 <a:latin typeface="Raleway" panose="020B0503030101060003" pitchFamily="34" charset="77"/>
               </a:rPr>
-              <a:t> </a:t>
-            </a:r>
-            <a:r>
-              <a:rPr lang="en-US" sz="3200" dirty="0" err="1">
-                <a:latin typeface="Raleway" panose="020B0503030101060003" pitchFamily="34" charset="77"/>
-              </a:rPr>
-              <a:t>adipiscing</a:t>
-            </a:r>
-            <a:r>
-              <a:rPr lang="en-US" sz="3200" dirty="0">
-                <a:latin typeface="Raleway" panose="020B0503030101060003" pitchFamily="34" charset="77"/>
-              </a:rPr>
-              <a:t> </a:t>
-            </a:r>
-            <a:r>
-              <a:rPr lang="en-US" sz="3200" dirty="0" err="1">
-                <a:latin typeface="Raleway" panose="020B0503030101060003" pitchFamily="34" charset="77"/>
-              </a:rPr>
-              <a:t>elit</a:t>
-            </a:r>
-            <a:r>
-              <a:rPr lang="en-US" sz="3200" dirty="0">
-                <a:latin typeface="Raleway" panose="020B0503030101060003" pitchFamily="34" charset="77"/>
-              </a:rPr>
-              <a:t>, </a:t>
-            </a:r>
-            <a:r>
-              <a:rPr lang="en-US" sz="3200" dirty="0" err="1">
-                <a:latin typeface="Raleway" panose="020B0503030101060003" pitchFamily="34" charset="77"/>
-              </a:rPr>
-              <a:t>sed</a:t>
-            </a:r>
-            <a:r>
-              <a:rPr lang="en-US" sz="3200" dirty="0">
-                <a:latin typeface="Raleway" panose="020B0503030101060003" pitchFamily="34" charset="77"/>
-              </a:rPr>
-              <a:t> do </a:t>
-            </a:r>
-            <a:r>
-              <a:rPr lang="en-US" sz="3200" dirty="0" err="1">
-                <a:latin typeface="Raleway" panose="020B0503030101060003" pitchFamily="34" charset="77"/>
-              </a:rPr>
-              <a:t>eiusmod</a:t>
-            </a:r>
-            <a:r>
-              <a:rPr lang="en-US" sz="3200" dirty="0">
-                <a:latin typeface="Raleway" panose="020B0503030101060003" pitchFamily="34" charset="77"/>
-              </a:rPr>
-              <a:t> </a:t>
-            </a:r>
-            <a:r>
-              <a:rPr lang="en-US" sz="3200" dirty="0" err="1">
-                <a:latin typeface="Raleway" panose="020B0503030101060003" pitchFamily="34" charset="77"/>
-              </a:rPr>
-              <a:t>tempor</a:t>
-            </a:r>
-            <a:r>
-              <a:rPr lang="en-US" sz="3200" dirty="0">
-                <a:latin typeface="Raleway" panose="020B0503030101060003" pitchFamily="34" charset="77"/>
-              </a:rPr>
-              <a:t> </a:t>
-            </a:r>
-            <a:r>
-              <a:rPr lang="en-US" sz="3200" dirty="0" err="1">
-                <a:latin typeface="Raleway" panose="020B0503030101060003" pitchFamily="34" charset="77"/>
-              </a:rPr>
-              <a:t>incididunt</a:t>
-            </a:r>
-            <a:r>
-              <a:rPr lang="en-US" sz="3200" dirty="0">
-                <a:latin typeface="Raleway" panose="020B0503030101060003" pitchFamily="34" charset="77"/>
-              </a:rPr>
-              <a:t> </a:t>
-            </a:r>
-            <a:r>
-              <a:rPr lang="en-US" sz="3200" dirty="0" err="1">
-                <a:latin typeface="Raleway" panose="020B0503030101060003" pitchFamily="34" charset="77"/>
-              </a:rPr>
-              <a:t>ut</a:t>
-            </a:r>
-            <a:r>
-              <a:rPr lang="en-US" sz="3200" dirty="0">
-                <a:latin typeface="Raleway" panose="020B0503030101060003" pitchFamily="34" charset="77"/>
-              </a:rPr>
-              <a:t> </a:t>
-            </a:r>
-            <a:r>
-              <a:rPr lang="en-US" sz="3200" dirty="0" err="1">
-                <a:latin typeface="Raleway" panose="020B0503030101060003" pitchFamily="34" charset="77"/>
-              </a:rPr>
-              <a:t>labore</a:t>
-            </a:r>
-            <a:r>
-              <a:rPr lang="en-US" sz="3200" dirty="0">
-                <a:latin typeface="Raleway" panose="020B0503030101060003" pitchFamily="34" charset="77"/>
-              </a:rPr>
-              <a:t>.</a:t>
+              <a:t>The dataset is self-generated. It consists of several shapes (square, star, triangle) in different colors (green, red, blue, purple).</a:t>
             </a:r>
           </a:p>
         </p:txBody>
       </p:sp>
       <p:pic>
         <p:nvPicPr>
-          <p:cNvPr id="11" name="Picture 10">
+          <p:cNvPr id="18" name="Picture 17">
             <a:extLst>
               <a:ext uri="{FF2B5EF4-FFF2-40B4-BE49-F238E27FC236}">
-                <a16:creationId xmlns:a16="http://schemas.microsoft.com/office/drawing/2014/main" id="{4CEDBA34-92A9-8C4F-9AC2-295F77DF98D8}"/>
+                <a16:creationId xmlns:a16="http://schemas.microsoft.com/office/drawing/2014/main" id="{2E4A29C4-E0AA-464E-857B-18CC66C68E9F}"/>
               </a:ext>
             </a:extLst>
           </p:cNvPr>
@@ -7636,37 +5237,7 @@
           <p:nvPr/>
         </p:nvPicPr>
         <p:blipFill>
-          <a:blip r:embed="rId7"/>
-          <a:stretch>
-            <a:fillRect/>
-          </a:stretch>
-        </p:blipFill>
-        <p:spPr>
-          <a:xfrm>
-            <a:off x="4262800" y="10584093"/>
-            <a:ext cx="330200" cy="317500"/>
-          </a:xfrm>
-          <a:prstGeom prst="rect">
-            <a:avLst/>
-          </a:prstGeom>
-        </p:spPr>
-      </p:pic>
-      <p:pic>
-        <p:nvPicPr>
-          <p:cNvPr id="61" name="Picture 60">
-            <a:extLst>
-              <a:ext uri="{FF2B5EF4-FFF2-40B4-BE49-F238E27FC236}">
-                <a16:creationId xmlns:a16="http://schemas.microsoft.com/office/drawing/2014/main" id="{9B8538B1-D70C-5641-831D-1B1EB1D96F61}"/>
-              </a:ext>
-            </a:extLst>
-          </p:cNvPr>
-          <p:cNvPicPr>
-            <a:picLocks noChangeAspect="1"/>
-          </p:cNvPicPr>
-          <p:nvPr/>
-        </p:nvPicPr>
-        <p:blipFill>
-          <a:blip r:embed="rId6">
+          <a:blip r:embed="rId10">
             <a:extLst>
               <a:ext uri="{28A0092B-C50C-407E-A947-70E740481C1C}">
                 <a14:useLocalDpi xmlns:a14="http://schemas.microsoft.com/office/drawing/2010/main" val="0"/>
@@ -7679,14 +5250,278 @@
         </p:blipFill>
         <p:spPr>
           <a:xfrm>
-            <a:off x="22733374" y="22921912"/>
-            <a:ext cx="7669786" cy="3384709"/>
+            <a:off x="13986258" y="10377560"/>
+            <a:ext cx="4823796" cy="1241919"/>
           </a:xfrm>
           <a:prstGeom prst="rect">
             <a:avLst/>
           </a:prstGeom>
         </p:spPr>
       </p:pic>
+      <p:grpSp>
+        <p:nvGrpSpPr>
+          <p:cNvPr id="84" name="Gruppieren 30">
+            <a:extLst>
+              <a:ext uri="{FF2B5EF4-FFF2-40B4-BE49-F238E27FC236}">
+                <a16:creationId xmlns:a16="http://schemas.microsoft.com/office/drawing/2014/main" id="{6A70ADA9-59D5-4B6C-AB2B-5C83B2C66EA6}"/>
+              </a:ext>
+            </a:extLst>
+          </p:cNvPr>
+          <p:cNvGrpSpPr/>
+          <p:nvPr/>
+        </p:nvGrpSpPr>
+        <p:grpSpPr>
+          <a:xfrm>
+            <a:off x="21608403" y="20768264"/>
+            <a:ext cx="20829600" cy="6609731"/>
+            <a:chOff x="487680" y="6633686"/>
+            <a:chExt cx="19994880" cy="12629674"/>
+          </a:xfrm>
+        </p:grpSpPr>
+        <p:sp>
+          <p:nvSpPr>
+            <p:cNvPr id="85" name="Abgerundetes Rechteck 31">
+              <a:extLst>
+                <a:ext uri="{FF2B5EF4-FFF2-40B4-BE49-F238E27FC236}">
+                  <a16:creationId xmlns:a16="http://schemas.microsoft.com/office/drawing/2014/main" id="{9DC22A02-6A1E-4D26-B6C3-0A19BFA56072}"/>
+                </a:ext>
+              </a:extLst>
+            </p:cNvPr>
+            <p:cNvSpPr/>
+            <p:nvPr/>
+          </p:nvSpPr>
+          <p:spPr>
+            <a:xfrm>
+              <a:off x="487680" y="6633686"/>
+              <a:ext cx="19994880" cy="12629674"/>
+            </a:xfrm>
+            <a:prstGeom prst="roundRect">
+              <a:avLst>
+                <a:gd name="adj" fmla="val 2292"/>
+              </a:avLst>
+            </a:prstGeom>
+            <a:solidFill>
+              <a:srgbClr val="0065BD"/>
+            </a:solidFill>
+          </p:spPr>
+          <p:style>
+            <a:lnRef idx="2">
+              <a:schemeClr val="accent1">
+                <a:shade val="50000"/>
+              </a:schemeClr>
+            </a:lnRef>
+            <a:fillRef idx="1">
+              <a:schemeClr val="accent1"/>
+            </a:fillRef>
+            <a:effectRef idx="0">
+              <a:schemeClr val="accent1"/>
+            </a:effectRef>
+            <a:fontRef idx="minor">
+              <a:schemeClr val="lt1"/>
+            </a:fontRef>
+          </p:style>
+          <p:txBody>
+            <a:bodyPr rtlCol="0" anchor="t"/>
+            <a:lstStyle/>
+            <a:p>
+              <a:pPr algn="ctr"/>
+              <a:r>
+                <a:rPr lang="en-US" sz="5400" dirty="0">
+                  <a:solidFill>
+                    <a:schemeClr val="bg1"/>
+                  </a:solidFill>
+                  <a:latin typeface="Raleway" panose="020B0503030101060003" pitchFamily="34" charset="77"/>
+                </a:rPr>
+                <a:t>Results</a:t>
+              </a:r>
+            </a:p>
+          </p:txBody>
+        </p:sp>
+        <p:sp>
+          <p:nvSpPr>
+            <p:cNvPr id="86" name="Abgerundetes Rechteck 32">
+              <a:extLst>
+                <a:ext uri="{FF2B5EF4-FFF2-40B4-BE49-F238E27FC236}">
+                  <a16:creationId xmlns:a16="http://schemas.microsoft.com/office/drawing/2014/main" id="{01BAFB15-8322-4AFC-9D95-9B07D6FC0BAE}"/>
+                </a:ext>
+              </a:extLst>
+            </p:cNvPr>
+            <p:cNvSpPr/>
+            <p:nvPr/>
+          </p:nvSpPr>
+          <p:spPr>
+            <a:xfrm>
+              <a:off x="660401" y="8729896"/>
+              <a:ext cx="19649439" cy="10232240"/>
+            </a:xfrm>
+            <a:prstGeom prst="roundRect">
+              <a:avLst>
+                <a:gd name="adj" fmla="val 2972"/>
+              </a:avLst>
+            </a:prstGeom>
+            <a:solidFill>
+              <a:schemeClr val="bg1"/>
+            </a:solidFill>
+            <a:ln>
+              <a:noFill/>
+            </a:ln>
+          </p:spPr>
+          <p:style>
+            <a:lnRef idx="2">
+              <a:schemeClr val="accent1">
+                <a:shade val="50000"/>
+              </a:schemeClr>
+            </a:lnRef>
+            <a:fillRef idx="1">
+              <a:schemeClr val="accent1"/>
+            </a:fillRef>
+            <a:effectRef idx="0">
+              <a:schemeClr val="accent1"/>
+            </a:effectRef>
+            <a:fontRef idx="minor">
+              <a:schemeClr val="lt1"/>
+            </a:fontRef>
+          </p:style>
+          <p:txBody>
+            <a:bodyPr rtlCol="0" anchor="t"/>
+            <a:lstStyle/>
+            <a:p>
+              <a:pPr algn="ctr"/>
+              <a:endParaRPr lang="en-US" sz="4070" dirty="0">
+                <a:solidFill>
+                  <a:schemeClr val="tx1"/>
+                </a:solidFill>
+                <a:latin typeface="Raleway" panose="020B0503030101060003" pitchFamily="34" charset="77"/>
+              </a:endParaRPr>
+            </a:p>
+          </p:txBody>
+        </p:sp>
+      </p:grpSp>
+      <p:pic>
+        <p:nvPicPr>
+          <p:cNvPr id="29" name="Picture 28">
+            <a:extLst>
+              <a:ext uri="{FF2B5EF4-FFF2-40B4-BE49-F238E27FC236}">
+                <a16:creationId xmlns:a16="http://schemas.microsoft.com/office/drawing/2014/main" id="{303F60DF-33E1-4187-92D3-48A931878021}"/>
+              </a:ext>
+            </a:extLst>
+          </p:cNvPr>
+          <p:cNvPicPr>
+            <a:picLocks noChangeAspect="1"/>
+          </p:cNvPicPr>
+          <p:nvPr/>
+        </p:nvPicPr>
+        <p:blipFill>
+          <a:blip r:embed="rId11">
+            <a:extLst>
+              <a:ext uri="{28A0092B-C50C-407E-A947-70E740481C1C}">
+                <a14:useLocalDpi xmlns:a14="http://schemas.microsoft.com/office/drawing/2010/main" val="0"/>
+              </a:ext>
+            </a:extLst>
+          </a:blip>
+          <a:stretch>
+            <a:fillRect/>
+          </a:stretch>
+        </p:blipFill>
+        <p:spPr>
+          <a:xfrm>
+            <a:off x="33067854" y="22548210"/>
+            <a:ext cx="8095613" cy="3989243"/>
+          </a:xfrm>
+          <a:prstGeom prst="rect">
+            <a:avLst/>
+          </a:prstGeom>
+        </p:spPr>
+      </p:pic>
+      <p:sp>
+        <p:nvSpPr>
+          <p:cNvPr id="94" name="Textfeld 171">
+            <a:extLst>
+              <a:ext uri="{FF2B5EF4-FFF2-40B4-BE49-F238E27FC236}">
+                <a16:creationId xmlns:a16="http://schemas.microsoft.com/office/drawing/2014/main" id="{501D9895-93B7-472E-A170-5077A95DBBAF}"/>
+              </a:ext>
+            </a:extLst>
+          </p:cNvPr>
+          <p:cNvSpPr txBox="1"/>
+          <p:nvPr/>
+        </p:nvSpPr>
+        <p:spPr>
+          <a:xfrm>
+            <a:off x="22475706" y="23058371"/>
+            <a:ext cx="9995492" cy="2956579"/>
+          </a:xfrm>
+          <a:prstGeom prst="rect">
+            <a:avLst/>
+          </a:prstGeom>
+          <a:noFill/>
+        </p:spPr>
+        <p:txBody>
+          <a:bodyPr wrap="square" rtlCol="0">
+            <a:spAutoFit/>
+          </a:bodyPr>
+          <a:lstStyle/>
+          <a:p>
+            <a:pPr marL="457200" indent="-457200" algn="just">
+              <a:lnSpc>
+                <a:spcPct val="150000"/>
+              </a:lnSpc>
+              <a:buFont typeface="Wingdings" panose="05000000000000000000" pitchFamily="2" charset="2"/>
+              <a:buChar char="ü"/>
+            </a:pPr>
+            <a:r>
+              <a:rPr lang="en-US" sz="3200" dirty="0">
+                <a:latin typeface="Raleway" panose="020B0503030101060003" pitchFamily="34" charset="77"/>
+              </a:rPr>
+              <a:t>Image generation from descriptions</a:t>
+            </a:r>
+          </a:p>
+          <a:p>
+            <a:pPr marL="457200" indent="-457200" algn="just">
+              <a:lnSpc>
+                <a:spcPct val="150000"/>
+              </a:lnSpc>
+              <a:buFont typeface="Wingdings" panose="05000000000000000000" pitchFamily="2" charset="2"/>
+              <a:buChar char="ü"/>
+            </a:pPr>
+            <a:r>
+              <a:rPr lang="en-US" sz="3200" dirty="0">
+                <a:latin typeface="Raleway" panose="020B0503030101060003" pitchFamily="34" charset="77"/>
+              </a:rPr>
+              <a:t>Successful modification by instructions </a:t>
+            </a:r>
+          </a:p>
+          <a:p>
+            <a:pPr marL="457200" indent="-457200" algn="just">
+              <a:lnSpc>
+                <a:spcPct val="150000"/>
+              </a:lnSpc>
+              <a:buFont typeface="Wingdings" panose="05000000000000000000" pitchFamily="2" charset="2"/>
+              <a:buChar char="ü"/>
+            </a:pPr>
+            <a:r>
+              <a:rPr lang="en-US" sz="3200" dirty="0">
+                <a:latin typeface="Raleway" panose="020B0503030101060003" pitchFamily="34" charset="77"/>
+              </a:rPr>
+              <a:t>Clear shapes</a:t>
+            </a:r>
+          </a:p>
+          <a:p>
+            <a:pPr marL="457200" indent="-457200" algn="just">
+              <a:lnSpc>
+                <a:spcPct val="150000"/>
+              </a:lnSpc>
+              <a:buFont typeface="Wingdings" panose="05000000000000000000" pitchFamily="2" charset="2"/>
+              <a:buChar char="ü"/>
+            </a:pPr>
+            <a:r>
+              <a:rPr lang="en-US" sz="3200" dirty="0">
+                <a:latin typeface="Raleway" panose="020B0503030101060003" pitchFamily="34" charset="77"/>
+              </a:rPr>
+              <a:t>Vivid colors</a:t>
+            </a:r>
+          </a:p>
+        </p:txBody>
+      </p:sp>
     </p:spTree>
     <p:extLst>
       <p:ext uri="{BB962C8B-B14F-4D97-AF65-F5344CB8AC3E}">
